--- a/doc/docker勉強会Vol1 (ハンズオン).pptx
+++ b/doc/docker勉強会Vol1 (ハンズオン).pptx
@@ -8,7 +8,16 @@
     <p:sldId id="256" r:id="rId2"/>
     <p:sldId id="293" r:id="rId3"/>
     <p:sldId id="290" r:id="rId4"/>
-    <p:sldId id="291" r:id="rId5"/>
+    <p:sldId id="294" r:id="rId5"/>
+    <p:sldId id="297" r:id="rId6"/>
+    <p:sldId id="295" r:id="rId7"/>
+    <p:sldId id="298" r:id="rId8"/>
+    <p:sldId id="291" r:id="rId9"/>
+    <p:sldId id="299" r:id="rId10"/>
+    <p:sldId id="301" r:id="rId11"/>
+    <p:sldId id="302" r:id="rId12"/>
+    <p:sldId id="303" r:id="rId13"/>
+    <p:sldId id="304" r:id="rId14"/>
   </p:sldIdLst>
   <p:sldSz cx="9144000" cy="6858000" type="screen4x3"/>
   <p:notesSz cx="7104063" cy="10234613"/>
@@ -1058,6 +1067,3302 @@
 </p:sld>
 </file>
 
+<file path=ppt/slides/slide10.xml><?xml version="1.0" encoding="utf-8"?>
+<p:sld xmlns:a="http://schemas.openxmlformats.org/drawingml/2006/main" xmlns:r="http://schemas.openxmlformats.org/officeDocument/2006/relationships" xmlns:p="http://schemas.openxmlformats.org/presentationml/2006/main">
+  <p:cSld>
+    <p:spTree>
+      <p:nvGrpSpPr>
+        <p:cNvPr id="1" name=""/>
+        <p:cNvGrpSpPr/>
+        <p:nvPr/>
+      </p:nvGrpSpPr>
+      <p:grpSpPr>
+        <a:xfrm>
+          <a:off x="0" y="0"/>
+          <a:ext cx="0" cy="0"/>
+          <a:chOff x="0" y="0"/>
+          <a:chExt cx="0" cy="0"/>
+        </a:xfrm>
+      </p:grpSpPr>
+      <p:sp>
+        <p:nvSpPr>
+          <p:cNvPr id="3" name="コンテンツ プレースホルダー 2"/>
+          <p:cNvSpPr>
+            <a:spLocks noGrp="1"/>
+          </p:cNvSpPr>
+          <p:nvPr>
+            <p:ph idx="1"/>
+          </p:nvPr>
+        </p:nvSpPr>
+        <p:spPr>
+          <a:xfrm>
+            <a:off x="261257" y="971550"/>
+            <a:ext cx="8958943" cy="3422650"/>
+          </a:xfrm>
+        </p:spPr>
+        <p:txBody>
+          <a:bodyPr>
+            <a:normAutofit/>
+          </a:bodyPr>
+          <a:lstStyle/>
+          <a:p>
+            <a:r>
+              <a:rPr kumimoji="1" lang="ja-JP" altLang="en-US" smtClean="0"/>
+              <a:t>実現例</a:t>
+            </a:r>
+            <a:endParaRPr kumimoji="1" lang="en-US" altLang="ja-JP" smtClean="0"/>
+          </a:p>
+          <a:p>
+            <a:pPr lvl="1"/>
+            <a:r>
+              <a:rPr kumimoji="1" lang="ja-JP" altLang="en-US" smtClean="0"/>
+              <a:t>クレーム発生！</a:t>
+            </a:r>
+            <a:endParaRPr kumimoji="1" lang="en-US" altLang="ja-JP" smtClean="0"/>
+          </a:p>
+          <a:p>
+            <a:pPr lvl="2"/>
+            <a:r>
+              <a:rPr kumimoji="1" lang="ja-JP" altLang="en-US" smtClean="0"/>
+              <a:t>ユーザ名が空白の時、「</a:t>
+            </a:r>
+            <a:r>
+              <a:rPr lang="en-US" altLang="ja-JP"/>
+              <a:t>¯\_(</a:t>
+            </a:r>
+            <a:r>
+              <a:rPr lang="ja-JP" altLang="en-US" i="1"/>
+              <a:t>ツ</a:t>
+            </a:r>
+            <a:r>
+              <a:rPr lang="en-US" altLang="ja-JP"/>
+              <a:t>)_/¯</a:t>
+            </a:r>
+            <a:r>
+              <a:rPr kumimoji="1" lang="ja-JP" altLang="en-US" smtClean="0"/>
+              <a:t>」というナメた応答が来る！</a:t>
+            </a:r>
+            <a:endParaRPr kumimoji="1" lang="en-US" altLang="ja-JP" smtClean="0"/>
+          </a:p>
+          <a:p>
+            <a:pPr lvl="2"/>
+            <a:r>
+              <a:rPr lang="ja-JP" altLang="en-US" smtClean="0">
+                <a:solidFill>
+                  <a:schemeClr val="accent4"/>
+                </a:solidFill>
+              </a:rPr>
+              <a:t>⇒</a:t>
+            </a:r>
+            <a:r>
+              <a:rPr lang="en-US" altLang="ja-JP" smtClean="0">
+                <a:solidFill>
+                  <a:schemeClr val="accent4"/>
+                </a:solidFill>
+              </a:rPr>
+              <a:t>frontend</a:t>
+            </a:r>
+            <a:r>
+              <a:rPr lang="ja-JP" altLang="en-US" smtClean="0">
+                <a:solidFill>
+                  <a:schemeClr val="accent4"/>
+                </a:solidFill>
+              </a:rPr>
+              <a:t>の</a:t>
+            </a:r>
+            <a:r>
+              <a:rPr lang="ja-JP" altLang="en-US">
+                <a:solidFill>
+                  <a:schemeClr val="accent4"/>
+                </a:solidFill>
+              </a:rPr>
+              <a:t>前</a:t>
+            </a:r>
+            <a:r>
+              <a:rPr lang="ja-JP" altLang="en-US" smtClean="0">
+                <a:solidFill>
+                  <a:schemeClr val="accent4"/>
+                </a:solidFill>
+              </a:rPr>
+              <a:t>に中継を入れて入力を補正</a:t>
+            </a:r>
+            <a:endParaRPr lang="en-US" altLang="ja-JP">
+              <a:solidFill>
+                <a:schemeClr val="accent4"/>
+              </a:solidFill>
+            </a:endParaRPr>
+          </a:p>
+          <a:p>
+            <a:pPr lvl="1"/>
+            <a:r>
+              <a:rPr lang="ja-JP" altLang="en-US"/>
+              <a:t>機能追加要望！</a:t>
+            </a:r>
+            <a:endParaRPr lang="en-US" altLang="ja-JP"/>
+          </a:p>
+          <a:p>
+            <a:pPr lvl="2"/>
+            <a:r>
+              <a:rPr lang="ja-JP" altLang="en-US"/>
+              <a:t>社長「管理用にアクセスログを</a:t>
+            </a:r>
+            <a:r>
+              <a:rPr lang="en-US" altLang="ja-JP"/>
+              <a:t>Web</a:t>
+            </a:r>
+            <a:r>
+              <a:rPr lang="ja-JP" altLang="en-US"/>
+              <a:t>でみたいなー」</a:t>
+            </a:r>
+            <a:endParaRPr lang="en-US" altLang="ja-JP"/>
+          </a:p>
+          <a:p>
+            <a:pPr lvl="2"/>
+            <a:r>
+              <a:rPr lang="ja-JP" altLang="en-US" smtClean="0">
+                <a:solidFill>
+                  <a:schemeClr val="accent4"/>
+                </a:solidFill>
+              </a:rPr>
+              <a:t>⇒</a:t>
+            </a:r>
+            <a:r>
+              <a:rPr lang="en-US" altLang="ja-JP" smtClean="0">
+                <a:solidFill>
+                  <a:schemeClr val="accent4"/>
+                </a:solidFill>
+              </a:rPr>
+              <a:t>backend</a:t>
+            </a:r>
+            <a:r>
+              <a:rPr lang="ja-JP" altLang="en-US" smtClean="0">
+                <a:solidFill>
+                  <a:schemeClr val="accent4"/>
+                </a:solidFill>
+              </a:rPr>
+              <a:t>の</a:t>
+            </a:r>
+            <a:r>
+              <a:rPr lang="en-US" altLang="ja-JP" smtClean="0">
+                <a:solidFill>
+                  <a:schemeClr val="accent4"/>
+                </a:solidFill>
+              </a:rPr>
+              <a:t>log</a:t>
+            </a:r>
+            <a:r>
+              <a:rPr lang="ja-JP" altLang="en-US" smtClean="0">
+                <a:solidFill>
+                  <a:schemeClr val="accent4"/>
+                </a:solidFill>
+              </a:rPr>
+              <a:t>を読み込んで応答する</a:t>
+            </a:r>
+            <a:r>
+              <a:rPr lang="en-US" altLang="ja-JP" smtClean="0">
+                <a:solidFill>
+                  <a:schemeClr val="accent4"/>
+                </a:solidFill>
+              </a:rPr>
+              <a:t>web</a:t>
+            </a:r>
+            <a:r>
+              <a:rPr lang="ja-JP" altLang="en-US" smtClean="0">
+                <a:solidFill>
+                  <a:schemeClr val="accent4"/>
+                </a:solidFill>
+              </a:rPr>
+              <a:t>サーバを追加</a:t>
+            </a:r>
+            <a:endParaRPr lang="en-US" altLang="ja-JP" smtClean="0">
+              <a:solidFill>
+                <a:schemeClr val="accent4"/>
+              </a:solidFill>
+            </a:endParaRPr>
+          </a:p>
+        </p:txBody>
+      </p:sp>
+      <p:sp>
+        <p:nvSpPr>
+          <p:cNvPr id="4" name="タイトル 1"/>
+          <p:cNvSpPr>
+            <a:spLocks noGrp="1"/>
+          </p:cNvSpPr>
+          <p:nvPr>
+            <p:ph type="title"/>
+          </p:nvPr>
+        </p:nvSpPr>
+        <p:spPr>
+          <a:xfrm>
+            <a:off x="628649" y="365126"/>
+            <a:ext cx="8254093" cy="532945"/>
+          </a:xfrm>
+        </p:spPr>
+        <p:txBody>
+          <a:bodyPr/>
+          <a:lstStyle/>
+          <a:p>
+            <a:r>
+              <a:rPr lang="ja-JP" altLang="en-US"/>
+              <a:t>使ってみる～ハンズオン ケーススタディ～</a:t>
+            </a:r>
+            <a:endParaRPr kumimoji="1" lang="ja-JP" altLang="en-US"/>
+          </a:p>
+        </p:txBody>
+      </p:sp>
+    </p:spTree>
+    <p:extLst>
+      <p:ext uri="{BB962C8B-B14F-4D97-AF65-F5344CB8AC3E}">
+        <p14:creationId xmlns:p14="http://schemas.microsoft.com/office/powerpoint/2010/main" val="3475022488"/>
+      </p:ext>
+    </p:extLst>
+  </p:cSld>
+  <p:clrMapOvr>
+    <a:masterClrMapping/>
+  </p:clrMapOvr>
+  <p:timing>
+    <p:tnLst>
+      <p:par>
+        <p:cTn id="1" dur="indefinite" restart="never" nodeType="tmRoot"/>
+      </p:par>
+    </p:tnLst>
+  </p:timing>
+</p:sld>
+</file>
+
+<file path=ppt/slides/slide11.xml><?xml version="1.0" encoding="utf-8"?>
+<p:sld xmlns:a="http://schemas.openxmlformats.org/drawingml/2006/main" xmlns:r="http://schemas.openxmlformats.org/officeDocument/2006/relationships" xmlns:p="http://schemas.openxmlformats.org/presentationml/2006/main">
+  <p:cSld>
+    <p:spTree>
+      <p:nvGrpSpPr>
+        <p:cNvPr id="1" name=""/>
+        <p:cNvGrpSpPr/>
+        <p:nvPr/>
+      </p:nvGrpSpPr>
+      <p:grpSpPr>
+        <a:xfrm>
+          <a:off x="0" y="0"/>
+          <a:ext cx="0" cy="0"/>
+          <a:chOff x="0" y="0"/>
+          <a:chExt cx="0" cy="0"/>
+        </a:xfrm>
+      </p:grpSpPr>
+      <p:sp>
+        <p:nvSpPr>
+          <p:cNvPr id="3" name="コンテンツ プレースホルダー 2"/>
+          <p:cNvSpPr>
+            <a:spLocks noGrp="1"/>
+          </p:cNvSpPr>
+          <p:nvPr>
+            <p:ph idx="1"/>
+          </p:nvPr>
+        </p:nvSpPr>
+        <p:spPr>
+          <a:xfrm>
+            <a:off x="261257" y="971549"/>
+            <a:ext cx="8686799" cy="1827573"/>
+          </a:xfrm>
+        </p:spPr>
+        <p:txBody>
+          <a:bodyPr>
+            <a:normAutofit/>
+          </a:bodyPr>
+          <a:lstStyle/>
+          <a:p>
+            <a:pPr marL="271463" indent="-271463"/>
+            <a:r>
+              <a:rPr lang="en-US" altLang="ja-JP" smtClean="0"/>
+              <a:t>Sidecar</a:t>
+            </a:r>
+            <a:r>
+              <a:rPr lang="ja-JP" altLang="en-US" smtClean="0"/>
+              <a:t>パターンで実現してみる</a:t>
+            </a:r>
+            <a:endParaRPr lang="en-US" altLang="ja-JP" smtClean="0"/>
+          </a:p>
+          <a:p>
+            <a:pPr marL="728663" lvl="1" indent="-271463"/>
+            <a:r>
+              <a:rPr kumimoji="1" lang="en-US" altLang="ja-JP" smtClean="0"/>
+              <a:t>frontend_sidecar.py</a:t>
+            </a:r>
+          </a:p>
+          <a:p>
+            <a:pPr marL="728663" lvl="1" indent="-271463"/>
+            <a:r>
+              <a:rPr kumimoji="1" lang="en-US" altLang="ja-JP" smtClean="0"/>
+              <a:t>backend_sidecar.py</a:t>
+            </a:r>
+          </a:p>
+          <a:p>
+            <a:pPr marL="728663" lvl="1" indent="-271463"/>
+            <a:r>
+              <a:rPr lang="ja-JP" altLang="en-US" smtClean="0"/>
+              <a:t>↑の</a:t>
+            </a:r>
+            <a:r>
+              <a:rPr lang="en-US" altLang="ja-JP" smtClean="0"/>
+              <a:t>2</a:t>
+            </a:r>
+            <a:r>
+              <a:rPr lang="ja-JP" altLang="en-US" smtClean="0"/>
+              <a:t>つは</a:t>
+            </a:r>
+            <a:r>
+              <a:rPr lang="en-US" altLang="ja-JP" smtClean="0"/>
+              <a:t>python</a:t>
+            </a:r>
+            <a:r>
+              <a:rPr lang="ja-JP" altLang="en-US" smtClean="0"/>
+              <a:t>ライブラリの</a:t>
+            </a:r>
+            <a:r>
+              <a:rPr lang="en-US" altLang="ja-JP" smtClean="0"/>
+              <a:t>Flask</a:t>
+            </a:r>
+            <a:r>
+              <a:rPr lang="ja-JP" altLang="en-US" smtClean="0"/>
+              <a:t>を利用して実装</a:t>
+            </a:r>
+            <a:endParaRPr kumimoji="1" lang="en-US" altLang="ja-JP" smtClean="0"/>
+          </a:p>
+        </p:txBody>
+      </p:sp>
+      <p:sp>
+        <p:nvSpPr>
+          <p:cNvPr id="2" name="タイトル 1"/>
+          <p:cNvSpPr>
+            <a:spLocks noGrp="1"/>
+          </p:cNvSpPr>
+          <p:nvPr>
+            <p:ph type="title"/>
+          </p:nvPr>
+        </p:nvSpPr>
+        <p:spPr/>
+        <p:txBody>
+          <a:bodyPr/>
+          <a:lstStyle/>
+          <a:p>
+            <a:r>
+              <a:rPr lang="ja-JP" altLang="en-US"/>
+              <a:t>使ってみる～ハンズオン ケーススタディ～</a:t>
+            </a:r>
+            <a:endParaRPr kumimoji="1" lang="ja-JP" altLang="en-US"/>
+          </a:p>
+        </p:txBody>
+      </p:sp>
+      <p:sp>
+        <p:nvSpPr>
+          <p:cNvPr id="4" name="正方形/長方形 3"/>
+          <p:cNvSpPr/>
+          <p:nvPr/>
+        </p:nvSpPr>
+        <p:spPr>
+          <a:xfrm>
+            <a:off x="6258360" y="3281192"/>
+            <a:ext cx="1529691" cy="1733389"/>
+          </a:xfrm>
+          <a:prstGeom prst="rect">
+            <a:avLst/>
+          </a:prstGeom>
+          <a:solidFill>
+            <a:schemeClr val="tx1"/>
+          </a:solidFill>
+          <a:ln>
+            <a:noFill/>
+          </a:ln>
+        </p:spPr>
+        <p:style>
+          <a:lnRef idx="2">
+            <a:schemeClr val="accent1">
+              <a:shade val="50000"/>
+            </a:schemeClr>
+          </a:lnRef>
+          <a:fillRef idx="1">
+            <a:schemeClr val="accent1"/>
+          </a:fillRef>
+          <a:effectRef idx="0">
+            <a:schemeClr val="accent1"/>
+          </a:effectRef>
+          <a:fontRef idx="minor">
+            <a:schemeClr val="lt1"/>
+          </a:fontRef>
+        </p:style>
+        <p:txBody>
+          <a:bodyPr rtlCol="0" anchor="ctr"/>
+          <a:lstStyle/>
+          <a:p>
+            <a:pPr algn="ctr"/>
+            <a:r>
+              <a:rPr kumimoji="1" lang="en-US" altLang="ja-JP" smtClean="0">
+                <a:solidFill>
+                  <a:schemeClr val="bg1"/>
+                </a:solidFill>
+                <a:latin typeface="Meiryo UI" panose="020B0604030504040204" pitchFamily="50" charset="-128"/>
+                <a:ea typeface="Meiryo UI" panose="020B0604030504040204" pitchFamily="50" charset="-128"/>
+              </a:rPr>
+              <a:t>frontend.py</a:t>
+            </a:r>
+          </a:p>
+          <a:p>
+            <a:pPr algn="ctr"/>
+            <a:r>
+              <a:rPr lang="en-US" altLang="ja-JP" smtClean="0">
+                <a:solidFill>
+                  <a:schemeClr val="bg1"/>
+                </a:solidFill>
+                <a:latin typeface="Meiryo UI" panose="020B0604030504040204" pitchFamily="50" charset="-128"/>
+                <a:ea typeface="Meiryo UI" panose="020B0604030504040204" pitchFamily="50" charset="-128"/>
+              </a:rPr>
+              <a:t>GET</a:t>
+            </a:r>
+            <a:r>
+              <a:rPr lang="ja-JP" altLang="en-US" smtClean="0">
+                <a:solidFill>
+                  <a:schemeClr val="bg1"/>
+                </a:solidFill>
+                <a:latin typeface="Meiryo UI" panose="020B0604030504040204" pitchFamily="50" charset="-128"/>
+                <a:ea typeface="Meiryo UI" panose="020B0604030504040204" pitchFamily="50" charset="-128"/>
+              </a:rPr>
+              <a:t>あて先は</a:t>
+            </a:r>
+            <a:endParaRPr lang="en-US" altLang="ja-JP" smtClean="0">
+              <a:solidFill>
+                <a:schemeClr val="bg1"/>
+              </a:solidFill>
+              <a:latin typeface="Meiryo UI" panose="020B0604030504040204" pitchFamily="50" charset="-128"/>
+              <a:ea typeface="Meiryo UI" panose="020B0604030504040204" pitchFamily="50" charset="-128"/>
+            </a:endParaRPr>
+          </a:p>
+          <a:p>
+            <a:pPr algn="ctr"/>
+            <a:r>
+              <a:rPr lang="en-US" altLang="ja-JP">
+                <a:solidFill>
+                  <a:schemeClr val="bg1"/>
+                </a:solidFill>
+                <a:latin typeface="Meiryo UI" panose="020B0604030504040204" pitchFamily="50" charset="-128"/>
+                <a:ea typeface="Meiryo UI" panose="020B0604030504040204" pitchFamily="50" charset="-128"/>
+              </a:rPr>
+              <a:t>http://$dst</a:t>
+            </a:r>
+            <a:endParaRPr kumimoji="1" lang="ja-JP" altLang="en-US" smtClean="0">
+              <a:solidFill>
+                <a:schemeClr val="bg1"/>
+              </a:solidFill>
+              <a:latin typeface="Meiryo UI" panose="020B0604030504040204" pitchFamily="50" charset="-128"/>
+              <a:ea typeface="Meiryo UI" panose="020B0604030504040204" pitchFamily="50" charset="-128"/>
+            </a:endParaRPr>
+          </a:p>
+        </p:txBody>
+      </p:sp>
+      <p:grpSp>
+        <p:nvGrpSpPr>
+          <p:cNvPr id="16" name="グループ化 15"/>
+          <p:cNvGrpSpPr/>
+          <p:nvPr/>
+        </p:nvGrpSpPr>
+        <p:grpSpPr>
+          <a:xfrm>
+            <a:off x="1175061" y="3060861"/>
+            <a:ext cx="936000" cy="720000"/>
+            <a:chOff x="1200152" y="2015070"/>
+            <a:chExt cx="1440000" cy="1108780"/>
+          </a:xfrm>
+        </p:grpSpPr>
+        <p:sp>
+          <p:nvSpPr>
+            <p:cNvPr id="5" name="正方形/長方形 4"/>
+            <p:cNvSpPr/>
+            <p:nvPr/>
+          </p:nvSpPr>
+          <p:spPr>
+            <a:xfrm>
+              <a:off x="1200152" y="2193213"/>
+              <a:ext cx="1440000" cy="930637"/>
+            </a:xfrm>
+            <a:prstGeom prst="rect">
+              <a:avLst/>
+            </a:prstGeom>
+            <a:solidFill>
+              <a:schemeClr val="tx1"/>
+            </a:solidFill>
+            <a:ln>
+              <a:noFill/>
+            </a:ln>
+          </p:spPr>
+          <p:style>
+            <a:lnRef idx="2">
+              <a:schemeClr val="accent1">
+                <a:shade val="50000"/>
+              </a:schemeClr>
+            </a:lnRef>
+            <a:fillRef idx="1">
+              <a:schemeClr val="accent1"/>
+            </a:fillRef>
+            <a:effectRef idx="0">
+              <a:schemeClr val="accent1"/>
+            </a:effectRef>
+            <a:fontRef idx="minor">
+              <a:schemeClr val="lt1"/>
+            </a:fontRef>
+          </p:style>
+          <p:txBody>
+            <a:bodyPr rtlCol="0" anchor="ctr"/>
+            <a:lstStyle/>
+            <a:p>
+              <a:pPr algn="ctr"/>
+              <a:endParaRPr kumimoji="1" lang="ja-JP" altLang="en-US" smtClean="0">
+                <a:solidFill>
+                  <a:schemeClr val="bg1"/>
+                </a:solidFill>
+                <a:latin typeface="Meiryo UI" panose="020B0604030504040204" pitchFamily="50" charset="-128"/>
+                <a:ea typeface="Meiryo UI" panose="020B0604030504040204" pitchFamily="50" charset="-128"/>
+              </a:endParaRPr>
+            </a:p>
+          </p:txBody>
+        </p:sp>
+        <p:sp>
+          <p:nvSpPr>
+            <p:cNvPr id="9" name="正方形/長方形 8"/>
+            <p:cNvSpPr/>
+            <p:nvPr/>
+          </p:nvSpPr>
+          <p:spPr>
+            <a:xfrm>
+              <a:off x="1200152" y="2015070"/>
+              <a:ext cx="1440000" cy="182029"/>
+            </a:xfrm>
+            <a:prstGeom prst="rect">
+              <a:avLst/>
+            </a:prstGeom>
+            <a:solidFill>
+              <a:schemeClr val="accent1"/>
+            </a:solidFill>
+            <a:ln>
+              <a:noFill/>
+            </a:ln>
+          </p:spPr>
+          <p:style>
+            <a:lnRef idx="2">
+              <a:schemeClr val="accent1">
+                <a:shade val="50000"/>
+              </a:schemeClr>
+            </a:lnRef>
+            <a:fillRef idx="1">
+              <a:schemeClr val="accent1"/>
+            </a:fillRef>
+            <a:effectRef idx="0">
+              <a:schemeClr val="accent1"/>
+            </a:effectRef>
+            <a:fontRef idx="minor">
+              <a:schemeClr val="lt1"/>
+            </a:fontRef>
+          </p:style>
+          <p:txBody>
+            <a:bodyPr rtlCol="0" anchor="ctr"/>
+            <a:lstStyle/>
+            <a:p>
+              <a:pPr algn="ctr"/>
+              <a:endParaRPr kumimoji="1" lang="ja-JP" altLang="en-US" smtClean="0">
+                <a:solidFill>
+                  <a:schemeClr val="bg1"/>
+                </a:solidFill>
+                <a:latin typeface="Meiryo UI" panose="020B0604030504040204" pitchFamily="50" charset="-128"/>
+                <a:ea typeface="Meiryo UI" panose="020B0604030504040204" pitchFamily="50" charset="-128"/>
+              </a:endParaRPr>
+            </a:p>
+          </p:txBody>
+        </p:sp>
+      </p:grpSp>
+      <p:sp>
+        <p:nvSpPr>
+          <p:cNvPr id="10" name="テキスト ボックス 9"/>
+          <p:cNvSpPr txBox="1"/>
+          <p:nvPr/>
+        </p:nvSpPr>
+        <p:spPr>
+          <a:xfrm>
+            <a:off x="1187630" y="3746007"/>
+            <a:ext cx="937684" cy="369332"/>
+          </a:xfrm>
+          <a:prstGeom prst="rect">
+            <a:avLst/>
+          </a:prstGeom>
+          <a:noFill/>
+        </p:spPr>
+        <p:txBody>
+          <a:bodyPr wrap="square" rtlCol="0">
+            <a:spAutoFit/>
+          </a:bodyPr>
+          <a:lstStyle/>
+          <a:p>
+            <a:r>
+              <a:rPr kumimoji="1" lang="ja-JP" altLang="en-US" smtClean="0"/>
+              <a:t>ブラウザ</a:t>
+            </a:r>
+            <a:endParaRPr kumimoji="1" lang="en-US" altLang="ja-JP" smtClean="0"/>
+          </a:p>
+        </p:txBody>
+      </p:sp>
+      <p:cxnSp>
+        <p:nvCxnSpPr>
+          <p:cNvPr id="18" name="直線矢印コネクタ 17"/>
+          <p:cNvCxnSpPr/>
+          <p:nvPr/>
+        </p:nvCxnSpPr>
+        <p:spPr>
+          <a:xfrm flipV="1">
+            <a:off x="2176392" y="3500982"/>
+            <a:ext cx="694267" cy="8467"/>
+          </a:xfrm>
+          <a:prstGeom prst="straightConnector1">
+            <a:avLst/>
+          </a:prstGeom>
+          <a:ln w="57150">
+            <a:solidFill>
+              <a:schemeClr val="accent4"/>
+            </a:solidFill>
+            <a:tailEnd type="triangle"/>
+          </a:ln>
+        </p:spPr>
+        <p:style>
+          <a:lnRef idx="1">
+            <a:schemeClr val="accent1"/>
+          </a:lnRef>
+          <a:fillRef idx="0">
+            <a:schemeClr val="accent1"/>
+          </a:fillRef>
+          <a:effectRef idx="0">
+            <a:schemeClr val="accent1"/>
+          </a:effectRef>
+          <a:fontRef idx="minor">
+            <a:schemeClr val="tx1"/>
+          </a:fontRef>
+        </p:style>
+      </p:cxnSp>
+      <p:sp>
+        <p:nvSpPr>
+          <p:cNvPr id="19" name="テキスト ボックス 18"/>
+          <p:cNvSpPr txBox="1"/>
+          <p:nvPr/>
+        </p:nvSpPr>
+        <p:spPr>
+          <a:xfrm>
+            <a:off x="2083258" y="3026161"/>
+            <a:ext cx="841119" cy="369332"/>
+          </a:xfrm>
+          <a:prstGeom prst="rect">
+            <a:avLst/>
+          </a:prstGeom>
+          <a:noFill/>
+        </p:spPr>
+        <p:txBody>
+          <a:bodyPr wrap="square" rtlCol="0">
+            <a:spAutoFit/>
+          </a:bodyPr>
+          <a:lstStyle/>
+          <a:p>
+            <a:r>
+              <a:rPr kumimoji="1" lang="en-US" altLang="ja-JP" smtClean="0"/>
+              <a:t>GET/</a:t>
+            </a:r>
+            <a:endParaRPr kumimoji="1" lang="ja-JP" altLang="en-US"/>
+          </a:p>
+        </p:txBody>
+      </p:sp>
+      <p:sp>
+        <p:nvSpPr>
+          <p:cNvPr id="22" name="テキスト ボックス 21"/>
+          <p:cNvSpPr txBox="1"/>
+          <p:nvPr/>
+        </p:nvSpPr>
+        <p:spPr>
+          <a:xfrm>
+            <a:off x="3264690" y="2702995"/>
+            <a:ext cx="1805965" cy="646331"/>
+          </a:xfrm>
+          <a:prstGeom prst="rect">
+            <a:avLst/>
+          </a:prstGeom>
+          <a:noFill/>
+        </p:spPr>
+        <p:txBody>
+          <a:bodyPr wrap="square" rtlCol="0">
+            <a:spAutoFit/>
+          </a:bodyPr>
+          <a:lstStyle/>
+          <a:p>
+            <a:pPr algn="ctr"/>
+            <a:r>
+              <a:rPr lang="en-US" altLang="ja-JP" smtClean="0"/>
+              <a:t>5000</a:t>
+            </a:r>
+            <a:r>
+              <a:rPr lang="ja-JP" altLang="en-US" smtClean="0"/>
+              <a:t>番ポートで</a:t>
+            </a:r>
+            <a:endParaRPr lang="en-US" altLang="ja-JP" smtClean="0"/>
+          </a:p>
+          <a:p>
+            <a:pPr algn="ctr"/>
+            <a:r>
+              <a:rPr lang="ja-JP" altLang="en-US" smtClean="0"/>
+              <a:t>待ち受け</a:t>
+            </a:r>
+            <a:endParaRPr kumimoji="1" lang="ja-JP" altLang="en-US"/>
+          </a:p>
+        </p:txBody>
+      </p:sp>
+      <p:grpSp>
+        <p:nvGrpSpPr>
+          <p:cNvPr id="23" name="グループ化 22"/>
+          <p:cNvGrpSpPr/>
+          <p:nvPr/>
+        </p:nvGrpSpPr>
+        <p:grpSpPr>
+          <a:xfrm>
+            <a:off x="1159846" y="4188817"/>
+            <a:ext cx="936000" cy="720000"/>
+            <a:chOff x="6305552" y="2015070"/>
+            <a:chExt cx="1440000" cy="1108780"/>
+          </a:xfrm>
+        </p:grpSpPr>
+        <p:sp>
+          <p:nvSpPr>
+            <p:cNvPr id="24" name="正方形/長方形 23"/>
+            <p:cNvSpPr/>
+            <p:nvPr/>
+          </p:nvSpPr>
+          <p:spPr>
+            <a:xfrm>
+              <a:off x="6305552" y="2193213"/>
+              <a:ext cx="1440000" cy="930637"/>
+            </a:xfrm>
+            <a:prstGeom prst="rect">
+              <a:avLst/>
+            </a:prstGeom>
+            <a:solidFill>
+              <a:schemeClr val="tx1"/>
+            </a:solidFill>
+            <a:ln>
+              <a:noFill/>
+            </a:ln>
+          </p:spPr>
+          <p:style>
+            <a:lnRef idx="2">
+              <a:schemeClr val="accent1">
+                <a:shade val="50000"/>
+              </a:schemeClr>
+            </a:lnRef>
+            <a:fillRef idx="1">
+              <a:schemeClr val="accent1"/>
+            </a:fillRef>
+            <a:effectRef idx="0">
+              <a:schemeClr val="accent1"/>
+            </a:effectRef>
+            <a:fontRef idx="minor">
+              <a:schemeClr val="lt1"/>
+            </a:fontRef>
+          </p:style>
+          <p:txBody>
+            <a:bodyPr rtlCol="0" anchor="ctr"/>
+            <a:lstStyle/>
+            <a:p>
+              <a:pPr algn="ctr"/>
+              <a:endParaRPr kumimoji="1" lang="ja-JP" altLang="en-US" sz="1000" smtClean="0">
+                <a:solidFill>
+                  <a:schemeClr val="bg1"/>
+                </a:solidFill>
+                <a:latin typeface="Meiryo UI" panose="020B0604030504040204" pitchFamily="50" charset="-128"/>
+                <a:ea typeface="Meiryo UI" panose="020B0604030504040204" pitchFamily="50" charset="-128"/>
+              </a:endParaRPr>
+            </a:p>
+          </p:txBody>
+        </p:sp>
+        <p:sp>
+          <p:nvSpPr>
+            <p:cNvPr id="25" name="正方形/長方形 24"/>
+            <p:cNvSpPr/>
+            <p:nvPr/>
+          </p:nvSpPr>
+          <p:spPr>
+            <a:xfrm>
+              <a:off x="6443134" y="2438404"/>
+              <a:ext cx="804333" cy="152404"/>
+            </a:xfrm>
+            <a:prstGeom prst="rect">
+              <a:avLst/>
+            </a:prstGeom>
+            <a:solidFill>
+              <a:schemeClr val="tx1">
+                <a:lumMod val="85000"/>
+              </a:schemeClr>
+            </a:solidFill>
+            <a:ln>
+              <a:noFill/>
+            </a:ln>
+          </p:spPr>
+          <p:style>
+            <a:lnRef idx="2">
+              <a:schemeClr val="accent1">
+                <a:shade val="50000"/>
+              </a:schemeClr>
+            </a:lnRef>
+            <a:fillRef idx="1">
+              <a:schemeClr val="accent1"/>
+            </a:fillRef>
+            <a:effectRef idx="0">
+              <a:schemeClr val="accent1"/>
+            </a:effectRef>
+            <a:fontRef idx="minor">
+              <a:schemeClr val="lt1"/>
+            </a:fontRef>
+          </p:style>
+          <p:txBody>
+            <a:bodyPr rtlCol="0" anchor="ctr"/>
+            <a:lstStyle/>
+            <a:p>
+              <a:pPr algn="ctr"/>
+              <a:endParaRPr kumimoji="1" lang="ja-JP" altLang="en-US" sz="1000" smtClean="0">
+                <a:solidFill>
+                  <a:schemeClr val="bg1"/>
+                </a:solidFill>
+                <a:latin typeface="Meiryo UI" panose="020B0604030504040204" pitchFamily="50" charset="-128"/>
+                <a:ea typeface="Meiryo UI" panose="020B0604030504040204" pitchFamily="50" charset="-128"/>
+              </a:endParaRPr>
+            </a:p>
+          </p:txBody>
+        </p:sp>
+        <p:sp>
+          <p:nvSpPr>
+            <p:cNvPr id="26" name="テキスト ボックス 25"/>
+            <p:cNvSpPr txBox="1"/>
+            <p:nvPr/>
+          </p:nvSpPr>
+          <p:spPr>
+            <a:xfrm>
+              <a:off x="7205168" y="2383801"/>
+              <a:ext cx="483285" cy="297407"/>
+            </a:xfrm>
+            <a:prstGeom prst="rect">
+              <a:avLst/>
+            </a:prstGeom>
+            <a:noFill/>
+          </p:spPr>
+          <p:txBody>
+            <a:bodyPr wrap="none" rtlCol="0">
+              <a:spAutoFit/>
+            </a:bodyPr>
+            <a:lstStyle/>
+            <a:p>
+              <a:r>
+                <a:rPr kumimoji="1" lang="ja-JP" altLang="en-US" sz="600" smtClean="0">
+                  <a:solidFill>
+                    <a:schemeClr val="bg1"/>
+                  </a:solidFill>
+                </a:rPr>
+                <a:t>さん</a:t>
+              </a:r>
+              <a:endParaRPr kumimoji="1" lang="ja-JP" altLang="en-US" sz="600">
+                <a:solidFill>
+                  <a:schemeClr val="bg1"/>
+                </a:solidFill>
+              </a:endParaRPr>
+            </a:p>
+          </p:txBody>
+        </p:sp>
+        <p:sp>
+          <p:nvSpPr>
+            <p:cNvPr id="27" name="正方形/長方形 26"/>
+            <p:cNvSpPr/>
+            <p:nvPr/>
+          </p:nvSpPr>
+          <p:spPr>
+            <a:xfrm>
+              <a:off x="6713278" y="2779614"/>
+              <a:ext cx="624549" cy="264869"/>
+            </a:xfrm>
+            <a:prstGeom prst="rect">
+              <a:avLst/>
+            </a:prstGeom>
+            <a:solidFill>
+              <a:schemeClr val="tx2"/>
+            </a:solidFill>
+            <a:ln>
+              <a:noFill/>
+            </a:ln>
+          </p:spPr>
+          <p:style>
+            <a:lnRef idx="2">
+              <a:schemeClr val="accent1">
+                <a:shade val="50000"/>
+              </a:schemeClr>
+            </a:lnRef>
+            <a:fillRef idx="1">
+              <a:schemeClr val="accent1"/>
+            </a:fillRef>
+            <a:effectRef idx="0">
+              <a:schemeClr val="accent1"/>
+            </a:effectRef>
+            <a:fontRef idx="minor">
+              <a:schemeClr val="lt1"/>
+            </a:fontRef>
+          </p:style>
+          <p:txBody>
+            <a:bodyPr rtlCol="0" anchor="ctr"/>
+            <a:lstStyle/>
+            <a:p>
+              <a:pPr algn="ctr"/>
+              <a:r>
+                <a:rPr kumimoji="1" lang="en-US" altLang="ja-JP" sz="500" smtClean="0">
+                  <a:solidFill>
+                    <a:schemeClr val="bg1"/>
+                  </a:solidFill>
+                  <a:latin typeface="Meiryo UI" panose="020B0604030504040204" pitchFamily="50" charset="-128"/>
+                  <a:ea typeface="Meiryo UI" panose="020B0604030504040204" pitchFamily="50" charset="-128"/>
+                </a:rPr>
+                <a:t>yoisho</a:t>
+              </a:r>
+              <a:endParaRPr kumimoji="1" lang="ja-JP" altLang="en-US" sz="500" smtClean="0">
+                <a:solidFill>
+                  <a:schemeClr val="bg1"/>
+                </a:solidFill>
+                <a:latin typeface="Meiryo UI" panose="020B0604030504040204" pitchFamily="50" charset="-128"/>
+                <a:ea typeface="Meiryo UI" panose="020B0604030504040204" pitchFamily="50" charset="-128"/>
+              </a:endParaRPr>
+            </a:p>
+          </p:txBody>
+        </p:sp>
+        <p:sp>
+          <p:nvSpPr>
+            <p:cNvPr id="28" name="正方形/長方形 27"/>
+            <p:cNvSpPr/>
+            <p:nvPr/>
+          </p:nvSpPr>
+          <p:spPr>
+            <a:xfrm>
+              <a:off x="6305552" y="2015070"/>
+              <a:ext cx="1440000" cy="182029"/>
+            </a:xfrm>
+            <a:prstGeom prst="rect">
+              <a:avLst/>
+            </a:prstGeom>
+            <a:solidFill>
+              <a:schemeClr val="accent1"/>
+            </a:solidFill>
+            <a:ln>
+              <a:noFill/>
+            </a:ln>
+          </p:spPr>
+          <p:style>
+            <a:lnRef idx="2">
+              <a:schemeClr val="accent1">
+                <a:shade val="50000"/>
+              </a:schemeClr>
+            </a:lnRef>
+            <a:fillRef idx="1">
+              <a:schemeClr val="accent1"/>
+            </a:fillRef>
+            <a:effectRef idx="0">
+              <a:schemeClr val="accent1"/>
+            </a:effectRef>
+            <a:fontRef idx="minor">
+              <a:schemeClr val="lt1"/>
+            </a:fontRef>
+          </p:style>
+          <p:txBody>
+            <a:bodyPr rtlCol="0" anchor="ctr"/>
+            <a:lstStyle/>
+            <a:p>
+              <a:pPr algn="ctr"/>
+              <a:endParaRPr kumimoji="1" lang="ja-JP" altLang="en-US" sz="1000" smtClean="0">
+                <a:solidFill>
+                  <a:schemeClr val="bg1"/>
+                </a:solidFill>
+                <a:latin typeface="Meiryo UI" panose="020B0604030504040204" pitchFamily="50" charset="-128"/>
+                <a:ea typeface="Meiryo UI" panose="020B0604030504040204" pitchFamily="50" charset="-128"/>
+              </a:endParaRPr>
+            </a:p>
+          </p:txBody>
+        </p:sp>
+      </p:grpSp>
+      <p:sp>
+        <p:nvSpPr>
+          <p:cNvPr id="29" name="テキスト ボックス 28"/>
+          <p:cNvSpPr txBox="1"/>
+          <p:nvPr/>
+        </p:nvSpPr>
+        <p:spPr>
+          <a:xfrm>
+            <a:off x="1190304" y="4873963"/>
+            <a:ext cx="937684" cy="369332"/>
+          </a:xfrm>
+          <a:prstGeom prst="rect">
+            <a:avLst/>
+          </a:prstGeom>
+          <a:noFill/>
+        </p:spPr>
+        <p:txBody>
+          <a:bodyPr wrap="square" rtlCol="0">
+            <a:spAutoFit/>
+          </a:bodyPr>
+          <a:lstStyle/>
+          <a:p>
+            <a:r>
+              <a:rPr kumimoji="1" lang="ja-JP" altLang="en-US" smtClean="0"/>
+              <a:t>ブラウザ</a:t>
+            </a:r>
+            <a:endParaRPr kumimoji="1" lang="en-US" altLang="ja-JP" smtClean="0"/>
+          </a:p>
+        </p:txBody>
+      </p:sp>
+      <p:cxnSp>
+        <p:nvCxnSpPr>
+          <p:cNvPr id="30" name="直線矢印コネクタ 29"/>
+          <p:cNvCxnSpPr/>
+          <p:nvPr/>
+        </p:nvCxnSpPr>
+        <p:spPr>
+          <a:xfrm flipV="1">
+            <a:off x="2167925" y="4651579"/>
+            <a:ext cx="694267" cy="8467"/>
+          </a:xfrm>
+          <a:prstGeom prst="straightConnector1">
+            <a:avLst/>
+          </a:prstGeom>
+          <a:ln w="57150">
+            <a:solidFill>
+              <a:schemeClr val="accent6"/>
+            </a:solidFill>
+            <a:tailEnd type="triangle"/>
+          </a:ln>
+        </p:spPr>
+        <p:style>
+          <a:lnRef idx="1">
+            <a:schemeClr val="accent1"/>
+          </a:lnRef>
+          <a:fillRef idx="0">
+            <a:schemeClr val="accent1"/>
+          </a:fillRef>
+          <a:effectRef idx="0">
+            <a:schemeClr val="accent1"/>
+          </a:effectRef>
+          <a:fontRef idx="minor">
+            <a:schemeClr val="tx1"/>
+          </a:fontRef>
+        </p:style>
+      </p:cxnSp>
+      <p:sp>
+        <p:nvSpPr>
+          <p:cNvPr id="31" name="テキスト ボックス 30"/>
+          <p:cNvSpPr txBox="1"/>
+          <p:nvPr/>
+        </p:nvSpPr>
+        <p:spPr>
+          <a:xfrm>
+            <a:off x="2074791" y="4236998"/>
+            <a:ext cx="963216" cy="369332"/>
+          </a:xfrm>
+          <a:prstGeom prst="rect">
+            <a:avLst/>
+          </a:prstGeom>
+          <a:noFill/>
+        </p:spPr>
+        <p:txBody>
+          <a:bodyPr wrap="square" rtlCol="0">
+            <a:spAutoFit/>
+          </a:bodyPr>
+          <a:lstStyle/>
+          <a:p>
+            <a:r>
+              <a:rPr lang="en-US" altLang="ja-JP" smtClean="0"/>
+              <a:t>POST</a:t>
+            </a:r>
+            <a:r>
+              <a:rPr kumimoji="1" lang="en-US" altLang="ja-JP" smtClean="0"/>
+              <a:t>/</a:t>
+            </a:r>
+            <a:endParaRPr kumimoji="1" lang="ja-JP" altLang="en-US"/>
+          </a:p>
+        </p:txBody>
+      </p:sp>
+      <p:grpSp>
+        <p:nvGrpSpPr>
+          <p:cNvPr id="35" name="グループ化 34"/>
+          <p:cNvGrpSpPr/>
+          <p:nvPr/>
+        </p:nvGrpSpPr>
+        <p:grpSpPr>
+          <a:xfrm rot="2700000">
+            <a:off x="1072103" y="4687970"/>
+            <a:ext cx="354344" cy="379765"/>
+            <a:chOff x="261257" y="2784429"/>
+            <a:chExt cx="627743" cy="985014"/>
+          </a:xfrm>
+        </p:grpSpPr>
+        <p:sp>
+          <p:nvSpPr>
+            <p:cNvPr id="33" name="二等辺三角形 32"/>
+            <p:cNvSpPr/>
+            <p:nvPr/>
+          </p:nvSpPr>
+          <p:spPr>
+            <a:xfrm>
+              <a:off x="261257" y="2784429"/>
+              <a:ext cx="627743" cy="534504"/>
+            </a:xfrm>
+            <a:prstGeom prst="triangle">
+              <a:avLst/>
+            </a:prstGeom>
+            <a:solidFill>
+              <a:schemeClr val="accent1"/>
+            </a:solidFill>
+            <a:ln>
+              <a:noFill/>
+            </a:ln>
+          </p:spPr>
+          <p:style>
+            <a:lnRef idx="2">
+              <a:schemeClr val="accent1">
+                <a:shade val="50000"/>
+              </a:schemeClr>
+            </a:lnRef>
+            <a:fillRef idx="1">
+              <a:schemeClr val="accent1"/>
+            </a:fillRef>
+            <a:effectRef idx="0">
+              <a:schemeClr val="accent1"/>
+            </a:effectRef>
+            <a:fontRef idx="minor">
+              <a:schemeClr val="lt1"/>
+            </a:fontRef>
+          </p:style>
+          <p:txBody>
+            <a:bodyPr rtlCol="0" anchor="ctr"/>
+            <a:lstStyle/>
+            <a:p>
+              <a:pPr algn="ctr"/>
+              <a:endParaRPr kumimoji="1" lang="ja-JP" altLang="en-US" smtClean="0">
+                <a:solidFill>
+                  <a:schemeClr val="bg1"/>
+                </a:solidFill>
+                <a:latin typeface="Meiryo UI" panose="020B0604030504040204" pitchFamily="50" charset="-128"/>
+                <a:ea typeface="Meiryo UI" panose="020B0604030504040204" pitchFamily="50" charset="-128"/>
+              </a:endParaRPr>
+            </a:p>
+          </p:txBody>
+        </p:sp>
+        <p:sp>
+          <p:nvSpPr>
+            <p:cNvPr id="34" name="正方形/長方形 33"/>
+            <p:cNvSpPr/>
+            <p:nvPr/>
+          </p:nvSpPr>
+          <p:spPr>
+            <a:xfrm>
+              <a:off x="500600" y="3175000"/>
+              <a:ext cx="149056" cy="594443"/>
+            </a:xfrm>
+            <a:prstGeom prst="rect">
+              <a:avLst/>
+            </a:prstGeom>
+            <a:solidFill>
+              <a:schemeClr val="accent1"/>
+            </a:solidFill>
+            <a:ln>
+              <a:noFill/>
+            </a:ln>
+          </p:spPr>
+          <p:style>
+            <a:lnRef idx="2">
+              <a:schemeClr val="accent1">
+                <a:shade val="50000"/>
+              </a:schemeClr>
+            </a:lnRef>
+            <a:fillRef idx="1">
+              <a:schemeClr val="accent1"/>
+            </a:fillRef>
+            <a:effectRef idx="0">
+              <a:schemeClr val="accent1"/>
+            </a:effectRef>
+            <a:fontRef idx="minor">
+              <a:schemeClr val="lt1"/>
+            </a:fontRef>
+          </p:style>
+          <p:txBody>
+            <a:bodyPr rtlCol="0" anchor="ctr"/>
+            <a:lstStyle/>
+            <a:p>
+              <a:pPr algn="ctr"/>
+              <a:endParaRPr kumimoji="1" lang="ja-JP" altLang="en-US" smtClean="0">
+                <a:solidFill>
+                  <a:schemeClr val="bg1"/>
+                </a:solidFill>
+                <a:latin typeface="Meiryo UI" panose="020B0604030504040204" pitchFamily="50" charset="-128"/>
+                <a:ea typeface="Meiryo UI" panose="020B0604030504040204" pitchFamily="50" charset="-128"/>
+              </a:endParaRPr>
+            </a:p>
+          </p:txBody>
+        </p:sp>
+      </p:grpSp>
+      <p:sp>
+        <p:nvSpPr>
+          <p:cNvPr id="36" name="円形吹き出し 35"/>
+          <p:cNvSpPr/>
+          <p:nvPr/>
+        </p:nvSpPr>
+        <p:spPr>
+          <a:xfrm>
+            <a:off x="28326" y="4094048"/>
+            <a:ext cx="1080347" cy="468411"/>
+          </a:xfrm>
+          <a:prstGeom prst="wedgeEllipseCallout">
+            <a:avLst>
+              <a:gd name="adj1" fmla="val 57537"/>
+              <a:gd name="adj2" fmla="val 93228"/>
+            </a:avLst>
+          </a:prstGeom>
+          <a:solidFill>
+            <a:schemeClr val="tx1"/>
+          </a:solidFill>
+          <a:ln>
+            <a:noFill/>
+          </a:ln>
+        </p:spPr>
+        <p:style>
+          <a:lnRef idx="2">
+            <a:schemeClr val="accent1">
+              <a:shade val="50000"/>
+            </a:schemeClr>
+          </a:lnRef>
+          <a:fillRef idx="1">
+            <a:schemeClr val="accent1"/>
+          </a:fillRef>
+          <a:effectRef idx="0">
+            <a:schemeClr val="accent1"/>
+          </a:effectRef>
+          <a:fontRef idx="minor">
+            <a:schemeClr val="lt1"/>
+          </a:fontRef>
+        </p:style>
+        <p:txBody>
+          <a:bodyPr rtlCol="0" anchor="ctr"/>
+          <a:lstStyle/>
+          <a:p>
+            <a:pPr algn="ctr"/>
+            <a:r>
+              <a:rPr kumimoji="1" lang="en-US" altLang="ja-JP" smtClean="0">
+                <a:solidFill>
+                  <a:schemeClr val="bg1"/>
+                </a:solidFill>
+                <a:latin typeface="Meiryo UI" panose="020B0604030504040204" pitchFamily="50" charset="-128"/>
+                <a:ea typeface="Meiryo UI" panose="020B0604030504040204" pitchFamily="50" charset="-128"/>
+              </a:rPr>
+              <a:t>Click</a:t>
+            </a:r>
+            <a:endParaRPr kumimoji="1" lang="ja-JP" altLang="en-US" smtClean="0">
+              <a:solidFill>
+                <a:schemeClr val="bg1"/>
+              </a:solidFill>
+              <a:latin typeface="Meiryo UI" panose="020B0604030504040204" pitchFamily="50" charset="-128"/>
+              <a:ea typeface="Meiryo UI" panose="020B0604030504040204" pitchFamily="50" charset="-128"/>
+            </a:endParaRPr>
+          </a:p>
+        </p:txBody>
+      </p:sp>
+      <p:sp>
+        <p:nvSpPr>
+          <p:cNvPr id="46" name="左カーブ矢印 45"/>
+          <p:cNvSpPr/>
+          <p:nvPr/>
+        </p:nvSpPr>
+        <p:spPr>
+          <a:xfrm rot="7356022" flipV="1">
+            <a:off x="5745987" y="5031945"/>
+            <a:ext cx="745213" cy="435053"/>
+          </a:xfrm>
+          <a:prstGeom prst="curvedLeftArrow">
+            <a:avLst>
+              <a:gd name="adj1" fmla="val 10887"/>
+              <a:gd name="adj2" fmla="val 36020"/>
+              <a:gd name="adj3" fmla="val 22685"/>
+            </a:avLst>
+          </a:prstGeom>
+          <a:solidFill>
+            <a:schemeClr val="accent6"/>
+          </a:solidFill>
+          <a:ln>
+            <a:solidFill>
+              <a:schemeClr val="accent6"/>
+            </a:solidFill>
+          </a:ln>
+        </p:spPr>
+        <p:style>
+          <a:lnRef idx="2">
+            <a:schemeClr val="accent1">
+              <a:shade val="50000"/>
+            </a:schemeClr>
+          </a:lnRef>
+          <a:fillRef idx="1">
+            <a:schemeClr val="accent1"/>
+          </a:fillRef>
+          <a:effectRef idx="0">
+            <a:schemeClr val="accent1"/>
+          </a:effectRef>
+          <a:fontRef idx="minor">
+            <a:schemeClr val="lt1"/>
+          </a:fontRef>
+        </p:style>
+        <p:txBody>
+          <a:bodyPr rtlCol="0" anchor="ctr"/>
+          <a:lstStyle/>
+          <a:p>
+            <a:pPr algn="ctr"/>
+            <a:endParaRPr kumimoji="1" lang="ja-JP" altLang="en-US" smtClean="0">
+              <a:solidFill>
+                <a:schemeClr val="bg1"/>
+              </a:solidFill>
+              <a:latin typeface="Meiryo UI" panose="020B0604030504040204" pitchFamily="50" charset="-128"/>
+              <a:ea typeface="Meiryo UI" panose="020B0604030504040204" pitchFamily="50" charset="-128"/>
+            </a:endParaRPr>
+          </a:p>
+        </p:txBody>
+      </p:sp>
+      <p:sp>
+        <p:nvSpPr>
+          <p:cNvPr id="48" name="正方形/長方形 47"/>
+          <p:cNvSpPr/>
+          <p:nvPr/>
+        </p:nvSpPr>
+        <p:spPr>
+          <a:xfrm>
+            <a:off x="3521769" y="5509454"/>
+            <a:ext cx="2402840" cy="406384"/>
+          </a:xfrm>
+          <a:prstGeom prst="rect">
+            <a:avLst/>
+          </a:prstGeom>
+          <a:solidFill>
+            <a:schemeClr val="tx1"/>
+          </a:solidFill>
+          <a:ln>
+            <a:noFill/>
+          </a:ln>
+        </p:spPr>
+        <p:style>
+          <a:lnRef idx="2">
+            <a:schemeClr val="accent1">
+              <a:shade val="50000"/>
+            </a:schemeClr>
+          </a:lnRef>
+          <a:fillRef idx="1">
+            <a:schemeClr val="accent1"/>
+          </a:fillRef>
+          <a:effectRef idx="0">
+            <a:schemeClr val="accent1"/>
+          </a:effectRef>
+          <a:fontRef idx="minor">
+            <a:schemeClr val="lt1"/>
+          </a:fontRef>
+        </p:style>
+        <p:txBody>
+          <a:bodyPr rtlCol="0" anchor="ctr"/>
+          <a:lstStyle/>
+          <a:p>
+            <a:pPr algn="ctr"/>
+            <a:r>
+              <a:rPr kumimoji="1" lang="en-US" altLang="ja-JP" smtClean="0">
+                <a:solidFill>
+                  <a:schemeClr val="bg1"/>
+                </a:solidFill>
+                <a:latin typeface="Meiryo UI" panose="020B0604030504040204" pitchFamily="50" charset="-128"/>
+                <a:ea typeface="Meiryo UI" panose="020B0604030504040204" pitchFamily="50" charset="-128"/>
+              </a:rPr>
+              <a:t>backend.py</a:t>
+            </a:r>
+            <a:endParaRPr kumimoji="1" lang="ja-JP" altLang="en-US" smtClean="0">
+              <a:solidFill>
+                <a:schemeClr val="bg1"/>
+              </a:solidFill>
+              <a:latin typeface="Meiryo UI" panose="020B0604030504040204" pitchFamily="50" charset="-128"/>
+              <a:ea typeface="Meiryo UI" panose="020B0604030504040204" pitchFamily="50" charset="-128"/>
+            </a:endParaRPr>
+          </a:p>
+        </p:txBody>
+      </p:sp>
+      <p:sp>
+        <p:nvSpPr>
+          <p:cNvPr id="49" name="テキスト ボックス 48"/>
+          <p:cNvSpPr txBox="1"/>
+          <p:nvPr/>
+        </p:nvSpPr>
+        <p:spPr>
+          <a:xfrm>
+            <a:off x="3433637" y="5932310"/>
+            <a:ext cx="2644114" cy="369332"/>
+          </a:xfrm>
+          <a:prstGeom prst="rect">
+            <a:avLst/>
+          </a:prstGeom>
+          <a:noFill/>
+        </p:spPr>
+        <p:txBody>
+          <a:bodyPr wrap="square" rtlCol="0">
+            <a:spAutoFit/>
+          </a:bodyPr>
+          <a:lstStyle/>
+          <a:p>
+            <a:pPr algn="ctr"/>
+            <a:r>
+              <a:rPr lang="en-US" altLang="ja-JP" smtClean="0"/>
+              <a:t>5000</a:t>
+            </a:r>
+            <a:r>
+              <a:rPr lang="ja-JP" altLang="en-US" smtClean="0"/>
+              <a:t>番ポートで待ち受け</a:t>
+            </a:r>
+            <a:endParaRPr kumimoji="1" lang="ja-JP" altLang="en-US"/>
+          </a:p>
+        </p:txBody>
+      </p:sp>
+      <p:sp>
+        <p:nvSpPr>
+          <p:cNvPr id="51" name="フローチャート: 磁気ディスク 50"/>
+          <p:cNvSpPr/>
+          <p:nvPr/>
+        </p:nvSpPr>
+        <p:spPr>
+          <a:xfrm>
+            <a:off x="6671417" y="5419058"/>
+            <a:ext cx="1448431" cy="580633"/>
+          </a:xfrm>
+          <a:prstGeom prst="flowChartMagneticDisk">
+            <a:avLst/>
+          </a:prstGeom>
+          <a:solidFill>
+            <a:schemeClr val="tx1"/>
+          </a:solidFill>
+          <a:ln>
+            <a:solidFill>
+              <a:schemeClr val="bg1"/>
+            </a:solidFill>
+          </a:ln>
+        </p:spPr>
+        <p:style>
+          <a:lnRef idx="2">
+            <a:schemeClr val="accent1">
+              <a:shade val="50000"/>
+            </a:schemeClr>
+          </a:lnRef>
+          <a:fillRef idx="1">
+            <a:schemeClr val="accent1"/>
+          </a:fillRef>
+          <a:effectRef idx="0">
+            <a:schemeClr val="accent1"/>
+          </a:effectRef>
+          <a:fontRef idx="minor">
+            <a:schemeClr val="lt1"/>
+          </a:fontRef>
+        </p:style>
+        <p:txBody>
+          <a:bodyPr rtlCol="0" anchor="ctr"/>
+          <a:lstStyle/>
+          <a:p>
+            <a:pPr algn="ctr"/>
+            <a:r>
+              <a:rPr kumimoji="1" lang="ja-JP" altLang="en-US" smtClean="0">
+                <a:solidFill>
+                  <a:schemeClr val="bg1"/>
+                </a:solidFill>
+                <a:latin typeface="Meiryo UI" panose="020B0604030504040204" pitchFamily="50" charset="-128"/>
+                <a:ea typeface="Meiryo UI" panose="020B0604030504040204" pitchFamily="50" charset="-128"/>
+              </a:rPr>
+              <a:t>アクセスログ</a:t>
+            </a:r>
+            <a:endParaRPr kumimoji="1" lang="ja-JP" altLang="en-US" smtClean="0">
+              <a:solidFill>
+                <a:schemeClr val="bg1"/>
+              </a:solidFill>
+              <a:latin typeface="Meiryo UI" panose="020B0604030504040204" pitchFamily="50" charset="-128"/>
+              <a:ea typeface="Meiryo UI" panose="020B0604030504040204" pitchFamily="50" charset="-128"/>
+            </a:endParaRPr>
+          </a:p>
+        </p:txBody>
+      </p:sp>
+      <p:sp>
+        <p:nvSpPr>
+          <p:cNvPr id="52" name="テキスト ボックス 51"/>
+          <p:cNvSpPr txBox="1"/>
+          <p:nvPr/>
+        </p:nvSpPr>
+        <p:spPr>
+          <a:xfrm>
+            <a:off x="6917378" y="5987136"/>
+            <a:ext cx="945290" cy="369332"/>
+          </a:xfrm>
+          <a:prstGeom prst="rect">
+            <a:avLst/>
+          </a:prstGeom>
+          <a:noFill/>
+        </p:spPr>
+        <p:txBody>
+          <a:bodyPr wrap="square" rtlCol="0">
+            <a:spAutoFit/>
+          </a:bodyPr>
+          <a:lstStyle/>
+          <a:p>
+            <a:pPr algn="ctr"/>
+            <a:r>
+              <a:rPr lang="en-US" altLang="ja-JP" smtClean="0"/>
+              <a:t>/log</a:t>
+            </a:r>
+            <a:endParaRPr kumimoji="1" lang="ja-JP" altLang="en-US"/>
+          </a:p>
+        </p:txBody>
+      </p:sp>
+      <p:cxnSp>
+        <p:nvCxnSpPr>
+          <p:cNvPr id="53" name="直線矢印コネクタ 52"/>
+          <p:cNvCxnSpPr>
+            <a:stCxn id="48" idx="3"/>
+            <a:endCxn id="51" idx="2"/>
+          </p:cNvCxnSpPr>
+          <p:nvPr/>
+        </p:nvCxnSpPr>
+        <p:spPr>
+          <a:xfrm flipV="1">
+            <a:off x="5924609" y="5709375"/>
+            <a:ext cx="746808" cy="3271"/>
+          </a:xfrm>
+          <a:prstGeom prst="straightConnector1">
+            <a:avLst/>
+          </a:prstGeom>
+          <a:ln w="57150">
+            <a:solidFill>
+              <a:schemeClr val="accent6"/>
+            </a:solidFill>
+            <a:tailEnd type="triangle"/>
+          </a:ln>
+        </p:spPr>
+        <p:style>
+          <a:lnRef idx="1">
+            <a:schemeClr val="accent1"/>
+          </a:lnRef>
+          <a:fillRef idx="0">
+            <a:schemeClr val="accent1"/>
+          </a:fillRef>
+          <a:effectRef idx="0">
+            <a:schemeClr val="accent1"/>
+          </a:effectRef>
+          <a:fontRef idx="minor">
+            <a:schemeClr val="tx1"/>
+          </a:fontRef>
+        </p:style>
+      </p:cxnSp>
+      <p:sp>
+        <p:nvSpPr>
+          <p:cNvPr id="54" name="正方形/長方形 53"/>
+          <p:cNvSpPr/>
+          <p:nvPr/>
+        </p:nvSpPr>
+        <p:spPr>
+          <a:xfrm>
+            <a:off x="2872352" y="3294887"/>
+            <a:ext cx="2445345" cy="1719694"/>
+          </a:xfrm>
+          <a:prstGeom prst="rect">
+            <a:avLst/>
+          </a:prstGeom>
+          <a:solidFill>
+            <a:schemeClr val="tx1"/>
+          </a:solidFill>
+          <a:ln>
+            <a:noFill/>
+          </a:ln>
+        </p:spPr>
+        <p:style>
+          <a:lnRef idx="2">
+            <a:schemeClr val="accent1">
+              <a:shade val="50000"/>
+            </a:schemeClr>
+          </a:lnRef>
+          <a:fillRef idx="1">
+            <a:schemeClr val="accent1"/>
+          </a:fillRef>
+          <a:effectRef idx="0">
+            <a:schemeClr val="accent1"/>
+          </a:effectRef>
+          <a:fontRef idx="minor">
+            <a:schemeClr val="lt1"/>
+          </a:fontRef>
+        </p:style>
+        <p:txBody>
+          <a:bodyPr rtlCol="0" anchor="ctr"/>
+          <a:lstStyle/>
+          <a:p>
+            <a:pPr algn="ctr"/>
+            <a:r>
+              <a:rPr kumimoji="1" lang="en-US" altLang="ja-JP" smtClean="0">
+                <a:solidFill>
+                  <a:schemeClr val="bg1"/>
+                </a:solidFill>
+                <a:latin typeface="Meiryo UI" panose="020B0604030504040204" pitchFamily="50" charset="-128"/>
+                <a:ea typeface="Meiryo UI" panose="020B0604030504040204" pitchFamily="50" charset="-128"/>
+              </a:rPr>
+              <a:t>frontend_sidecar.py</a:t>
+            </a:r>
+          </a:p>
+          <a:p>
+            <a:pPr algn="ctr"/>
+            <a:r>
+              <a:rPr lang="en-US" altLang="ja-JP" smtClean="0">
+                <a:solidFill>
+                  <a:schemeClr val="bg1"/>
+                </a:solidFill>
+                <a:latin typeface="Meiryo UI" panose="020B0604030504040204" pitchFamily="50" charset="-128"/>
+                <a:ea typeface="Meiryo UI" panose="020B0604030504040204" pitchFamily="50" charset="-128"/>
+              </a:rPr>
+              <a:t>GET/POST</a:t>
+            </a:r>
+            <a:r>
+              <a:rPr lang="ja-JP" altLang="en-US" smtClean="0">
+                <a:solidFill>
+                  <a:schemeClr val="bg1"/>
+                </a:solidFill>
+                <a:latin typeface="Meiryo UI" panose="020B0604030504040204" pitchFamily="50" charset="-128"/>
+                <a:ea typeface="Meiryo UI" panose="020B0604030504040204" pitchFamily="50" charset="-128"/>
+              </a:rPr>
+              <a:t>ともに</a:t>
+            </a:r>
+            <a:endParaRPr lang="en-US" altLang="ja-JP" smtClean="0">
+              <a:solidFill>
+                <a:schemeClr val="bg1"/>
+              </a:solidFill>
+              <a:latin typeface="Meiryo UI" panose="020B0604030504040204" pitchFamily="50" charset="-128"/>
+              <a:ea typeface="Meiryo UI" panose="020B0604030504040204" pitchFamily="50" charset="-128"/>
+            </a:endParaRPr>
+          </a:p>
+          <a:p>
+            <a:pPr algn="ctr"/>
+            <a:r>
+              <a:rPr kumimoji="1" lang="ja-JP" altLang="en-US" smtClean="0">
+                <a:solidFill>
+                  <a:schemeClr val="bg1"/>
+                </a:solidFill>
+                <a:latin typeface="Meiryo UI" panose="020B0604030504040204" pitchFamily="50" charset="-128"/>
+                <a:ea typeface="Meiryo UI" panose="020B0604030504040204" pitchFamily="50" charset="-128"/>
+              </a:rPr>
+              <a:t>あて先は</a:t>
+            </a:r>
+            <a:r>
+              <a:rPr kumimoji="1" lang="en-US" altLang="ja-JP" smtClean="0">
+                <a:solidFill>
+                  <a:schemeClr val="bg1"/>
+                </a:solidFill>
+                <a:latin typeface="Meiryo UI" panose="020B0604030504040204" pitchFamily="50" charset="-128"/>
+                <a:ea typeface="Meiryo UI" panose="020B0604030504040204" pitchFamily="50" charset="-128"/>
+              </a:rPr>
+              <a:t>http://$dst</a:t>
+            </a:r>
+            <a:endParaRPr kumimoji="1" lang="ja-JP" altLang="en-US" smtClean="0">
+              <a:solidFill>
+                <a:schemeClr val="bg1"/>
+              </a:solidFill>
+              <a:latin typeface="Meiryo UI" panose="020B0604030504040204" pitchFamily="50" charset="-128"/>
+              <a:ea typeface="Meiryo UI" panose="020B0604030504040204" pitchFamily="50" charset="-128"/>
+            </a:endParaRPr>
+          </a:p>
+        </p:txBody>
+      </p:sp>
+      <p:cxnSp>
+        <p:nvCxnSpPr>
+          <p:cNvPr id="55" name="直線矢印コネクタ 54"/>
+          <p:cNvCxnSpPr/>
+          <p:nvPr/>
+        </p:nvCxnSpPr>
+        <p:spPr>
+          <a:xfrm flipV="1">
+            <a:off x="5324858" y="3484158"/>
+            <a:ext cx="924069" cy="8467"/>
+          </a:xfrm>
+          <a:prstGeom prst="straightConnector1">
+            <a:avLst/>
+          </a:prstGeom>
+          <a:ln w="57150">
+            <a:solidFill>
+              <a:schemeClr val="accent4"/>
+            </a:solidFill>
+            <a:tailEnd type="triangle"/>
+          </a:ln>
+        </p:spPr>
+        <p:style>
+          <a:lnRef idx="1">
+            <a:schemeClr val="accent1"/>
+          </a:lnRef>
+          <a:fillRef idx="0">
+            <a:schemeClr val="accent1"/>
+          </a:fillRef>
+          <a:effectRef idx="0">
+            <a:schemeClr val="accent1"/>
+          </a:effectRef>
+          <a:fontRef idx="minor">
+            <a:schemeClr val="tx1"/>
+          </a:fontRef>
+        </p:style>
+      </p:cxnSp>
+      <p:sp>
+        <p:nvSpPr>
+          <p:cNvPr id="58" name="テキスト ボックス 57"/>
+          <p:cNvSpPr txBox="1"/>
+          <p:nvPr/>
+        </p:nvSpPr>
+        <p:spPr>
+          <a:xfrm>
+            <a:off x="5243948" y="3102161"/>
+            <a:ext cx="841119" cy="369332"/>
+          </a:xfrm>
+          <a:prstGeom prst="rect">
+            <a:avLst/>
+          </a:prstGeom>
+          <a:noFill/>
+        </p:spPr>
+        <p:txBody>
+          <a:bodyPr wrap="square" rtlCol="0">
+            <a:spAutoFit/>
+          </a:bodyPr>
+          <a:lstStyle/>
+          <a:p>
+            <a:r>
+              <a:rPr kumimoji="1" lang="en-US" altLang="ja-JP" smtClean="0"/>
+              <a:t>GET/</a:t>
+            </a:r>
+            <a:endParaRPr kumimoji="1" lang="ja-JP" altLang="en-US"/>
+          </a:p>
+        </p:txBody>
+      </p:sp>
+      <p:cxnSp>
+        <p:nvCxnSpPr>
+          <p:cNvPr id="59" name="直線矢印コネクタ 58"/>
+          <p:cNvCxnSpPr/>
+          <p:nvPr/>
+        </p:nvCxnSpPr>
+        <p:spPr>
+          <a:xfrm flipV="1">
+            <a:off x="5362801" y="4651579"/>
+            <a:ext cx="924069" cy="8467"/>
+          </a:xfrm>
+          <a:prstGeom prst="straightConnector1">
+            <a:avLst/>
+          </a:prstGeom>
+          <a:ln w="57150">
+            <a:solidFill>
+              <a:schemeClr val="accent6"/>
+            </a:solidFill>
+            <a:tailEnd type="triangle"/>
+          </a:ln>
+        </p:spPr>
+        <p:style>
+          <a:lnRef idx="1">
+            <a:schemeClr val="accent1"/>
+          </a:lnRef>
+          <a:fillRef idx="0">
+            <a:schemeClr val="accent1"/>
+          </a:fillRef>
+          <a:effectRef idx="0">
+            <a:schemeClr val="accent1"/>
+          </a:effectRef>
+          <a:fontRef idx="minor">
+            <a:schemeClr val="tx1"/>
+          </a:fontRef>
+        </p:style>
+      </p:cxnSp>
+      <p:sp>
+        <p:nvSpPr>
+          <p:cNvPr id="60" name="テキスト ボックス 59"/>
+          <p:cNvSpPr txBox="1"/>
+          <p:nvPr/>
+        </p:nvSpPr>
+        <p:spPr>
+          <a:xfrm>
+            <a:off x="5308366" y="4236998"/>
+            <a:ext cx="963216" cy="369332"/>
+          </a:xfrm>
+          <a:prstGeom prst="rect">
+            <a:avLst/>
+          </a:prstGeom>
+          <a:noFill/>
+        </p:spPr>
+        <p:txBody>
+          <a:bodyPr wrap="square" rtlCol="0">
+            <a:spAutoFit/>
+          </a:bodyPr>
+          <a:lstStyle/>
+          <a:p>
+            <a:r>
+              <a:rPr lang="en-US" altLang="ja-JP" smtClean="0"/>
+              <a:t>POST</a:t>
+            </a:r>
+            <a:r>
+              <a:rPr kumimoji="1" lang="en-US" altLang="ja-JP" smtClean="0"/>
+              <a:t>/</a:t>
+            </a:r>
+            <a:endParaRPr kumimoji="1" lang="ja-JP" altLang="en-US"/>
+          </a:p>
+        </p:txBody>
+      </p:sp>
+      <p:sp>
+        <p:nvSpPr>
+          <p:cNvPr id="62" name="正方形/長方形 61"/>
+          <p:cNvSpPr/>
+          <p:nvPr/>
+        </p:nvSpPr>
+        <p:spPr>
+          <a:xfrm>
+            <a:off x="3521769" y="6316438"/>
+            <a:ext cx="2402840" cy="406384"/>
+          </a:xfrm>
+          <a:prstGeom prst="rect">
+            <a:avLst/>
+          </a:prstGeom>
+          <a:solidFill>
+            <a:schemeClr val="tx1"/>
+          </a:solidFill>
+          <a:ln>
+            <a:noFill/>
+          </a:ln>
+        </p:spPr>
+        <p:style>
+          <a:lnRef idx="2">
+            <a:schemeClr val="accent1">
+              <a:shade val="50000"/>
+            </a:schemeClr>
+          </a:lnRef>
+          <a:fillRef idx="1">
+            <a:schemeClr val="accent1"/>
+          </a:fillRef>
+          <a:effectRef idx="0">
+            <a:schemeClr val="accent1"/>
+          </a:effectRef>
+          <a:fontRef idx="minor">
+            <a:schemeClr val="lt1"/>
+          </a:fontRef>
+        </p:style>
+        <p:txBody>
+          <a:bodyPr rtlCol="0" anchor="ctr"/>
+          <a:lstStyle/>
+          <a:p>
+            <a:pPr algn="ctr"/>
+            <a:r>
+              <a:rPr kumimoji="1" lang="en-US" altLang="ja-JP" smtClean="0">
+                <a:solidFill>
+                  <a:schemeClr val="bg1"/>
+                </a:solidFill>
+                <a:latin typeface="Meiryo UI" panose="020B0604030504040204" pitchFamily="50" charset="-128"/>
+                <a:ea typeface="Meiryo UI" panose="020B0604030504040204" pitchFamily="50" charset="-128"/>
+              </a:rPr>
+              <a:t>backend_sidecar.py</a:t>
+            </a:r>
+            <a:endParaRPr kumimoji="1" lang="ja-JP" altLang="en-US" smtClean="0">
+              <a:solidFill>
+                <a:schemeClr val="bg1"/>
+              </a:solidFill>
+              <a:latin typeface="Meiryo UI" panose="020B0604030504040204" pitchFamily="50" charset="-128"/>
+              <a:ea typeface="Meiryo UI" panose="020B0604030504040204" pitchFamily="50" charset="-128"/>
+            </a:endParaRPr>
+          </a:p>
+        </p:txBody>
+      </p:sp>
+      <p:grpSp>
+        <p:nvGrpSpPr>
+          <p:cNvPr id="63" name="グループ化 62"/>
+          <p:cNvGrpSpPr/>
+          <p:nvPr/>
+        </p:nvGrpSpPr>
+        <p:grpSpPr>
+          <a:xfrm>
+            <a:off x="1746142" y="6021836"/>
+            <a:ext cx="936000" cy="720000"/>
+            <a:chOff x="1200152" y="2015070"/>
+            <a:chExt cx="1440000" cy="1108780"/>
+          </a:xfrm>
+        </p:grpSpPr>
+        <p:sp>
+          <p:nvSpPr>
+            <p:cNvPr id="64" name="正方形/長方形 63"/>
+            <p:cNvSpPr/>
+            <p:nvPr/>
+          </p:nvSpPr>
+          <p:spPr>
+            <a:xfrm>
+              <a:off x="1200152" y="2193213"/>
+              <a:ext cx="1440000" cy="930637"/>
+            </a:xfrm>
+            <a:prstGeom prst="rect">
+              <a:avLst/>
+            </a:prstGeom>
+            <a:solidFill>
+              <a:schemeClr val="tx1"/>
+            </a:solidFill>
+            <a:ln>
+              <a:noFill/>
+            </a:ln>
+          </p:spPr>
+          <p:style>
+            <a:lnRef idx="2">
+              <a:schemeClr val="accent1">
+                <a:shade val="50000"/>
+              </a:schemeClr>
+            </a:lnRef>
+            <a:fillRef idx="1">
+              <a:schemeClr val="accent1"/>
+            </a:fillRef>
+            <a:effectRef idx="0">
+              <a:schemeClr val="accent1"/>
+            </a:effectRef>
+            <a:fontRef idx="minor">
+              <a:schemeClr val="lt1"/>
+            </a:fontRef>
+          </p:style>
+          <p:txBody>
+            <a:bodyPr rtlCol="0" anchor="ctr"/>
+            <a:lstStyle/>
+            <a:p>
+              <a:pPr algn="ctr"/>
+              <a:endParaRPr kumimoji="1" lang="ja-JP" altLang="en-US" smtClean="0">
+                <a:solidFill>
+                  <a:schemeClr val="bg1"/>
+                </a:solidFill>
+                <a:latin typeface="Meiryo UI" panose="020B0604030504040204" pitchFamily="50" charset="-128"/>
+                <a:ea typeface="Meiryo UI" panose="020B0604030504040204" pitchFamily="50" charset="-128"/>
+              </a:endParaRPr>
+            </a:p>
+          </p:txBody>
+        </p:sp>
+        <p:sp>
+          <p:nvSpPr>
+            <p:cNvPr id="65" name="正方形/長方形 64"/>
+            <p:cNvSpPr/>
+            <p:nvPr/>
+          </p:nvSpPr>
+          <p:spPr>
+            <a:xfrm>
+              <a:off x="1200152" y="2015070"/>
+              <a:ext cx="1440000" cy="182029"/>
+            </a:xfrm>
+            <a:prstGeom prst="rect">
+              <a:avLst/>
+            </a:prstGeom>
+            <a:solidFill>
+              <a:schemeClr val="accent1"/>
+            </a:solidFill>
+            <a:ln>
+              <a:noFill/>
+            </a:ln>
+          </p:spPr>
+          <p:style>
+            <a:lnRef idx="2">
+              <a:schemeClr val="accent1">
+                <a:shade val="50000"/>
+              </a:schemeClr>
+            </a:lnRef>
+            <a:fillRef idx="1">
+              <a:schemeClr val="accent1"/>
+            </a:fillRef>
+            <a:effectRef idx="0">
+              <a:schemeClr val="accent1"/>
+            </a:effectRef>
+            <a:fontRef idx="minor">
+              <a:schemeClr val="lt1"/>
+            </a:fontRef>
+          </p:style>
+          <p:txBody>
+            <a:bodyPr rtlCol="0" anchor="ctr"/>
+            <a:lstStyle/>
+            <a:p>
+              <a:pPr algn="ctr"/>
+              <a:endParaRPr kumimoji="1" lang="ja-JP" altLang="en-US" smtClean="0">
+                <a:solidFill>
+                  <a:schemeClr val="bg1"/>
+                </a:solidFill>
+                <a:latin typeface="Meiryo UI" panose="020B0604030504040204" pitchFamily="50" charset="-128"/>
+                <a:ea typeface="Meiryo UI" panose="020B0604030504040204" pitchFamily="50" charset="-128"/>
+              </a:endParaRPr>
+            </a:p>
+          </p:txBody>
+        </p:sp>
+      </p:grpSp>
+      <p:sp>
+        <p:nvSpPr>
+          <p:cNvPr id="67" name="テキスト ボックス 66"/>
+          <p:cNvSpPr txBox="1"/>
+          <p:nvPr/>
+        </p:nvSpPr>
+        <p:spPr>
+          <a:xfrm>
+            <a:off x="2654339" y="5987136"/>
+            <a:ext cx="841119" cy="369332"/>
+          </a:xfrm>
+          <a:prstGeom prst="rect">
+            <a:avLst/>
+          </a:prstGeom>
+          <a:noFill/>
+        </p:spPr>
+        <p:txBody>
+          <a:bodyPr wrap="square" rtlCol="0">
+            <a:spAutoFit/>
+          </a:bodyPr>
+          <a:lstStyle/>
+          <a:p>
+            <a:r>
+              <a:rPr kumimoji="1" lang="en-US" altLang="ja-JP" smtClean="0"/>
+              <a:t>GET/</a:t>
+            </a:r>
+            <a:endParaRPr kumimoji="1" lang="ja-JP" altLang="en-US"/>
+          </a:p>
+        </p:txBody>
+      </p:sp>
+      <p:sp>
+        <p:nvSpPr>
+          <p:cNvPr id="73" name="左カーブ矢印 72"/>
+          <p:cNvSpPr/>
+          <p:nvPr/>
+        </p:nvSpPr>
+        <p:spPr>
+          <a:xfrm rot="19227587">
+            <a:off x="6056661" y="6057326"/>
+            <a:ext cx="745760" cy="431484"/>
+          </a:xfrm>
+          <a:prstGeom prst="curvedLeftArrow">
+            <a:avLst>
+              <a:gd name="adj1" fmla="val 10887"/>
+              <a:gd name="adj2" fmla="val 36020"/>
+              <a:gd name="adj3" fmla="val 22685"/>
+            </a:avLst>
+          </a:prstGeom>
+          <a:solidFill>
+            <a:schemeClr val="accent1"/>
+          </a:solidFill>
+          <a:ln>
+            <a:solidFill>
+              <a:schemeClr val="accent1"/>
+            </a:solidFill>
+          </a:ln>
+        </p:spPr>
+        <p:style>
+          <a:lnRef idx="2">
+            <a:schemeClr val="accent1">
+              <a:shade val="50000"/>
+            </a:schemeClr>
+          </a:lnRef>
+          <a:fillRef idx="1">
+            <a:schemeClr val="accent1"/>
+          </a:fillRef>
+          <a:effectRef idx="0">
+            <a:schemeClr val="accent1"/>
+          </a:effectRef>
+          <a:fontRef idx="minor">
+            <a:schemeClr val="lt1"/>
+          </a:fontRef>
+        </p:style>
+        <p:txBody>
+          <a:bodyPr rtlCol="0" anchor="ctr"/>
+          <a:lstStyle/>
+          <a:p>
+            <a:pPr algn="ctr"/>
+            <a:endParaRPr kumimoji="1" lang="ja-JP" altLang="en-US" smtClean="0">
+              <a:solidFill>
+                <a:schemeClr val="bg1"/>
+              </a:solidFill>
+              <a:latin typeface="Meiryo UI" panose="020B0604030504040204" pitchFamily="50" charset="-128"/>
+              <a:ea typeface="Meiryo UI" panose="020B0604030504040204" pitchFamily="50" charset="-128"/>
+            </a:endParaRPr>
+          </a:p>
+        </p:txBody>
+      </p:sp>
+      <p:sp>
+        <p:nvSpPr>
+          <p:cNvPr id="74" name="左カーブ矢印 73"/>
+          <p:cNvSpPr/>
+          <p:nvPr/>
+        </p:nvSpPr>
+        <p:spPr>
+          <a:xfrm>
+            <a:off x="2762854" y="6303888"/>
+            <a:ext cx="745760" cy="431484"/>
+          </a:xfrm>
+          <a:prstGeom prst="curvedLeftArrow">
+            <a:avLst>
+              <a:gd name="adj1" fmla="val 10887"/>
+              <a:gd name="adj2" fmla="val 36020"/>
+              <a:gd name="adj3" fmla="val 22685"/>
+            </a:avLst>
+          </a:prstGeom>
+          <a:solidFill>
+            <a:schemeClr val="accent1"/>
+          </a:solidFill>
+          <a:ln>
+            <a:solidFill>
+              <a:schemeClr val="accent1"/>
+            </a:solidFill>
+          </a:ln>
+        </p:spPr>
+        <p:style>
+          <a:lnRef idx="2">
+            <a:schemeClr val="accent1">
+              <a:shade val="50000"/>
+            </a:schemeClr>
+          </a:lnRef>
+          <a:fillRef idx="1">
+            <a:schemeClr val="accent1"/>
+          </a:fillRef>
+          <a:effectRef idx="0">
+            <a:schemeClr val="accent1"/>
+          </a:effectRef>
+          <a:fontRef idx="minor">
+            <a:schemeClr val="lt1"/>
+          </a:fontRef>
+        </p:style>
+        <p:txBody>
+          <a:bodyPr rtlCol="0" anchor="ctr"/>
+          <a:lstStyle/>
+          <a:p>
+            <a:pPr algn="ctr"/>
+            <a:endParaRPr kumimoji="1" lang="ja-JP" altLang="en-US" smtClean="0">
+              <a:solidFill>
+                <a:schemeClr val="bg1"/>
+              </a:solidFill>
+              <a:latin typeface="Meiryo UI" panose="020B0604030504040204" pitchFamily="50" charset="-128"/>
+              <a:ea typeface="Meiryo UI" panose="020B0604030504040204" pitchFamily="50" charset="-128"/>
+            </a:endParaRPr>
+          </a:p>
+        </p:txBody>
+      </p:sp>
+      <p:sp>
+        <p:nvSpPr>
+          <p:cNvPr id="76" name="テキスト ボックス 75"/>
+          <p:cNvSpPr txBox="1"/>
+          <p:nvPr/>
+        </p:nvSpPr>
+        <p:spPr>
+          <a:xfrm>
+            <a:off x="6150902" y="2681958"/>
+            <a:ext cx="1805965" cy="646331"/>
+          </a:xfrm>
+          <a:prstGeom prst="rect">
+            <a:avLst/>
+          </a:prstGeom>
+          <a:noFill/>
+        </p:spPr>
+        <p:txBody>
+          <a:bodyPr wrap="square" rtlCol="0">
+            <a:spAutoFit/>
+          </a:bodyPr>
+          <a:lstStyle/>
+          <a:p>
+            <a:pPr algn="ctr"/>
+            <a:r>
+              <a:rPr lang="en-US" altLang="ja-JP" smtClean="0"/>
+              <a:t>5000</a:t>
+            </a:r>
+            <a:r>
+              <a:rPr lang="ja-JP" altLang="en-US" smtClean="0"/>
+              <a:t>番ポートで</a:t>
+            </a:r>
+            <a:endParaRPr lang="en-US" altLang="ja-JP" smtClean="0"/>
+          </a:p>
+          <a:p>
+            <a:pPr algn="ctr"/>
+            <a:r>
+              <a:rPr lang="ja-JP" altLang="en-US" smtClean="0"/>
+              <a:t>待ち受け</a:t>
+            </a:r>
+            <a:endParaRPr kumimoji="1" lang="ja-JP" altLang="en-US"/>
+          </a:p>
+        </p:txBody>
+      </p:sp>
+      <p:cxnSp>
+        <p:nvCxnSpPr>
+          <p:cNvPr id="77" name="直線矢印コネクタ 76"/>
+          <p:cNvCxnSpPr/>
+          <p:nvPr/>
+        </p:nvCxnSpPr>
+        <p:spPr>
+          <a:xfrm rot="10800000" flipV="1">
+            <a:off x="5310662" y="3712344"/>
+            <a:ext cx="924069" cy="8467"/>
+          </a:xfrm>
+          <a:prstGeom prst="straightConnector1">
+            <a:avLst/>
+          </a:prstGeom>
+          <a:ln w="57150">
+            <a:solidFill>
+              <a:schemeClr val="accent4"/>
+            </a:solidFill>
+            <a:tailEnd type="triangle"/>
+          </a:ln>
+        </p:spPr>
+        <p:style>
+          <a:lnRef idx="1">
+            <a:schemeClr val="accent1"/>
+          </a:lnRef>
+          <a:fillRef idx="0">
+            <a:schemeClr val="accent1"/>
+          </a:fillRef>
+          <a:effectRef idx="0">
+            <a:schemeClr val="accent1"/>
+          </a:effectRef>
+          <a:fontRef idx="minor">
+            <a:schemeClr val="tx1"/>
+          </a:fontRef>
+        </p:style>
+      </p:cxnSp>
+      <p:cxnSp>
+        <p:nvCxnSpPr>
+          <p:cNvPr id="78" name="直線矢印コネクタ 77"/>
+          <p:cNvCxnSpPr>
+            <a:endCxn id="28" idx="3"/>
+          </p:cNvCxnSpPr>
+          <p:nvPr/>
+        </p:nvCxnSpPr>
+        <p:spPr>
+          <a:xfrm flipH="1">
+            <a:off x="2095846" y="3716577"/>
+            <a:ext cx="769345" cy="531342"/>
+          </a:xfrm>
+          <a:prstGeom prst="straightConnector1">
+            <a:avLst/>
+          </a:prstGeom>
+          <a:ln w="57150">
+            <a:solidFill>
+              <a:schemeClr val="accent4"/>
+            </a:solidFill>
+            <a:tailEnd type="triangle"/>
+          </a:ln>
+        </p:spPr>
+        <p:style>
+          <a:lnRef idx="1">
+            <a:schemeClr val="accent1"/>
+          </a:lnRef>
+          <a:fillRef idx="0">
+            <a:schemeClr val="accent1"/>
+          </a:fillRef>
+          <a:effectRef idx="0">
+            <a:schemeClr val="accent1"/>
+          </a:effectRef>
+          <a:fontRef idx="minor">
+            <a:schemeClr val="tx1"/>
+          </a:fontRef>
+        </p:style>
+      </p:cxnSp>
+      <p:cxnSp>
+        <p:nvCxnSpPr>
+          <p:cNvPr id="79" name="直線矢印コネクタ 78"/>
+          <p:cNvCxnSpPr/>
+          <p:nvPr/>
+        </p:nvCxnSpPr>
+        <p:spPr>
+          <a:xfrm rot="10800000" flipV="1">
+            <a:off x="5322476" y="4852772"/>
+            <a:ext cx="924069" cy="8467"/>
+          </a:xfrm>
+          <a:prstGeom prst="straightConnector1">
+            <a:avLst/>
+          </a:prstGeom>
+          <a:ln w="57150">
+            <a:solidFill>
+              <a:schemeClr val="accent6"/>
+            </a:solidFill>
+            <a:tailEnd type="triangle"/>
+          </a:ln>
+        </p:spPr>
+        <p:style>
+          <a:lnRef idx="1">
+            <a:schemeClr val="accent1"/>
+          </a:lnRef>
+          <a:fillRef idx="0">
+            <a:schemeClr val="accent1"/>
+          </a:fillRef>
+          <a:effectRef idx="0">
+            <a:schemeClr val="accent1"/>
+          </a:effectRef>
+          <a:fontRef idx="minor">
+            <a:schemeClr val="tx1"/>
+          </a:fontRef>
+        </p:style>
+      </p:cxnSp>
+      <p:cxnSp>
+        <p:nvCxnSpPr>
+          <p:cNvPr id="80" name="直線矢印コネクタ 79"/>
+          <p:cNvCxnSpPr/>
+          <p:nvPr/>
+        </p:nvCxnSpPr>
+        <p:spPr>
+          <a:xfrm rot="10800000" flipV="1">
+            <a:off x="2121427" y="4868402"/>
+            <a:ext cx="694267" cy="8467"/>
+          </a:xfrm>
+          <a:prstGeom prst="straightConnector1">
+            <a:avLst/>
+          </a:prstGeom>
+          <a:ln w="57150">
+            <a:solidFill>
+              <a:schemeClr val="accent6"/>
+            </a:solidFill>
+            <a:tailEnd type="triangle"/>
+          </a:ln>
+        </p:spPr>
+        <p:style>
+          <a:lnRef idx="1">
+            <a:schemeClr val="accent1"/>
+          </a:lnRef>
+          <a:fillRef idx="0">
+            <a:schemeClr val="accent1"/>
+          </a:fillRef>
+          <a:effectRef idx="0">
+            <a:schemeClr val="accent1"/>
+          </a:effectRef>
+          <a:fontRef idx="minor">
+            <a:schemeClr val="tx1"/>
+          </a:fontRef>
+        </p:style>
+      </p:cxnSp>
+    </p:spTree>
+    <p:extLst>
+      <p:ext uri="{BB962C8B-B14F-4D97-AF65-F5344CB8AC3E}">
+        <p14:creationId xmlns:p14="http://schemas.microsoft.com/office/powerpoint/2010/main" val="2372127834"/>
+      </p:ext>
+    </p:extLst>
+  </p:cSld>
+  <p:clrMapOvr>
+    <a:masterClrMapping/>
+  </p:clrMapOvr>
+  <p:timing>
+    <p:tnLst>
+      <p:par>
+        <p:cTn id="1" dur="indefinite" restart="never" nodeType="tmRoot"/>
+      </p:par>
+    </p:tnLst>
+  </p:timing>
+</p:sld>
+</file>
+
+<file path=ppt/slides/slide12.xml><?xml version="1.0" encoding="utf-8"?>
+<p:sld xmlns:a="http://schemas.openxmlformats.org/drawingml/2006/main" xmlns:r="http://schemas.openxmlformats.org/officeDocument/2006/relationships" xmlns:p="http://schemas.openxmlformats.org/presentationml/2006/main">
+  <p:cSld>
+    <p:spTree>
+      <p:nvGrpSpPr>
+        <p:cNvPr id="1" name=""/>
+        <p:cNvGrpSpPr/>
+        <p:nvPr/>
+      </p:nvGrpSpPr>
+      <p:grpSpPr>
+        <a:xfrm>
+          <a:off x="0" y="0"/>
+          <a:ext cx="0" cy="0"/>
+          <a:chOff x="0" y="0"/>
+          <a:chExt cx="0" cy="0"/>
+        </a:xfrm>
+      </p:grpSpPr>
+      <p:sp>
+        <p:nvSpPr>
+          <p:cNvPr id="3" name="コンテンツ プレースホルダー 2"/>
+          <p:cNvSpPr>
+            <a:spLocks noGrp="1"/>
+          </p:cNvSpPr>
+          <p:nvPr>
+            <p:ph idx="1"/>
+          </p:nvPr>
+        </p:nvSpPr>
+        <p:spPr/>
+        <p:txBody>
+          <a:bodyPr/>
+          <a:lstStyle/>
+          <a:p>
+            <a:r>
+              <a:rPr kumimoji="1" lang="ja-JP" altLang="en-US" smtClean="0"/>
+              <a:t>コンテナ構築</a:t>
+            </a:r>
+            <a:r>
+              <a:rPr kumimoji="1" lang="en-US" altLang="ja-JP" smtClean="0"/>
+              <a:t>&amp;</a:t>
+            </a:r>
+            <a:r>
+              <a:rPr kumimoji="1" lang="ja-JP" altLang="en-US" smtClean="0"/>
+              <a:t>動作確認を始めて下さい</a:t>
+            </a:r>
+            <a:endParaRPr kumimoji="1" lang="en-US" altLang="ja-JP" smtClean="0"/>
+          </a:p>
+          <a:p>
+            <a:pPr lvl="1"/>
+            <a:r>
+              <a:rPr kumimoji="1" lang="ja-JP" altLang="en-US" smtClean="0"/>
+              <a:t>制約事項</a:t>
+            </a:r>
+            <a:endParaRPr kumimoji="1" lang="en-US" altLang="ja-JP" smtClean="0"/>
+          </a:p>
+          <a:p>
+            <a:pPr lvl="2"/>
+            <a:r>
+              <a:rPr lang="ja-JP" altLang="en-US" smtClean="0"/>
+              <a:t>社長のコード変更禁止！</a:t>
+            </a:r>
+            <a:r>
+              <a:rPr lang="en-US" altLang="ja-JP" smtClean="0"/>
+              <a:t>(</a:t>
+            </a:r>
+            <a:r>
+              <a:rPr lang="ja-JP" altLang="en-US" smtClean="0"/>
+              <a:t>当たり前だよね</a:t>
+            </a:r>
+            <a:r>
+              <a:rPr lang="en-US" altLang="ja-JP" smtClean="0"/>
+              <a:t>!)</a:t>
+            </a:r>
+          </a:p>
+          <a:p>
+            <a:pPr lvl="2"/>
+            <a:r>
+              <a:rPr lang="ja-JP" altLang="en-US" smtClean="0"/>
+              <a:t>コンテナのベースイメージは</a:t>
+            </a:r>
+            <a:r>
+              <a:rPr lang="en-US" altLang="ja-JP" smtClean="0">
+                <a:solidFill>
+                  <a:schemeClr val="accent4"/>
+                </a:solidFill>
+              </a:rPr>
+              <a:t>python:3</a:t>
+            </a:r>
+            <a:r>
+              <a:rPr lang="ja-JP" altLang="en-US" smtClean="0"/>
+              <a:t>を使ってください</a:t>
+            </a:r>
+            <a:endParaRPr lang="en-US" altLang="ja-JP" smtClean="0"/>
+          </a:p>
+          <a:p>
+            <a:pPr lvl="2"/>
+            <a:r>
+              <a:rPr lang="ja-JP" altLang="en-US" smtClean="0"/>
+              <a:t>ブラウザからは</a:t>
+            </a:r>
+            <a:endParaRPr lang="en-US" altLang="ja-JP" smtClean="0"/>
+          </a:p>
+          <a:p>
+            <a:pPr lvl="3"/>
+            <a:r>
+              <a:rPr lang="en-US" altLang="ja-JP" smtClean="0"/>
+              <a:t>Yoisho </a:t>
+            </a:r>
+            <a:r>
+              <a:rPr lang="en-US" altLang="ja-JP">
+                <a:hlinkClick r:id="rId2"/>
+              </a:rPr>
+              <a:t>http://XXXx:XXX</a:t>
+            </a:r>
+            <a:r>
+              <a:rPr lang="ja-JP" altLang="en-US"/>
+              <a:t>で</a:t>
+            </a:r>
+            <a:r>
+              <a:rPr lang="ja-JP" altLang="en-US" smtClean="0"/>
+              <a:t>アクセス</a:t>
+            </a:r>
+            <a:endParaRPr lang="en-US" altLang="ja-JP"/>
+          </a:p>
+          <a:p>
+            <a:pPr lvl="3"/>
+            <a:r>
+              <a:rPr lang="ja-JP" altLang="en-US" smtClean="0"/>
+              <a:t>ログ </a:t>
+            </a:r>
+            <a:r>
+              <a:rPr lang="en-US" altLang="ja-JP" smtClean="0">
+                <a:hlinkClick r:id="rId3"/>
+              </a:rPr>
+              <a:t>http://XXXX:XXX</a:t>
+            </a:r>
+            <a:r>
+              <a:rPr lang="ja-JP" altLang="en-US" smtClean="0"/>
+              <a:t>でアクセス</a:t>
+            </a:r>
+            <a:endParaRPr lang="en-US" altLang="ja-JP"/>
+          </a:p>
+          <a:p>
+            <a:pPr lvl="3"/>
+            <a:endParaRPr lang="en-US" altLang="ja-JP" smtClean="0"/>
+          </a:p>
+        </p:txBody>
+      </p:sp>
+      <p:sp>
+        <p:nvSpPr>
+          <p:cNvPr id="4" name="タイトル 1"/>
+          <p:cNvSpPr>
+            <a:spLocks noGrp="1"/>
+          </p:cNvSpPr>
+          <p:nvPr>
+            <p:ph type="title"/>
+          </p:nvPr>
+        </p:nvSpPr>
+        <p:spPr/>
+        <p:txBody>
+          <a:bodyPr/>
+          <a:lstStyle/>
+          <a:p>
+            <a:r>
+              <a:rPr lang="ja-JP" altLang="en-US"/>
+              <a:t>使ってみる～ハンズオン ケーススタディ～</a:t>
+            </a:r>
+            <a:endParaRPr kumimoji="1" lang="ja-JP" altLang="en-US"/>
+          </a:p>
+        </p:txBody>
+      </p:sp>
+    </p:spTree>
+    <p:extLst>
+      <p:ext uri="{BB962C8B-B14F-4D97-AF65-F5344CB8AC3E}">
+        <p14:creationId xmlns:p14="http://schemas.microsoft.com/office/powerpoint/2010/main" val="900441716"/>
+      </p:ext>
+    </p:extLst>
+  </p:cSld>
+  <p:clrMapOvr>
+    <a:masterClrMapping/>
+  </p:clrMapOvr>
+  <p:timing>
+    <p:tnLst>
+      <p:par>
+        <p:cTn id="1" dur="indefinite" restart="never" nodeType="tmRoot"/>
+      </p:par>
+    </p:tnLst>
+  </p:timing>
+</p:sld>
+</file>
+
+<file path=ppt/slides/slide13.xml><?xml version="1.0" encoding="utf-8"?>
+<p:sld xmlns:a="http://schemas.openxmlformats.org/drawingml/2006/main" xmlns:r="http://schemas.openxmlformats.org/officeDocument/2006/relationships" xmlns:p="http://schemas.openxmlformats.org/presentationml/2006/main">
+  <p:cSld>
+    <p:spTree>
+      <p:nvGrpSpPr>
+        <p:cNvPr id="1" name=""/>
+        <p:cNvGrpSpPr/>
+        <p:nvPr/>
+      </p:nvGrpSpPr>
+      <p:grpSpPr>
+        <a:xfrm>
+          <a:off x="0" y="0"/>
+          <a:ext cx="0" cy="0"/>
+          <a:chOff x="0" y="0"/>
+          <a:chExt cx="0" cy="0"/>
+        </a:xfrm>
+      </p:grpSpPr>
+      <p:sp>
+        <p:nvSpPr>
+          <p:cNvPr id="63" name="正方形/長方形 62"/>
+          <p:cNvSpPr/>
+          <p:nvPr/>
+        </p:nvSpPr>
+        <p:spPr>
+          <a:xfrm>
+            <a:off x="6529010" y="1572079"/>
+            <a:ext cx="2353732" cy="5184321"/>
+          </a:xfrm>
+          <a:prstGeom prst="rect">
+            <a:avLst/>
+          </a:prstGeom>
+          <a:solidFill>
+            <a:schemeClr val="bg1"/>
+          </a:solidFill>
+          <a:ln>
+            <a:noFill/>
+          </a:ln>
+        </p:spPr>
+        <p:style>
+          <a:lnRef idx="2">
+            <a:schemeClr val="accent1">
+              <a:shade val="50000"/>
+            </a:schemeClr>
+          </a:lnRef>
+          <a:fillRef idx="1">
+            <a:schemeClr val="accent1"/>
+          </a:fillRef>
+          <a:effectRef idx="0">
+            <a:schemeClr val="accent1"/>
+          </a:effectRef>
+          <a:fontRef idx="minor">
+            <a:schemeClr val="lt1"/>
+          </a:fontRef>
+        </p:style>
+        <p:txBody>
+          <a:bodyPr rtlCol="0" anchor="ctr"/>
+          <a:lstStyle/>
+          <a:p>
+            <a:pPr algn="ctr"/>
+            <a:endParaRPr kumimoji="1" lang="ja-JP" altLang="en-US" smtClean="0">
+              <a:solidFill>
+                <a:schemeClr val="bg1"/>
+              </a:solidFill>
+              <a:latin typeface="Meiryo UI" panose="020B0604030504040204" pitchFamily="50" charset="-128"/>
+              <a:ea typeface="Meiryo UI" panose="020B0604030504040204" pitchFamily="50" charset="-128"/>
+            </a:endParaRPr>
+          </a:p>
+        </p:txBody>
+      </p:sp>
+      <p:sp>
+        <p:nvSpPr>
+          <p:cNvPr id="62" name="正方形/長方形 61"/>
+          <p:cNvSpPr/>
+          <p:nvPr/>
+        </p:nvSpPr>
+        <p:spPr>
+          <a:xfrm>
+            <a:off x="3423858" y="1572079"/>
+            <a:ext cx="3020481" cy="5184321"/>
+          </a:xfrm>
+          <a:prstGeom prst="rect">
+            <a:avLst/>
+          </a:prstGeom>
+          <a:solidFill>
+            <a:schemeClr val="bg1"/>
+          </a:solidFill>
+          <a:ln>
+            <a:noFill/>
+          </a:ln>
+        </p:spPr>
+        <p:style>
+          <a:lnRef idx="2">
+            <a:schemeClr val="accent1">
+              <a:shade val="50000"/>
+            </a:schemeClr>
+          </a:lnRef>
+          <a:fillRef idx="1">
+            <a:schemeClr val="accent1"/>
+          </a:fillRef>
+          <a:effectRef idx="0">
+            <a:schemeClr val="accent1"/>
+          </a:effectRef>
+          <a:fontRef idx="minor">
+            <a:schemeClr val="lt1"/>
+          </a:fontRef>
+        </p:style>
+        <p:txBody>
+          <a:bodyPr rtlCol="0" anchor="ctr"/>
+          <a:lstStyle/>
+          <a:p>
+            <a:pPr algn="ctr"/>
+            <a:endParaRPr kumimoji="1" lang="ja-JP" altLang="en-US" smtClean="0">
+              <a:solidFill>
+                <a:schemeClr val="bg1"/>
+              </a:solidFill>
+              <a:latin typeface="Meiryo UI" panose="020B0604030504040204" pitchFamily="50" charset="-128"/>
+              <a:ea typeface="Meiryo UI" panose="020B0604030504040204" pitchFamily="50" charset="-128"/>
+            </a:endParaRPr>
+          </a:p>
+        </p:txBody>
+      </p:sp>
+      <p:sp>
+        <p:nvSpPr>
+          <p:cNvPr id="61" name="正方形/長方形 60"/>
+          <p:cNvSpPr/>
+          <p:nvPr/>
+        </p:nvSpPr>
+        <p:spPr>
+          <a:xfrm>
+            <a:off x="261258" y="1572079"/>
+            <a:ext cx="3083076" cy="5184321"/>
+          </a:xfrm>
+          <a:prstGeom prst="rect">
+            <a:avLst/>
+          </a:prstGeom>
+          <a:solidFill>
+            <a:schemeClr val="bg1"/>
+          </a:solidFill>
+          <a:ln>
+            <a:noFill/>
+          </a:ln>
+        </p:spPr>
+        <p:style>
+          <a:lnRef idx="2">
+            <a:schemeClr val="accent1">
+              <a:shade val="50000"/>
+            </a:schemeClr>
+          </a:lnRef>
+          <a:fillRef idx="1">
+            <a:schemeClr val="accent1"/>
+          </a:fillRef>
+          <a:effectRef idx="0">
+            <a:schemeClr val="accent1"/>
+          </a:effectRef>
+          <a:fontRef idx="minor">
+            <a:schemeClr val="lt1"/>
+          </a:fontRef>
+        </p:style>
+        <p:txBody>
+          <a:bodyPr rtlCol="0" anchor="ctr"/>
+          <a:lstStyle/>
+          <a:p>
+            <a:pPr algn="ctr"/>
+            <a:endParaRPr kumimoji="1" lang="ja-JP" altLang="en-US" smtClean="0">
+              <a:solidFill>
+                <a:schemeClr val="bg1"/>
+              </a:solidFill>
+              <a:latin typeface="Meiryo UI" panose="020B0604030504040204" pitchFamily="50" charset="-128"/>
+              <a:ea typeface="Meiryo UI" panose="020B0604030504040204" pitchFamily="50" charset="-128"/>
+            </a:endParaRPr>
+          </a:p>
+        </p:txBody>
+      </p:sp>
+      <p:sp>
+        <p:nvSpPr>
+          <p:cNvPr id="2" name="タイトル 1"/>
+          <p:cNvSpPr>
+            <a:spLocks noGrp="1"/>
+          </p:cNvSpPr>
+          <p:nvPr>
+            <p:ph type="title"/>
+          </p:nvPr>
+        </p:nvSpPr>
+        <p:spPr/>
+        <p:txBody>
+          <a:bodyPr/>
+          <a:lstStyle/>
+          <a:p>
+            <a:r>
+              <a:rPr kumimoji="1" lang="ja-JP" altLang="en-US" smtClean="0"/>
+              <a:t>使ってみる～ハンズオン　ケーススタディ～</a:t>
+            </a:r>
+            <a:endParaRPr kumimoji="1" lang="ja-JP" altLang="en-US"/>
+          </a:p>
+        </p:txBody>
+      </p:sp>
+      <p:sp>
+        <p:nvSpPr>
+          <p:cNvPr id="3" name="コンテンツ プレースホルダー 2"/>
+          <p:cNvSpPr>
+            <a:spLocks noGrp="1"/>
+          </p:cNvSpPr>
+          <p:nvPr>
+            <p:ph idx="1"/>
+          </p:nvPr>
+        </p:nvSpPr>
+        <p:spPr>
+          <a:xfrm>
+            <a:off x="261257" y="971550"/>
+            <a:ext cx="8686799" cy="679450"/>
+          </a:xfrm>
+        </p:spPr>
+        <p:txBody>
+          <a:bodyPr>
+            <a:normAutofit/>
+          </a:bodyPr>
+          <a:lstStyle/>
+          <a:p>
+            <a:r>
+              <a:rPr kumimoji="1" lang="ja-JP" altLang="en-US" sz="2000" smtClean="0"/>
+              <a:t>コンテナが増えて、起動順序、ネットワークとかボリューム設定がうざくなかったですか</a:t>
+            </a:r>
+            <a:r>
+              <a:rPr kumimoji="1" lang="en-US" altLang="ja-JP" sz="2000" smtClean="0"/>
+              <a:t>?</a:t>
+            </a:r>
+            <a:br>
+              <a:rPr kumimoji="1" lang="en-US" altLang="ja-JP" sz="2000" smtClean="0"/>
+            </a:br>
+            <a:r>
+              <a:rPr kumimoji="1" lang="ja-JP" altLang="en-US" sz="2000" smtClean="0"/>
+              <a:t>⇒それ、</a:t>
+            </a:r>
+            <a:r>
+              <a:rPr kumimoji="1" lang="en-US" altLang="ja-JP" sz="2000" smtClean="0"/>
+              <a:t>docker-compose</a:t>
+            </a:r>
+            <a:r>
+              <a:rPr kumimoji="1" lang="ja-JP" altLang="en-US" sz="2000" smtClean="0"/>
+              <a:t>でできます！</a:t>
+            </a:r>
+            <a:endParaRPr kumimoji="1" lang="ja-JP" altLang="en-US" sz="2000"/>
+          </a:p>
+        </p:txBody>
+      </p:sp>
+      <p:sp>
+        <p:nvSpPr>
+          <p:cNvPr id="57" name="正方形/長方形 56"/>
+          <p:cNvSpPr/>
+          <p:nvPr/>
+        </p:nvSpPr>
+        <p:spPr>
+          <a:xfrm>
+            <a:off x="281516" y="1572079"/>
+            <a:ext cx="3062817" cy="4893647"/>
+          </a:xfrm>
+          <a:prstGeom prst="rect">
+            <a:avLst/>
+          </a:prstGeom>
+        </p:spPr>
+        <p:txBody>
+          <a:bodyPr wrap="square">
+            <a:spAutoFit/>
+          </a:bodyPr>
+          <a:lstStyle/>
+          <a:p>
+            <a:r>
+              <a:rPr lang="en-US" altLang="ja-JP" sz="1200"/>
+              <a:t>version: '3'</a:t>
+            </a:r>
+          </a:p>
+          <a:p>
+            <a:endParaRPr lang="en-US" altLang="ja-JP" sz="1200"/>
+          </a:p>
+          <a:p>
+            <a:r>
+              <a:rPr lang="en-US" altLang="ja-JP" sz="1200"/>
+              <a:t>services:</a:t>
+            </a:r>
+          </a:p>
+          <a:p>
+            <a:r>
+              <a:rPr lang="en-US" altLang="ja-JP" sz="1200"/>
+              <a:t>  frontend_sidecar:</a:t>
+            </a:r>
+          </a:p>
+          <a:p>
+            <a:r>
+              <a:rPr lang="en-US" altLang="ja-JP" sz="1200"/>
+              <a:t>    environment:</a:t>
+            </a:r>
+          </a:p>
+          <a:p>
+            <a:r>
+              <a:rPr lang="en-US" altLang="ja-JP" sz="1200"/>
+              <a:t>      - dst=http://frontend:5000</a:t>
+            </a:r>
+          </a:p>
+          <a:p>
+            <a:r>
+              <a:rPr lang="en-US" altLang="ja-JP" sz="1200"/>
+              <a:t>    build: ./frontend_sidecar</a:t>
+            </a:r>
+          </a:p>
+          <a:p>
+            <a:r>
+              <a:rPr lang="en-US" altLang="ja-JP" sz="1200"/>
+              <a:t>    image: frontend_sidecar:1.0</a:t>
+            </a:r>
+          </a:p>
+          <a:p>
+            <a:r>
+              <a:rPr lang="en-US" altLang="ja-JP" sz="1200"/>
+              <a:t>    container_name: frontend_sidecar</a:t>
+            </a:r>
+          </a:p>
+          <a:p>
+            <a:r>
+              <a:rPr lang="en-US" altLang="ja-JP" sz="1200">
+                <a:solidFill>
+                  <a:schemeClr val="accent4"/>
+                </a:solidFill>
+              </a:rPr>
+              <a:t>    networks:</a:t>
+            </a:r>
+          </a:p>
+          <a:p>
+            <a:r>
+              <a:rPr lang="en-US" altLang="ja-JP" sz="1200">
+                <a:solidFill>
+                  <a:schemeClr val="accent4"/>
+                </a:solidFill>
+              </a:rPr>
+              <a:t>      - yoisho-net</a:t>
+            </a:r>
+          </a:p>
+          <a:p>
+            <a:r>
+              <a:rPr lang="en-US" altLang="ja-JP" sz="1200"/>
+              <a:t>    ports: </a:t>
+            </a:r>
+          </a:p>
+          <a:p>
+            <a:r>
+              <a:rPr lang="en-US" altLang="ja-JP" sz="1200"/>
+              <a:t>      - 8080:5000</a:t>
+            </a:r>
+          </a:p>
+          <a:p>
+            <a:r>
+              <a:rPr lang="en-US" altLang="ja-JP" sz="1200"/>
+              <a:t>    </a:t>
+            </a:r>
+          </a:p>
+          <a:p>
+            <a:endParaRPr lang="en-US" altLang="ja-JP" sz="1200"/>
+          </a:p>
+          <a:p>
+            <a:r>
+              <a:rPr lang="en-US" altLang="ja-JP" sz="1200"/>
+              <a:t>  frontend:</a:t>
+            </a:r>
+          </a:p>
+          <a:p>
+            <a:r>
+              <a:rPr lang="en-US" altLang="ja-JP" sz="1200"/>
+              <a:t>    depends_on:</a:t>
+            </a:r>
+          </a:p>
+          <a:p>
+            <a:r>
+              <a:rPr lang="en-US" altLang="ja-JP" sz="1200"/>
+              <a:t>      - backend</a:t>
+            </a:r>
+          </a:p>
+          <a:p>
+            <a:r>
+              <a:rPr lang="en-US" altLang="ja-JP" sz="1200"/>
+              <a:t>      - frontend_sidecar</a:t>
+            </a:r>
+          </a:p>
+          <a:p>
+            <a:r>
+              <a:rPr lang="en-US" altLang="ja-JP" sz="1200"/>
+              <a:t>    environment:</a:t>
+            </a:r>
+          </a:p>
+          <a:p>
+            <a:r>
+              <a:rPr lang="en-US" altLang="ja-JP" sz="1200"/>
+              <a:t>      - dst=http://backend:5000</a:t>
+            </a:r>
+          </a:p>
+          <a:p>
+            <a:r>
+              <a:rPr lang="en-US" altLang="ja-JP" sz="1200"/>
+              <a:t>    build: ./frontend</a:t>
+            </a:r>
+          </a:p>
+          <a:p>
+            <a:r>
+              <a:rPr lang="en-US" altLang="ja-JP" sz="1200"/>
+              <a:t>    image: frontend:1.0</a:t>
+            </a:r>
+          </a:p>
+          <a:p>
+            <a:r>
+              <a:rPr lang="en-US" altLang="ja-JP" sz="1200"/>
+              <a:t>    container_name: frontend</a:t>
+            </a:r>
+          </a:p>
+          <a:p>
+            <a:r>
+              <a:rPr lang="en-US" altLang="ja-JP" sz="1200">
+                <a:solidFill>
+                  <a:schemeClr val="accent4"/>
+                </a:solidFill>
+              </a:rPr>
+              <a:t>    networks:</a:t>
+            </a:r>
+          </a:p>
+          <a:p>
+            <a:r>
+              <a:rPr lang="en-US" altLang="ja-JP" sz="1200">
+                <a:solidFill>
+                  <a:schemeClr val="accent4"/>
+                </a:solidFill>
+              </a:rPr>
+              <a:t>      - yoisho-net</a:t>
+            </a:r>
+            <a:endParaRPr lang="ja-JP" altLang="en-US" sz="1200">
+              <a:solidFill>
+                <a:schemeClr val="accent4"/>
+              </a:solidFill>
+            </a:endParaRPr>
+          </a:p>
+        </p:txBody>
+      </p:sp>
+      <p:sp>
+        <p:nvSpPr>
+          <p:cNvPr id="58" name="正方形/長方形 57"/>
+          <p:cNvSpPr/>
+          <p:nvPr/>
+        </p:nvSpPr>
+        <p:spPr>
+          <a:xfrm>
+            <a:off x="3437464" y="1919955"/>
+            <a:ext cx="3006875" cy="4339650"/>
+          </a:xfrm>
+          <a:prstGeom prst="rect">
+            <a:avLst/>
+          </a:prstGeom>
+        </p:spPr>
+        <p:txBody>
+          <a:bodyPr wrap="square">
+            <a:spAutoFit/>
+          </a:bodyPr>
+          <a:lstStyle/>
+          <a:p>
+            <a:r>
+              <a:rPr lang="en-US" altLang="ja-JP" sz="1200"/>
+              <a:t> backend:</a:t>
+            </a:r>
+          </a:p>
+          <a:p>
+            <a:r>
+              <a:rPr lang="en-US" altLang="ja-JP" sz="1200"/>
+              <a:t>    build: ./backend</a:t>
+            </a:r>
+          </a:p>
+          <a:p>
+            <a:r>
+              <a:rPr lang="en-US" altLang="ja-JP" sz="1200"/>
+              <a:t>    image: backend:1.0</a:t>
+            </a:r>
+          </a:p>
+          <a:p>
+            <a:r>
+              <a:rPr lang="en-US" altLang="ja-JP" sz="1200"/>
+              <a:t>    container_name: backend</a:t>
+            </a:r>
+          </a:p>
+          <a:p>
+            <a:r>
+              <a:rPr lang="en-US" altLang="ja-JP" sz="1200">
+                <a:solidFill>
+                  <a:schemeClr val="accent4"/>
+                </a:solidFill>
+              </a:rPr>
+              <a:t>    networks:</a:t>
+            </a:r>
+          </a:p>
+          <a:p>
+            <a:r>
+              <a:rPr lang="en-US" altLang="ja-JP" sz="1200">
+                <a:solidFill>
+                  <a:schemeClr val="accent4"/>
+                </a:solidFill>
+              </a:rPr>
+              <a:t>      - yoisho-net</a:t>
+            </a:r>
+          </a:p>
+          <a:p>
+            <a:r>
+              <a:rPr lang="en-US" altLang="ja-JP" sz="1200">
+                <a:solidFill>
+                  <a:schemeClr val="accent6"/>
+                </a:solidFill>
+              </a:rPr>
+              <a:t>    volumes:</a:t>
+            </a:r>
+          </a:p>
+          <a:p>
+            <a:r>
+              <a:rPr lang="en-US" altLang="ja-JP" sz="1200">
+                <a:solidFill>
+                  <a:schemeClr val="accent6"/>
+                </a:solidFill>
+              </a:rPr>
+              <a:t>      - yoisho-log:/log</a:t>
+            </a:r>
+          </a:p>
+          <a:p>
+            <a:endParaRPr lang="en-US" altLang="ja-JP" sz="1200" smtClean="0"/>
+          </a:p>
+          <a:p>
+            <a:endParaRPr lang="en-US" altLang="ja-JP" sz="1200"/>
+          </a:p>
+          <a:p>
+            <a:r>
+              <a:rPr lang="en-US" altLang="ja-JP" sz="1200"/>
+              <a:t>  backend_sidecar:</a:t>
+            </a:r>
+          </a:p>
+          <a:p>
+            <a:r>
+              <a:rPr lang="en-US" altLang="ja-JP" sz="1200"/>
+              <a:t>    depends_on:</a:t>
+            </a:r>
+          </a:p>
+          <a:p>
+            <a:r>
+              <a:rPr lang="en-US" altLang="ja-JP" sz="1200"/>
+              <a:t>      - backend</a:t>
+            </a:r>
+          </a:p>
+          <a:p>
+            <a:r>
+              <a:rPr lang="en-US" altLang="ja-JP" sz="1200"/>
+              <a:t>    build: ./backend_sidecar</a:t>
+            </a:r>
+          </a:p>
+          <a:p>
+            <a:r>
+              <a:rPr lang="en-US" altLang="ja-JP" sz="1200"/>
+              <a:t>    image: backend_sidecar:1.0</a:t>
+            </a:r>
+          </a:p>
+          <a:p>
+            <a:r>
+              <a:rPr lang="en-US" altLang="ja-JP" sz="1200"/>
+              <a:t>    container_name: backend_sidecar</a:t>
+            </a:r>
+          </a:p>
+          <a:p>
+            <a:r>
+              <a:rPr lang="en-US" altLang="ja-JP" sz="1200">
+                <a:solidFill>
+                  <a:schemeClr val="accent4"/>
+                </a:solidFill>
+              </a:rPr>
+              <a:t>    networks:</a:t>
+            </a:r>
+          </a:p>
+          <a:p>
+            <a:r>
+              <a:rPr lang="en-US" altLang="ja-JP" sz="1200">
+                <a:solidFill>
+                  <a:schemeClr val="accent4"/>
+                </a:solidFill>
+              </a:rPr>
+              <a:t>      - yoisho-net</a:t>
+            </a:r>
+          </a:p>
+          <a:p>
+            <a:r>
+              <a:rPr lang="en-US" altLang="ja-JP" sz="1200"/>
+              <a:t>    ports:</a:t>
+            </a:r>
+          </a:p>
+          <a:p>
+            <a:r>
+              <a:rPr lang="en-US" altLang="ja-JP" sz="1200"/>
+              <a:t>      - 8081:5000</a:t>
+            </a:r>
+          </a:p>
+          <a:p>
+            <a:r>
+              <a:rPr lang="en-US" altLang="ja-JP" sz="1200">
+                <a:solidFill>
+                  <a:schemeClr val="accent6"/>
+                </a:solidFill>
+              </a:rPr>
+              <a:t>    volumes:</a:t>
+            </a:r>
+          </a:p>
+          <a:p>
+            <a:r>
+              <a:rPr lang="en-US" altLang="ja-JP" sz="1200">
+                <a:solidFill>
+                  <a:schemeClr val="accent6"/>
+                </a:solidFill>
+              </a:rPr>
+              <a:t>      - yoisho-log:/log:ro</a:t>
+            </a:r>
+          </a:p>
+          <a:p>
+            <a:endParaRPr lang="en-US" altLang="ja-JP" sz="1200"/>
+          </a:p>
+        </p:txBody>
+      </p:sp>
+      <p:sp>
+        <p:nvSpPr>
+          <p:cNvPr id="60" name="正方形/長方形 59"/>
+          <p:cNvSpPr/>
+          <p:nvPr/>
+        </p:nvSpPr>
+        <p:spPr>
+          <a:xfrm>
+            <a:off x="6520540" y="1919955"/>
+            <a:ext cx="2150533" cy="1384995"/>
+          </a:xfrm>
+          <a:prstGeom prst="rect">
+            <a:avLst/>
+          </a:prstGeom>
+        </p:spPr>
+        <p:txBody>
+          <a:bodyPr wrap="square">
+            <a:spAutoFit/>
+          </a:bodyPr>
+          <a:lstStyle/>
+          <a:p>
+            <a:r>
+              <a:rPr lang="en-US" altLang="ja-JP" sz="1200">
+                <a:solidFill>
+                  <a:schemeClr val="accent4"/>
+                </a:solidFill>
+              </a:rPr>
+              <a:t>networks:</a:t>
+            </a:r>
+          </a:p>
+          <a:p>
+            <a:r>
+              <a:rPr lang="en-US" altLang="ja-JP" sz="1200">
+                <a:solidFill>
+                  <a:schemeClr val="accent4"/>
+                </a:solidFill>
+              </a:rPr>
+              <a:t>  yoisho-net:</a:t>
+            </a:r>
+          </a:p>
+          <a:p>
+            <a:r>
+              <a:rPr lang="en-US" altLang="ja-JP" sz="1200">
+                <a:solidFill>
+                  <a:schemeClr val="accent4"/>
+                </a:solidFill>
+              </a:rPr>
+              <a:t>    driver: bridge</a:t>
+            </a:r>
+          </a:p>
+          <a:p>
+            <a:endParaRPr lang="en-US" altLang="ja-JP" sz="1200"/>
+          </a:p>
+          <a:p>
+            <a:r>
+              <a:rPr lang="en-US" altLang="ja-JP" sz="1200">
+                <a:solidFill>
+                  <a:schemeClr val="accent6"/>
+                </a:solidFill>
+              </a:rPr>
+              <a:t>volumes:</a:t>
+            </a:r>
+          </a:p>
+          <a:p>
+            <a:r>
+              <a:rPr lang="en-US" altLang="ja-JP" sz="1200">
+                <a:solidFill>
+                  <a:schemeClr val="accent6"/>
+                </a:solidFill>
+              </a:rPr>
+              <a:t>  yoisho-log:</a:t>
+            </a:r>
+          </a:p>
+          <a:p>
+            <a:r>
+              <a:rPr lang="en-US" altLang="ja-JP" sz="1200">
+                <a:solidFill>
+                  <a:schemeClr val="accent6"/>
+                </a:solidFill>
+              </a:rPr>
+              <a:t>    driver: local</a:t>
+            </a:r>
+          </a:p>
+        </p:txBody>
+      </p:sp>
+    </p:spTree>
+    <p:extLst>
+      <p:ext uri="{BB962C8B-B14F-4D97-AF65-F5344CB8AC3E}">
+        <p14:creationId xmlns:p14="http://schemas.microsoft.com/office/powerpoint/2010/main" val="4052640365"/>
+      </p:ext>
+    </p:extLst>
+  </p:cSld>
+  <p:clrMapOvr>
+    <a:masterClrMapping/>
+  </p:clrMapOvr>
+  <p:timing>
+    <p:tnLst>
+      <p:par>
+        <p:cTn id="1" dur="indefinite" restart="never" nodeType="tmRoot"/>
+      </p:par>
+    </p:tnLst>
+  </p:timing>
+</p:sld>
+</file>
+
 <file path=ppt/slides/slide2.xml><?xml version="1.0" encoding="utf-8"?>
 <p:sld xmlns:a="http://schemas.openxmlformats.org/drawingml/2006/main" xmlns:r="http://schemas.openxmlformats.org/officeDocument/2006/relationships" xmlns:p="http://schemas.openxmlformats.org/presentationml/2006/main">
   <p:cSld>
@@ -2300,8 +5605,8 @@
         </p:nvSpPr>
         <p:spPr>
           <a:xfrm>
-            <a:off x="261257" y="971550"/>
-            <a:ext cx="8686799" cy="3253317"/>
+            <a:off x="261257" y="971549"/>
+            <a:ext cx="8686799" cy="5801783"/>
           </a:xfrm>
         </p:spPr>
         <p:txBody>
@@ -2311,26 +5616,218 @@
           <a:lstStyle/>
           <a:p>
             <a:r>
-              <a:rPr lang="ja-JP" altLang="en-US" smtClean="0"/>
-              <a:t>ハンズオン</a:t>
-            </a:r>
-            <a:r>
-              <a:rPr lang="ja-JP" altLang="en-US" smtClean="0"/>
-              <a:t>は</a:t>
-            </a:r>
-            <a:r>
-              <a:rPr lang="en-US" altLang="ja-JP" smtClean="0"/>
+              <a:rPr lang="ja-JP" altLang="en-US" sz="2400" smtClean="0"/>
+              <a:t>ハンズオンでやること</a:t>
+            </a:r>
+            <a:endParaRPr lang="en-US" altLang="ja-JP" sz="2400" smtClean="0"/>
+          </a:p>
+          <a:p>
+            <a:pPr lvl="1"/>
+            <a:r>
+              <a:rPr lang="ja-JP" altLang="en-US" sz="2000" smtClean="0"/>
+              <a:t>既存アプリをコンテナ化する</a:t>
+            </a:r>
+            <a:endParaRPr lang="en-US" altLang="ja-JP" sz="2000" smtClean="0"/>
+          </a:p>
+          <a:p>
+            <a:pPr lvl="1"/>
+            <a:r>
+              <a:rPr kumimoji="1" lang="ja-JP" altLang="en-US" sz="2000" smtClean="0"/>
+              <a:t>既存アプリを組み合わせてサービスを構築する</a:t>
+            </a:r>
+            <a:endParaRPr kumimoji="1" lang="en-US" altLang="ja-JP" sz="2000" smtClean="0"/>
+          </a:p>
+          <a:p>
+            <a:r>
+              <a:rPr lang="ja-JP" altLang="en-US" sz="2400" smtClean="0"/>
+              <a:t>ハンズ</a:t>
+            </a:r>
+            <a:r>
+              <a:rPr lang="ja-JP" altLang="en-US" sz="2400"/>
+              <a:t>オン</a:t>
+            </a:r>
+            <a:r>
+              <a:rPr lang="ja-JP" altLang="en-US" sz="2400" smtClean="0"/>
+              <a:t>でやらないこと</a:t>
+            </a:r>
+            <a:endParaRPr lang="en-US" altLang="ja-JP" sz="2400" smtClean="0"/>
+          </a:p>
+          <a:p>
+            <a:pPr lvl="1"/>
+            <a:r>
+              <a:rPr kumimoji="1" lang="ja-JP" altLang="en-US" sz="2000" smtClean="0"/>
+              <a:t>アプリの開発</a:t>
+            </a:r>
+            <a:r>
+              <a:rPr lang="ja-JP" altLang="en-US" sz="2000" smtClean="0"/>
+              <a:t>および変更</a:t>
+            </a:r>
+            <a:endParaRPr lang="en-US" altLang="ja-JP" sz="2000" smtClean="0"/>
+          </a:p>
+          <a:p>
+            <a:pPr lvl="1"/>
+            <a:r>
+              <a:rPr lang="ja-JP" altLang="en-US" sz="2000" smtClean="0"/>
+              <a:t>ホスト</a:t>
+            </a:r>
+            <a:r>
+              <a:rPr lang="en-US" altLang="ja-JP" sz="2000" smtClean="0"/>
+              <a:t>OS</a:t>
+            </a:r>
+            <a:r>
+              <a:rPr lang="ja-JP" altLang="en-US" sz="2000" smtClean="0"/>
+              <a:t>へのライブラリ等のインストール</a:t>
+            </a:r>
+            <a:endParaRPr lang="en-US" altLang="ja-JP" sz="2000" smtClean="0"/>
+          </a:p>
+          <a:p>
+            <a:pPr lvl="1"/>
+            <a:r>
+              <a:rPr lang="ja-JP" altLang="en-US" sz="2000" smtClean="0"/>
+              <a:t>マルチホストでのコンテナ連携</a:t>
+            </a:r>
+            <a:endParaRPr lang="en-US" altLang="ja-JP" sz="2000" smtClean="0"/>
+          </a:p>
+          <a:p>
+            <a:pPr lvl="1"/>
+            <a:endParaRPr kumimoji="1" lang="en-US" altLang="ja-JP" sz="1050"/>
+          </a:p>
+          <a:p>
+            <a:r>
+              <a:rPr lang="ja-JP" altLang="en-US" sz="2400"/>
+              <a:t>ハンズオンは</a:t>
+            </a:r>
+            <a:r>
+              <a:rPr lang="en-US" altLang="ja-JP" sz="2400"/>
               <a:t>2</a:t>
             </a:r>
             <a:r>
-              <a:rPr lang="ja-JP" altLang="en-US" smtClean="0"/>
+              <a:rPr lang="ja-JP" altLang="en-US" sz="2400"/>
               <a:t>チームに分かれて実施します</a:t>
             </a:r>
-            <a:endParaRPr lang="en-US" altLang="ja-JP" smtClean="0"/>
+            <a:endParaRPr lang="en-US" altLang="ja-JP" sz="2400"/>
           </a:p>
           <a:p>
             <a:pPr lvl="1"/>
-            <a:endParaRPr kumimoji="1" lang="ja-JP" altLang="en-US"/>
+            <a:r>
+              <a:rPr lang="ja-JP" altLang="en-US" sz="2000" smtClean="0"/>
+              <a:t>お題</a:t>
+            </a:r>
+            <a:r>
+              <a:rPr lang="en-US" altLang="ja-JP" sz="2000" smtClean="0"/>
+              <a:t>(</a:t>
+            </a:r>
+            <a:r>
+              <a:rPr lang="ja-JP" altLang="en-US" sz="2000" smtClean="0"/>
+              <a:t>ケース</a:t>
+            </a:r>
+            <a:r>
+              <a:rPr lang="ja-JP" altLang="en-US" sz="2000"/>
+              <a:t>スタディ</a:t>
+            </a:r>
+            <a:r>
+              <a:rPr lang="en-US" altLang="ja-JP" sz="2000" smtClean="0"/>
+              <a:t>)</a:t>
+            </a:r>
+            <a:r>
+              <a:rPr lang="ja-JP" altLang="en-US" sz="2000" smtClean="0"/>
+              <a:t>を</a:t>
+            </a:r>
+            <a:r>
+              <a:rPr lang="ja-JP" altLang="en-US" sz="2000"/>
+              <a:t>出します</a:t>
+            </a:r>
+            <a:endParaRPr lang="en-US" altLang="ja-JP" sz="2000"/>
+          </a:p>
+          <a:p>
+            <a:pPr lvl="2"/>
+            <a:r>
+              <a:rPr lang="ja-JP" altLang="en-US" sz="2000" smtClean="0"/>
+              <a:t>チーム間で</a:t>
+            </a:r>
+            <a:r>
+              <a:rPr lang="ja-JP" altLang="en-US" sz="2000"/>
+              <a:t>システム構成のすり合わせ</a:t>
+            </a:r>
+            <a:endParaRPr lang="en-US" altLang="ja-JP" sz="2000"/>
+          </a:p>
+          <a:p>
+            <a:pPr lvl="2"/>
+            <a:r>
+              <a:rPr lang="ja-JP" altLang="en-US" sz="2000"/>
+              <a:t>チーム毎にモブワーク実施</a:t>
+            </a:r>
+            <a:r>
+              <a:rPr lang="en-US" altLang="ja-JP" sz="2000"/>
+              <a:t>(</a:t>
+            </a:r>
+            <a:r>
+              <a:rPr lang="ja-JP" altLang="en-US" sz="2000"/>
+              <a:t>各チームのチャンネルで実施</a:t>
+            </a:r>
+            <a:r>
+              <a:rPr lang="en-US" altLang="ja-JP" sz="2000"/>
+              <a:t>)</a:t>
+            </a:r>
+          </a:p>
+          <a:p>
+            <a:pPr lvl="3"/>
+            <a:r>
+              <a:rPr lang="ja-JP" altLang="en-US" sz="2000"/>
+              <a:t>ドライバーの画面を共有して作業してください</a:t>
+            </a:r>
+            <a:endParaRPr lang="en-US" altLang="ja-JP" sz="2000"/>
+          </a:p>
+          <a:p>
+            <a:pPr lvl="3"/>
+            <a:r>
+              <a:rPr lang="ja-JP" altLang="en-US" sz="2000"/>
+              <a:t>ナビゲータは</a:t>
+            </a:r>
+            <a:r>
+              <a:rPr lang="en-US" altLang="ja-JP" sz="2000"/>
+              <a:t>gg</a:t>
+            </a:r>
+            <a:r>
+              <a:rPr lang="ja-JP" altLang="en-US" sz="2000"/>
+              <a:t>ったり、質問してドライバーをサポートして下さい</a:t>
+            </a:r>
+            <a:endParaRPr lang="en-US" altLang="ja-JP" sz="2000"/>
+          </a:p>
+          <a:p>
+            <a:pPr lvl="2"/>
+            <a:r>
+              <a:rPr lang="ja-JP" altLang="en-US" sz="2000"/>
+              <a:t>動作確認</a:t>
+            </a:r>
+            <a:r>
+              <a:rPr lang="en-US" altLang="ja-JP" sz="2000"/>
+              <a:t>&amp;</a:t>
+            </a:r>
+            <a:r>
+              <a:rPr lang="ja-JP" altLang="en-US" sz="2000"/>
+              <a:t>情報共有</a:t>
+            </a:r>
+            <a:endParaRPr lang="en-US" altLang="ja-JP" sz="2000"/>
+          </a:p>
+          <a:p>
+            <a:r>
+              <a:rPr lang="ja-JP" altLang="en-US" sz="2400"/>
+              <a:t>↑を出来たら</a:t>
+            </a:r>
+            <a:r>
+              <a:rPr lang="en-US" altLang="ja-JP" sz="2400"/>
+              <a:t>2</a:t>
+            </a:r>
+            <a:r>
+              <a:rPr lang="ja-JP" altLang="en-US" sz="2400"/>
+              <a:t>巡</a:t>
+            </a:r>
+            <a:r>
+              <a:rPr lang="ja-JP" altLang="en-US" sz="2400" smtClean="0"/>
+              <a:t>します</a:t>
+            </a:r>
+            <a:endParaRPr lang="ja-JP" altLang="en-US" sz="2400"/>
           </a:p>
         </p:txBody>
       </p:sp>
@@ -2355,6 +5852,4128 @@
 </file>
 
 <file path=ppt/slides/slide4.xml><?xml version="1.0" encoding="utf-8"?>
+<p:sld xmlns:a="http://schemas.openxmlformats.org/drawingml/2006/main" xmlns:r="http://schemas.openxmlformats.org/officeDocument/2006/relationships" xmlns:p="http://schemas.openxmlformats.org/presentationml/2006/main">
+  <p:cSld>
+    <p:spTree>
+      <p:nvGrpSpPr>
+        <p:cNvPr id="1" name=""/>
+        <p:cNvGrpSpPr/>
+        <p:nvPr/>
+      </p:nvGrpSpPr>
+      <p:grpSpPr>
+        <a:xfrm>
+          <a:off x="0" y="0"/>
+          <a:ext cx="0" cy="0"/>
+          <a:chOff x="0" y="0"/>
+          <a:chExt cx="0" cy="0"/>
+        </a:xfrm>
+      </p:grpSpPr>
+      <p:sp>
+        <p:nvSpPr>
+          <p:cNvPr id="2" name="タイトル 1"/>
+          <p:cNvSpPr>
+            <a:spLocks noGrp="1"/>
+          </p:cNvSpPr>
+          <p:nvPr>
+            <p:ph type="title"/>
+          </p:nvPr>
+        </p:nvSpPr>
+        <p:spPr/>
+        <p:txBody>
+          <a:bodyPr/>
+          <a:lstStyle/>
+          <a:p>
+            <a:r>
+              <a:rPr kumimoji="1" lang="ja-JP" altLang="en-US" smtClean="0"/>
+              <a:t>使ってみる～ハンズオン ケーススタディ～</a:t>
+            </a:r>
+            <a:endParaRPr kumimoji="1" lang="ja-JP" altLang="en-US"/>
+          </a:p>
+        </p:txBody>
+      </p:sp>
+      <p:sp>
+        <p:nvSpPr>
+          <p:cNvPr id="3" name="コンテンツ プレースホルダー 2"/>
+          <p:cNvSpPr>
+            <a:spLocks noGrp="1"/>
+          </p:cNvSpPr>
+          <p:nvPr>
+            <p:ph idx="1"/>
+          </p:nvPr>
+        </p:nvSpPr>
+        <p:spPr>
+          <a:xfrm>
+            <a:off x="261257" y="971550"/>
+            <a:ext cx="8686799" cy="1389054"/>
+          </a:xfrm>
+        </p:spPr>
+        <p:txBody>
+          <a:bodyPr>
+            <a:normAutofit/>
+          </a:bodyPr>
+          <a:lstStyle/>
+          <a:p>
+            <a:pPr marL="271463" indent="-271463"/>
+            <a:r>
+              <a:rPr lang="en-US" altLang="ja-JP" smtClean="0"/>
+              <a:t>Masuno</a:t>
+            </a:r>
+            <a:r>
+              <a:rPr kumimoji="1" lang="en-US" altLang="ja-JP" smtClean="0"/>
+              <a:t> SoftWare(</a:t>
+            </a:r>
+            <a:r>
+              <a:rPr kumimoji="1" lang="ja-JP" altLang="en-US" smtClean="0"/>
+              <a:t>通称</a:t>
+            </a:r>
+            <a:r>
+              <a:rPr kumimoji="1" lang="en-US" altLang="ja-JP" smtClean="0"/>
+              <a:t>MSW)</a:t>
+            </a:r>
+            <a:r>
+              <a:rPr lang="ja-JP" altLang="en-US" smtClean="0"/>
+              <a:t>では、売り上げ</a:t>
+            </a:r>
+            <a:r>
+              <a:rPr lang="en-US" altLang="ja-JP" smtClean="0"/>
+              <a:t>5</a:t>
+            </a:r>
+            <a:r>
+              <a:rPr lang="ja-JP" altLang="en-US" smtClean="0"/>
+              <a:t>兆円を目指し、新サービスを立ち上げようとしています！</a:t>
+            </a:r>
+            <a:endParaRPr lang="en-US" altLang="ja-JP" smtClean="0"/>
+          </a:p>
+          <a:p>
+            <a:pPr marL="728663" lvl="1" indent="-271463"/>
+            <a:r>
+              <a:rPr kumimoji="1" lang="ja-JP" altLang="en-US" smtClean="0"/>
+              <a:t>コンテナを組み合わせて以下のサービスを実現してください</a:t>
+            </a:r>
+            <a:endParaRPr kumimoji="1" lang="en-US" altLang="ja-JP" smtClean="0"/>
+          </a:p>
+        </p:txBody>
+      </p:sp>
+      <p:sp>
+        <p:nvSpPr>
+          <p:cNvPr id="4" name="正方形/長方形 3"/>
+          <p:cNvSpPr/>
+          <p:nvPr/>
+        </p:nvSpPr>
+        <p:spPr>
+          <a:xfrm>
+            <a:off x="653143" y="2518465"/>
+            <a:ext cx="7837713" cy="3211770"/>
+          </a:xfrm>
+          <a:prstGeom prst="rect">
+            <a:avLst/>
+          </a:prstGeom>
+          <a:solidFill>
+            <a:schemeClr val="tx1">
+              <a:lumMod val="50000"/>
+            </a:schemeClr>
+          </a:solidFill>
+          <a:ln>
+            <a:noFill/>
+          </a:ln>
+        </p:spPr>
+        <p:style>
+          <a:lnRef idx="2">
+            <a:schemeClr val="accent1">
+              <a:shade val="50000"/>
+            </a:schemeClr>
+          </a:lnRef>
+          <a:fillRef idx="1">
+            <a:schemeClr val="accent1"/>
+          </a:fillRef>
+          <a:effectRef idx="0">
+            <a:schemeClr val="accent1"/>
+          </a:effectRef>
+          <a:fontRef idx="minor">
+            <a:schemeClr val="lt1"/>
+          </a:fontRef>
+        </p:style>
+        <p:txBody>
+          <a:bodyPr rtlCol="0" anchor="t"/>
+          <a:lstStyle/>
+          <a:p>
+            <a:pPr algn="ctr"/>
+            <a:r>
+              <a:rPr kumimoji="1" lang="en-US" altLang="ja-JP" sz="3200" smtClean="0">
+                <a:solidFill>
+                  <a:schemeClr val="tx1"/>
+                </a:solidFill>
+                <a:latin typeface="Meiryo UI" panose="020B0604030504040204" pitchFamily="50" charset="-128"/>
+                <a:ea typeface="Meiryo UI" panose="020B0604030504040204" pitchFamily="50" charset="-128"/>
+              </a:rPr>
+              <a:t>Yohisho</a:t>
+            </a:r>
+            <a:endParaRPr kumimoji="1" lang="ja-JP" altLang="en-US" sz="3200" smtClean="0">
+              <a:solidFill>
+                <a:schemeClr val="tx1"/>
+              </a:solidFill>
+              <a:latin typeface="Meiryo UI" panose="020B0604030504040204" pitchFamily="50" charset="-128"/>
+              <a:ea typeface="Meiryo UI" panose="020B0604030504040204" pitchFamily="50" charset="-128"/>
+            </a:endParaRPr>
+          </a:p>
+        </p:txBody>
+      </p:sp>
+      <p:grpSp>
+        <p:nvGrpSpPr>
+          <p:cNvPr id="28" name="グループ化 27"/>
+          <p:cNvGrpSpPr/>
+          <p:nvPr/>
+        </p:nvGrpSpPr>
+        <p:grpSpPr>
+          <a:xfrm>
+            <a:off x="2385485" y="3111133"/>
+            <a:ext cx="1440000" cy="1108780"/>
+            <a:chOff x="2385486" y="2667002"/>
+            <a:chExt cx="1440000" cy="1108780"/>
+          </a:xfrm>
+        </p:grpSpPr>
+        <p:sp>
+          <p:nvSpPr>
+            <p:cNvPr id="5" name="正方形/長方形 4"/>
+            <p:cNvSpPr/>
+            <p:nvPr/>
+          </p:nvSpPr>
+          <p:spPr>
+            <a:xfrm>
+              <a:off x="2385486" y="2845145"/>
+              <a:ext cx="1440000" cy="930637"/>
+            </a:xfrm>
+            <a:prstGeom prst="rect">
+              <a:avLst/>
+            </a:prstGeom>
+            <a:solidFill>
+              <a:schemeClr val="tx1"/>
+            </a:solidFill>
+            <a:ln>
+              <a:noFill/>
+            </a:ln>
+          </p:spPr>
+          <p:style>
+            <a:lnRef idx="2">
+              <a:schemeClr val="accent1">
+                <a:shade val="50000"/>
+              </a:schemeClr>
+            </a:lnRef>
+            <a:fillRef idx="1">
+              <a:schemeClr val="accent1"/>
+            </a:fillRef>
+            <a:effectRef idx="0">
+              <a:schemeClr val="accent1"/>
+            </a:effectRef>
+            <a:fontRef idx="minor">
+              <a:schemeClr val="lt1"/>
+            </a:fontRef>
+          </p:style>
+          <p:txBody>
+            <a:bodyPr rtlCol="0" anchor="ctr"/>
+            <a:lstStyle/>
+            <a:p>
+              <a:pPr algn="ctr"/>
+              <a:endParaRPr kumimoji="1" lang="ja-JP" altLang="en-US" smtClean="0">
+                <a:solidFill>
+                  <a:schemeClr val="bg1"/>
+                </a:solidFill>
+                <a:latin typeface="Meiryo UI" panose="020B0604030504040204" pitchFamily="50" charset="-128"/>
+                <a:ea typeface="Meiryo UI" panose="020B0604030504040204" pitchFamily="50" charset="-128"/>
+              </a:endParaRPr>
+            </a:p>
+          </p:txBody>
+        </p:sp>
+        <p:sp>
+          <p:nvSpPr>
+            <p:cNvPr id="6" name="正方形/長方形 5"/>
+            <p:cNvSpPr/>
+            <p:nvPr/>
+          </p:nvSpPr>
+          <p:spPr>
+            <a:xfrm>
+              <a:off x="2523068" y="3090336"/>
+              <a:ext cx="804333" cy="152404"/>
+            </a:xfrm>
+            <a:prstGeom prst="rect">
+              <a:avLst/>
+            </a:prstGeom>
+            <a:solidFill>
+              <a:schemeClr val="tx1">
+                <a:lumMod val="85000"/>
+              </a:schemeClr>
+            </a:solidFill>
+            <a:ln>
+              <a:noFill/>
+            </a:ln>
+          </p:spPr>
+          <p:style>
+            <a:lnRef idx="2">
+              <a:schemeClr val="accent1">
+                <a:shade val="50000"/>
+              </a:schemeClr>
+            </a:lnRef>
+            <a:fillRef idx="1">
+              <a:schemeClr val="accent1"/>
+            </a:fillRef>
+            <a:effectRef idx="0">
+              <a:schemeClr val="accent1"/>
+            </a:effectRef>
+            <a:fontRef idx="minor">
+              <a:schemeClr val="lt1"/>
+            </a:fontRef>
+          </p:style>
+          <p:txBody>
+            <a:bodyPr rtlCol="0" anchor="ctr"/>
+            <a:lstStyle/>
+            <a:p>
+              <a:pPr algn="ctr"/>
+              <a:endParaRPr kumimoji="1" lang="ja-JP" altLang="en-US" smtClean="0">
+                <a:solidFill>
+                  <a:schemeClr val="bg1"/>
+                </a:solidFill>
+                <a:latin typeface="Meiryo UI" panose="020B0604030504040204" pitchFamily="50" charset="-128"/>
+                <a:ea typeface="Meiryo UI" panose="020B0604030504040204" pitchFamily="50" charset="-128"/>
+              </a:endParaRPr>
+            </a:p>
+          </p:txBody>
+        </p:sp>
+        <p:sp>
+          <p:nvSpPr>
+            <p:cNvPr id="7" name="テキスト ボックス 6"/>
+            <p:cNvSpPr txBox="1"/>
+            <p:nvPr/>
+          </p:nvSpPr>
+          <p:spPr>
+            <a:xfrm>
+              <a:off x="3285102" y="3035733"/>
+              <a:ext cx="397866" cy="261610"/>
+            </a:xfrm>
+            <a:prstGeom prst="rect">
+              <a:avLst/>
+            </a:prstGeom>
+            <a:noFill/>
+          </p:spPr>
+          <p:txBody>
+            <a:bodyPr wrap="none" rtlCol="0">
+              <a:spAutoFit/>
+            </a:bodyPr>
+            <a:lstStyle/>
+            <a:p>
+              <a:r>
+                <a:rPr kumimoji="1" lang="ja-JP" altLang="en-US" sz="1100" smtClean="0">
+                  <a:solidFill>
+                    <a:schemeClr val="bg1"/>
+                  </a:solidFill>
+                </a:rPr>
+                <a:t>さん</a:t>
+              </a:r>
+              <a:endParaRPr kumimoji="1" lang="ja-JP" altLang="en-US" sz="1100">
+                <a:solidFill>
+                  <a:schemeClr val="bg1"/>
+                </a:solidFill>
+              </a:endParaRPr>
+            </a:p>
+          </p:txBody>
+        </p:sp>
+        <p:sp>
+          <p:nvSpPr>
+            <p:cNvPr id="8" name="正方形/長方形 7"/>
+            <p:cNvSpPr/>
+            <p:nvPr/>
+          </p:nvSpPr>
+          <p:spPr>
+            <a:xfrm>
+              <a:off x="2793212" y="3431546"/>
+              <a:ext cx="624549" cy="264869"/>
+            </a:xfrm>
+            <a:prstGeom prst="rect">
+              <a:avLst/>
+            </a:prstGeom>
+            <a:solidFill>
+              <a:schemeClr val="tx2"/>
+            </a:solidFill>
+            <a:ln>
+              <a:noFill/>
+            </a:ln>
+          </p:spPr>
+          <p:style>
+            <a:lnRef idx="2">
+              <a:schemeClr val="accent1">
+                <a:shade val="50000"/>
+              </a:schemeClr>
+            </a:lnRef>
+            <a:fillRef idx="1">
+              <a:schemeClr val="accent1"/>
+            </a:fillRef>
+            <a:effectRef idx="0">
+              <a:schemeClr val="accent1"/>
+            </a:effectRef>
+            <a:fontRef idx="minor">
+              <a:schemeClr val="lt1"/>
+            </a:fontRef>
+          </p:style>
+          <p:txBody>
+            <a:bodyPr rtlCol="0" anchor="ctr"/>
+            <a:lstStyle/>
+            <a:p>
+              <a:pPr algn="ctr"/>
+              <a:r>
+                <a:rPr kumimoji="1" lang="en-US" altLang="ja-JP" sz="1050" smtClean="0">
+                  <a:solidFill>
+                    <a:schemeClr val="bg1"/>
+                  </a:solidFill>
+                  <a:latin typeface="Meiryo UI" panose="020B0604030504040204" pitchFamily="50" charset="-128"/>
+                  <a:ea typeface="Meiryo UI" panose="020B0604030504040204" pitchFamily="50" charset="-128"/>
+                </a:rPr>
+                <a:t>yoisho</a:t>
+              </a:r>
+              <a:endParaRPr kumimoji="1" lang="ja-JP" altLang="en-US" sz="1050" smtClean="0">
+                <a:solidFill>
+                  <a:schemeClr val="bg1"/>
+                </a:solidFill>
+                <a:latin typeface="Meiryo UI" panose="020B0604030504040204" pitchFamily="50" charset="-128"/>
+                <a:ea typeface="Meiryo UI" panose="020B0604030504040204" pitchFamily="50" charset="-128"/>
+              </a:endParaRPr>
+            </a:p>
+          </p:txBody>
+        </p:sp>
+        <p:sp>
+          <p:nvSpPr>
+            <p:cNvPr id="9" name="正方形/長方形 8"/>
+            <p:cNvSpPr/>
+            <p:nvPr/>
+          </p:nvSpPr>
+          <p:spPr>
+            <a:xfrm>
+              <a:off x="2385486" y="2667002"/>
+              <a:ext cx="1440000" cy="182029"/>
+            </a:xfrm>
+            <a:prstGeom prst="rect">
+              <a:avLst/>
+            </a:prstGeom>
+            <a:solidFill>
+              <a:schemeClr val="accent1"/>
+            </a:solidFill>
+            <a:ln>
+              <a:noFill/>
+            </a:ln>
+          </p:spPr>
+          <p:style>
+            <a:lnRef idx="2">
+              <a:schemeClr val="accent1">
+                <a:shade val="50000"/>
+              </a:schemeClr>
+            </a:lnRef>
+            <a:fillRef idx="1">
+              <a:schemeClr val="accent1"/>
+            </a:fillRef>
+            <a:effectRef idx="0">
+              <a:schemeClr val="accent1"/>
+            </a:effectRef>
+            <a:fontRef idx="minor">
+              <a:schemeClr val="lt1"/>
+            </a:fontRef>
+          </p:style>
+          <p:txBody>
+            <a:bodyPr rtlCol="0" anchor="ctr"/>
+            <a:lstStyle/>
+            <a:p>
+              <a:pPr algn="ctr"/>
+              <a:endParaRPr kumimoji="1" lang="ja-JP" altLang="en-US" smtClean="0">
+                <a:solidFill>
+                  <a:schemeClr val="bg1"/>
+                </a:solidFill>
+                <a:latin typeface="Meiryo UI" panose="020B0604030504040204" pitchFamily="50" charset="-128"/>
+                <a:ea typeface="Meiryo UI" panose="020B0604030504040204" pitchFamily="50" charset="-128"/>
+              </a:endParaRPr>
+            </a:p>
+          </p:txBody>
+        </p:sp>
+      </p:grpSp>
+      <p:sp>
+        <p:nvSpPr>
+          <p:cNvPr id="10" name="テキスト ボックス 9"/>
+          <p:cNvSpPr txBox="1"/>
+          <p:nvPr/>
+        </p:nvSpPr>
+        <p:spPr>
+          <a:xfrm>
+            <a:off x="2636643" y="4213390"/>
+            <a:ext cx="937684" cy="369332"/>
+          </a:xfrm>
+          <a:prstGeom prst="rect">
+            <a:avLst/>
+          </a:prstGeom>
+          <a:noFill/>
+        </p:spPr>
+        <p:txBody>
+          <a:bodyPr wrap="square" rtlCol="0">
+            <a:spAutoFit/>
+          </a:bodyPr>
+          <a:lstStyle/>
+          <a:p>
+            <a:r>
+              <a:rPr kumimoji="1" lang="ja-JP" altLang="en-US" smtClean="0"/>
+              <a:t>ブラウザ</a:t>
+            </a:r>
+            <a:endParaRPr kumimoji="1" lang="en-US" altLang="ja-JP" smtClean="0"/>
+          </a:p>
+        </p:txBody>
+      </p:sp>
+      <p:sp>
+        <p:nvSpPr>
+          <p:cNvPr id="16" name="テキスト ボックス 15"/>
+          <p:cNvSpPr txBox="1"/>
+          <p:nvPr/>
+        </p:nvSpPr>
+        <p:spPr>
+          <a:xfrm>
+            <a:off x="5402887" y="4213390"/>
+            <a:ext cx="937684" cy="369332"/>
+          </a:xfrm>
+          <a:prstGeom prst="rect">
+            <a:avLst/>
+          </a:prstGeom>
+          <a:noFill/>
+        </p:spPr>
+        <p:txBody>
+          <a:bodyPr wrap="square" rtlCol="0">
+            <a:spAutoFit/>
+          </a:bodyPr>
+          <a:lstStyle/>
+          <a:p>
+            <a:r>
+              <a:rPr kumimoji="1" lang="ja-JP" altLang="en-US" smtClean="0"/>
+              <a:t>ブラウザ</a:t>
+            </a:r>
+            <a:endParaRPr kumimoji="1" lang="en-US" altLang="ja-JP" smtClean="0"/>
+          </a:p>
+        </p:txBody>
+      </p:sp>
+      <p:grpSp>
+        <p:nvGrpSpPr>
+          <p:cNvPr id="29" name="グループ化 28"/>
+          <p:cNvGrpSpPr/>
+          <p:nvPr/>
+        </p:nvGrpSpPr>
+        <p:grpSpPr>
+          <a:xfrm>
+            <a:off x="5151729" y="3111133"/>
+            <a:ext cx="1440000" cy="1108780"/>
+            <a:chOff x="5151730" y="2671950"/>
+            <a:chExt cx="1440000" cy="1108780"/>
+          </a:xfrm>
+        </p:grpSpPr>
+        <p:sp>
+          <p:nvSpPr>
+            <p:cNvPr id="11" name="正方形/長方形 10"/>
+            <p:cNvSpPr/>
+            <p:nvPr/>
+          </p:nvSpPr>
+          <p:spPr>
+            <a:xfrm>
+              <a:off x="5151730" y="2850093"/>
+              <a:ext cx="1440000" cy="930637"/>
+            </a:xfrm>
+            <a:prstGeom prst="rect">
+              <a:avLst/>
+            </a:prstGeom>
+            <a:solidFill>
+              <a:schemeClr val="tx1"/>
+            </a:solidFill>
+            <a:ln>
+              <a:noFill/>
+            </a:ln>
+          </p:spPr>
+          <p:style>
+            <a:lnRef idx="2">
+              <a:schemeClr val="accent1">
+                <a:shade val="50000"/>
+              </a:schemeClr>
+            </a:lnRef>
+            <a:fillRef idx="1">
+              <a:schemeClr val="accent1"/>
+            </a:fillRef>
+            <a:effectRef idx="0">
+              <a:schemeClr val="accent1"/>
+            </a:effectRef>
+            <a:fontRef idx="minor">
+              <a:schemeClr val="lt1"/>
+            </a:fontRef>
+          </p:style>
+          <p:txBody>
+            <a:bodyPr rtlCol="0" anchor="ctr"/>
+            <a:lstStyle/>
+            <a:p>
+              <a:pPr algn="ctr"/>
+              <a:endParaRPr kumimoji="1" lang="ja-JP" altLang="en-US" smtClean="0">
+                <a:solidFill>
+                  <a:schemeClr val="bg1"/>
+                </a:solidFill>
+                <a:latin typeface="Meiryo UI" panose="020B0604030504040204" pitchFamily="50" charset="-128"/>
+                <a:ea typeface="Meiryo UI" panose="020B0604030504040204" pitchFamily="50" charset="-128"/>
+              </a:endParaRPr>
+            </a:p>
+          </p:txBody>
+        </p:sp>
+        <p:sp>
+          <p:nvSpPr>
+            <p:cNvPr id="12" name="正方形/長方形 11"/>
+            <p:cNvSpPr/>
+            <p:nvPr/>
+          </p:nvSpPr>
+          <p:spPr>
+            <a:xfrm>
+              <a:off x="5289312" y="3095284"/>
+              <a:ext cx="804333" cy="152404"/>
+            </a:xfrm>
+            <a:prstGeom prst="rect">
+              <a:avLst/>
+            </a:prstGeom>
+            <a:solidFill>
+              <a:schemeClr val="tx1">
+                <a:lumMod val="85000"/>
+              </a:schemeClr>
+            </a:solidFill>
+            <a:ln>
+              <a:noFill/>
+            </a:ln>
+          </p:spPr>
+          <p:style>
+            <a:lnRef idx="2">
+              <a:schemeClr val="accent1">
+                <a:shade val="50000"/>
+              </a:schemeClr>
+            </a:lnRef>
+            <a:fillRef idx="1">
+              <a:schemeClr val="accent1"/>
+            </a:fillRef>
+            <a:effectRef idx="0">
+              <a:schemeClr val="accent1"/>
+            </a:effectRef>
+            <a:fontRef idx="minor">
+              <a:schemeClr val="lt1"/>
+            </a:fontRef>
+          </p:style>
+          <p:txBody>
+            <a:bodyPr rtlCol="0" anchor="ctr"/>
+            <a:lstStyle/>
+            <a:p>
+              <a:pPr algn="ctr"/>
+              <a:endParaRPr kumimoji="1" lang="ja-JP" altLang="en-US" smtClean="0">
+                <a:solidFill>
+                  <a:schemeClr val="bg1"/>
+                </a:solidFill>
+                <a:latin typeface="Meiryo UI" panose="020B0604030504040204" pitchFamily="50" charset="-128"/>
+                <a:ea typeface="Meiryo UI" panose="020B0604030504040204" pitchFamily="50" charset="-128"/>
+              </a:endParaRPr>
+            </a:p>
+          </p:txBody>
+        </p:sp>
+        <p:sp>
+          <p:nvSpPr>
+            <p:cNvPr id="13" name="テキスト ボックス 12"/>
+            <p:cNvSpPr txBox="1"/>
+            <p:nvPr/>
+          </p:nvSpPr>
+          <p:spPr>
+            <a:xfrm>
+              <a:off x="6051346" y="3040681"/>
+              <a:ext cx="397866" cy="261610"/>
+            </a:xfrm>
+            <a:prstGeom prst="rect">
+              <a:avLst/>
+            </a:prstGeom>
+            <a:noFill/>
+          </p:spPr>
+          <p:txBody>
+            <a:bodyPr wrap="none" rtlCol="0">
+              <a:spAutoFit/>
+            </a:bodyPr>
+            <a:lstStyle/>
+            <a:p>
+              <a:r>
+                <a:rPr kumimoji="1" lang="ja-JP" altLang="en-US" sz="1100" smtClean="0">
+                  <a:solidFill>
+                    <a:schemeClr val="bg1"/>
+                  </a:solidFill>
+                </a:rPr>
+                <a:t>さん</a:t>
+              </a:r>
+              <a:endParaRPr kumimoji="1" lang="ja-JP" altLang="en-US" sz="1100">
+                <a:solidFill>
+                  <a:schemeClr val="bg1"/>
+                </a:solidFill>
+              </a:endParaRPr>
+            </a:p>
+          </p:txBody>
+        </p:sp>
+        <p:sp>
+          <p:nvSpPr>
+            <p:cNvPr id="15" name="正方形/長方形 14"/>
+            <p:cNvSpPr/>
+            <p:nvPr/>
+          </p:nvSpPr>
+          <p:spPr>
+            <a:xfrm>
+              <a:off x="5151730" y="2671950"/>
+              <a:ext cx="1440000" cy="182029"/>
+            </a:xfrm>
+            <a:prstGeom prst="rect">
+              <a:avLst/>
+            </a:prstGeom>
+            <a:solidFill>
+              <a:schemeClr val="accent1"/>
+            </a:solidFill>
+            <a:ln>
+              <a:noFill/>
+            </a:ln>
+          </p:spPr>
+          <p:style>
+            <a:lnRef idx="2">
+              <a:schemeClr val="accent1">
+                <a:shade val="50000"/>
+              </a:schemeClr>
+            </a:lnRef>
+            <a:fillRef idx="1">
+              <a:schemeClr val="accent1"/>
+            </a:fillRef>
+            <a:effectRef idx="0">
+              <a:schemeClr val="accent1"/>
+            </a:effectRef>
+            <a:fontRef idx="minor">
+              <a:schemeClr val="lt1"/>
+            </a:fontRef>
+          </p:style>
+          <p:txBody>
+            <a:bodyPr rtlCol="0" anchor="ctr"/>
+            <a:lstStyle/>
+            <a:p>
+              <a:pPr algn="ctr"/>
+              <a:endParaRPr kumimoji="1" lang="ja-JP" altLang="en-US" smtClean="0">
+                <a:solidFill>
+                  <a:schemeClr val="bg1"/>
+                </a:solidFill>
+                <a:latin typeface="Meiryo UI" panose="020B0604030504040204" pitchFamily="50" charset="-128"/>
+                <a:ea typeface="Meiryo UI" panose="020B0604030504040204" pitchFamily="50" charset="-128"/>
+              </a:endParaRPr>
+            </a:p>
+          </p:txBody>
+        </p:sp>
+        <p:sp>
+          <p:nvSpPr>
+            <p:cNvPr id="17" name="テキスト ボックス 16"/>
+            <p:cNvSpPr txBox="1"/>
+            <p:nvPr/>
+          </p:nvSpPr>
+          <p:spPr>
+            <a:xfrm>
+              <a:off x="5289222" y="3318291"/>
+              <a:ext cx="901209" cy="261610"/>
+            </a:xfrm>
+            <a:prstGeom prst="rect">
+              <a:avLst/>
+            </a:prstGeom>
+            <a:noFill/>
+          </p:spPr>
+          <p:txBody>
+            <a:bodyPr wrap="none" rtlCol="0">
+              <a:spAutoFit/>
+            </a:bodyPr>
+            <a:lstStyle/>
+            <a:p>
+              <a:r>
+                <a:rPr kumimoji="1" lang="ja-JP" altLang="en-US" sz="1100" smtClean="0">
+                  <a:solidFill>
+                    <a:schemeClr val="bg1"/>
+                  </a:solidFill>
+                </a:rPr>
+                <a:t>スゴイネ！！</a:t>
+              </a:r>
+              <a:endParaRPr kumimoji="1" lang="ja-JP" altLang="en-US" sz="1100">
+                <a:solidFill>
+                  <a:schemeClr val="bg1"/>
+                </a:solidFill>
+              </a:endParaRPr>
+            </a:p>
+          </p:txBody>
+        </p:sp>
+      </p:grpSp>
+      <p:sp>
+        <p:nvSpPr>
+          <p:cNvPr id="18" name="テキスト ボックス 17"/>
+          <p:cNvSpPr txBox="1"/>
+          <p:nvPr/>
+        </p:nvSpPr>
+        <p:spPr>
+          <a:xfrm>
+            <a:off x="1474510" y="3388142"/>
+            <a:ext cx="937684" cy="369332"/>
+          </a:xfrm>
+          <a:prstGeom prst="rect">
+            <a:avLst/>
+          </a:prstGeom>
+          <a:noFill/>
+        </p:spPr>
+        <p:txBody>
+          <a:bodyPr wrap="square" rtlCol="0">
+            <a:spAutoFit/>
+          </a:bodyPr>
+          <a:lstStyle/>
+          <a:p>
+            <a:r>
+              <a:rPr kumimoji="1" lang="en-US" altLang="ja-JP" smtClean="0"/>
+              <a:t>(◞‸◟)</a:t>
+            </a:r>
+          </a:p>
+        </p:txBody>
+      </p:sp>
+      <p:sp>
+        <p:nvSpPr>
+          <p:cNvPr id="19" name="テキスト ボックス 18"/>
+          <p:cNvSpPr txBox="1"/>
+          <p:nvPr/>
+        </p:nvSpPr>
+        <p:spPr>
+          <a:xfrm>
+            <a:off x="1474510" y="3757474"/>
+            <a:ext cx="937684" cy="369332"/>
+          </a:xfrm>
+          <a:prstGeom prst="rect">
+            <a:avLst/>
+          </a:prstGeom>
+          <a:noFill/>
+        </p:spPr>
+        <p:txBody>
+          <a:bodyPr wrap="square" rtlCol="0">
+            <a:spAutoFit/>
+          </a:bodyPr>
+          <a:lstStyle/>
+          <a:p>
+            <a:r>
+              <a:rPr kumimoji="1" lang="ja-JP" altLang="en-US" smtClean="0"/>
+              <a:t>ユーザ</a:t>
+            </a:r>
+            <a:endParaRPr kumimoji="1" lang="en-US" altLang="ja-JP" smtClean="0"/>
+          </a:p>
+        </p:txBody>
+      </p:sp>
+      <p:sp>
+        <p:nvSpPr>
+          <p:cNvPr id="20" name="右矢印 19"/>
+          <p:cNvSpPr/>
+          <p:nvPr/>
+        </p:nvSpPr>
+        <p:spPr>
+          <a:xfrm>
+            <a:off x="3962977" y="3401011"/>
+            <a:ext cx="1051260" cy="563947"/>
+          </a:xfrm>
+          <a:prstGeom prst="rightArrow">
+            <a:avLst/>
+          </a:prstGeom>
+          <a:solidFill>
+            <a:srgbClr val="FF9999"/>
+          </a:solidFill>
+          <a:ln>
+            <a:noFill/>
+          </a:ln>
+        </p:spPr>
+        <p:style>
+          <a:lnRef idx="2">
+            <a:schemeClr val="accent1">
+              <a:shade val="50000"/>
+            </a:schemeClr>
+          </a:lnRef>
+          <a:fillRef idx="1">
+            <a:schemeClr val="accent1"/>
+          </a:fillRef>
+          <a:effectRef idx="0">
+            <a:schemeClr val="accent1"/>
+          </a:effectRef>
+          <a:fontRef idx="minor">
+            <a:schemeClr val="lt1"/>
+          </a:fontRef>
+        </p:style>
+        <p:txBody>
+          <a:bodyPr rtlCol="0" anchor="ctr"/>
+          <a:lstStyle/>
+          <a:p>
+            <a:pPr algn="ctr"/>
+            <a:r>
+              <a:rPr kumimoji="1" lang="en-US" altLang="ja-JP" sz="1200" b="1" smtClean="0">
+                <a:solidFill>
+                  <a:schemeClr val="tx1"/>
+                </a:solidFill>
+                <a:latin typeface="Meiryo UI" panose="020B0604030504040204" pitchFamily="50" charset="-128"/>
+                <a:ea typeface="Meiryo UI" panose="020B0604030504040204" pitchFamily="50" charset="-128"/>
+              </a:rPr>
+              <a:t>Yoisho!</a:t>
+            </a:r>
+            <a:endParaRPr kumimoji="1" lang="ja-JP" altLang="en-US" sz="1200" b="1" smtClean="0">
+              <a:solidFill>
+                <a:schemeClr val="tx1"/>
+              </a:solidFill>
+              <a:latin typeface="Meiryo UI" panose="020B0604030504040204" pitchFamily="50" charset="-128"/>
+              <a:ea typeface="Meiryo UI" panose="020B0604030504040204" pitchFamily="50" charset="-128"/>
+            </a:endParaRPr>
+          </a:p>
+        </p:txBody>
+      </p:sp>
+      <p:sp>
+        <p:nvSpPr>
+          <p:cNvPr id="24" name="テキスト ボックス 23"/>
+          <p:cNvSpPr txBox="1"/>
+          <p:nvPr/>
+        </p:nvSpPr>
+        <p:spPr>
+          <a:xfrm>
+            <a:off x="6606065" y="3401882"/>
+            <a:ext cx="1311908" cy="369332"/>
+          </a:xfrm>
+          <a:prstGeom prst="rect">
+            <a:avLst/>
+          </a:prstGeom>
+          <a:noFill/>
+        </p:spPr>
+        <p:txBody>
+          <a:bodyPr wrap="square" rtlCol="0">
+            <a:spAutoFit/>
+          </a:bodyPr>
+          <a:lstStyle/>
+          <a:p>
+            <a:r>
+              <a:rPr kumimoji="1" lang="en-US" altLang="ja-JP" smtClean="0"/>
+              <a:t>( </a:t>
+            </a:r>
+            <a:r>
+              <a:rPr kumimoji="1" lang="ja-JP" altLang="en-US" smtClean="0"/>
+              <a:t>･</a:t>
+            </a:r>
+            <a:r>
+              <a:rPr kumimoji="1" lang="en-US" altLang="ja-JP" smtClean="0"/>
+              <a:t>´</a:t>
+            </a:r>
+            <a:r>
+              <a:rPr kumimoji="1" lang="ja-JP" altLang="en-US" smtClean="0"/>
+              <a:t>ｰ･｀</a:t>
+            </a:r>
+            <a:r>
+              <a:rPr kumimoji="1" lang="en-US" altLang="ja-JP" smtClean="0"/>
+              <a:t>)</a:t>
+            </a:r>
+          </a:p>
+        </p:txBody>
+      </p:sp>
+      <p:sp>
+        <p:nvSpPr>
+          <p:cNvPr id="25" name="テキスト ボックス 24"/>
+          <p:cNvSpPr txBox="1"/>
+          <p:nvPr/>
+        </p:nvSpPr>
+        <p:spPr>
+          <a:xfrm>
+            <a:off x="6793177" y="3771214"/>
+            <a:ext cx="937684" cy="369332"/>
+          </a:xfrm>
+          <a:prstGeom prst="rect">
+            <a:avLst/>
+          </a:prstGeom>
+          <a:noFill/>
+        </p:spPr>
+        <p:txBody>
+          <a:bodyPr wrap="square" rtlCol="0">
+            <a:spAutoFit/>
+          </a:bodyPr>
+          <a:lstStyle/>
+          <a:p>
+            <a:r>
+              <a:rPr kumimoji="1" lang="ja-JP" altLang="en-US" smtClean="0"/>
+              <a:t>ユーザ</a:t>
+            </a:r>
+            <a:endParaRPr kumimoji="1" lang="en-US" altLang="ja-JP" smtClean="0"/>
+          </a:p>
+        </p:txBody>
+      </p:sp>
+      <p:sp>
+        <p:nvSpPr>
+          <p:cNvPr id="31" name="テキスト ボックス 30"/>
+          <p:cNvSpPr txBox="1"/>
+          <p:nvPr/>
+        </p:nvSpPr>
+        <p:spPr>
+          <a:xfrm>
+            <a:off x="1094015" y="4904925"/>
+            <a:ext cx="6955969" cy="523220"/>
+          </a:xfrm>
+          <a:prstGeom prst="rect">
+            <a:avLst/>
+          </a:prstGeom>
+          <a:noFill/>
+        </p:spPr>
+        <p:txBody>
+          <a:bodyPr wrap="square" rtlCol="0">
+            <a:spAutoFit/>
+          </a:bodyPr>
+          <a:lstStyle/>
+          <a:p>
+            <a:r>
+              <a:rPr kumimoji="1" lang="ja-JP" altLang="en-US" sz="2800" smtClean="0">
+                <a:solidFill>
+                  <a:schemeClr val="accent4"/>
+                </a:solidFill>
+              </a:rPr>
+              <a:t>ワンクリックするだけで、いつ何時でもほめてくれる</a:t>
+            </a:r>
+            <a:endParaRPr kumimoji="1" lang="en-US" altLang="ja-JP" sz="2800" smtClean="0">
+              <a:solidFill>
+                <a:schemeClr val="accent4"/>
+              </a:solidFill>
+            </a:endParaRPr>
+          </a:p>
+        </p:txBody>
+      </p:sp>
+      <p:sp>
+        <p:nvSpPr>
+          <p:cNvPr id="32" name="テキスト ボックス 31"/>
+          <p:cNvSpPr txBox="1"/>
+          <p:nvPr/>
+        </p:nvSpPr>
+        <p:spPr>
+          <a:xfrm>
+            <a:off x="3337542" y="5700781"/>
+            <a:ext cx="2836306" cy="523220"/>
+          </a:xfrm>
+          <a:prstGeom prst="rect">
+            <a:avLst/>
+          </a:prstGeom>
+          <a:noFill/>
+        </p:spPr>
+        <p:txBody>
+          <a:bodyPr wrap="square" rtlCol="0">
+            <a:spAutoFit/>
+          </a:bodyPr>
+          <a:lstStyle/>
+          <a:p>
+            <a:r>
+              <a:rPr kumimoji="1" lang="ja-JP" altLang="en-US" sz="2800" smtClean="0"/>
+              <a:t>パッケージデザイン</a:t>
+            </a:r>
+            <a:endParaRPr kumimoji="1" lang="en-US" altLang="ja-JP" sz="2800" smtClean="0"/>
+          </a:p>
+        </p:txBody>
+      </p:sp>
+    </p:spTree>
+    <p:extLst>
+      <p:ext uri="{BB962C8B-B14F-4D97-AF65-F5344CB8AC3E}">
+        <p14:creationId xmlns:p14="http://schemas.microsoft.com/office/powerpoint/2010/main" val="961997505"/>
+      </p:ext>
+    </p:extLst>
+  </p:cSld>
+  <p:clrMapOvr>
+    <a:masterClrMapping/>
+  </p:clrMapOvr>
+  <p:timing>
+    <p:tnLst>
+      <p:par>
+        <p:cTn id="1" dur="indefinite" restart="never" nodeType="tmRoot"/>
+      </p:par>
+    </p:tnLst>
+  </p:timing>
+</p:sld>
+</file>
+
+<file path=ppt/slides/slide5.xml><?xml version="1.0" encoding="utf-8"?>
+<p:sld xmlns:a="http://schemas.openxmlformats.org/drawingml/2006/main" xmlns:r="http://schemas.openxmlformats.org/officeDocument/2006/relationships" xmlns:p="http://schemas.openxmlformats.org/presentationml/2006/main">
+  <p:cSld>
+    <p:spTree>
+      <p:nvGrpSpPr>
+        <p:cNvPr id="1" name=""/>
+        <p:cNvGrpSpPr/>
+        <p:nvPr/>
+      </p:nvGrpSpPr>
+      <p:grpSpPr>
+        <a:xfrm>
+          <a:off x="0" y="0"/>
+          <a:ext cx="0" cy="0"/>
+          <a:chOff x="0" y="0"/>
+          <a:chExt cx="0" cy="0"/>
+        </a:xfrm>
+      </p:grpSpPr>
+      <p:sp>
+        <p:nvSpPr>
+          <p:cNvPr id="3" name="コンテンツ プレースホルダー 2"/>
+          <p:cNvSpPr>
+            <a:spLocks noGrp="1"/>
+          </p:cNvSpPr>
+          <p:nvPr>
+            <p:ph idx="1"/>
+          </p:nvPr>
+        </p:nvSpPr>
+        <p:spPr>
+          <a:xfrm>
+            <a:off x="261257" y="971549"/>
+            <a:ext cx="8686799" cy="1827573"/>
+          </a:xfrm>
+        </p:spPr>
+        <p:txBody>
+          <a:bodyPr>
+            <a:normAutofit/>
+          </a:bodyPr>
+          <a:lstStyle/>
+          <a:p>
+            <a:pPr marL="271463" indent="-271463"/>
+            <a:r>
+              <a:rPr lang="ja-JP" altLang="en-US"/>
+              <a:t>必要</a:t>
+            </a:r>
+            <a:r>
+              <a:rPr lang="ja-JP" altLang="en-US" smtClean="0"/>
+              <a:t>なアプリは社長が実装済み</a:t>
+            </a:r>
+            <a:endParaRPr lang="en-US" altLang="ja-JP" smtClean="0"/>
+          </a:p>
+          <a:p>
+            <a:pPr marL="728663" lvl="1" indent="-271463"/>
+            <a:r>
+              <a:rPr kumimoji="1" lang="en-US" altLang="ja-JP" smtClean="0"/>
+              <a:t>frontend.py </a:t>
+            </a:r>
+          </a:p>
+          <a:p>
+            <a:pPr marL="728663" lvl="1" indent="-271463"/>
+            <a:r>
+              <a:rPr kumimoji="1" lang="en-US" altLang="ja-JP" smtClean="0"/>
+              <a:t>backend.py</a:t>
+            </a:r>
+          </a:p>
+          <a:p>
+            <a:pPr marL="728663" lvl="1" indent="-271463"/>
+            <a:r>
+              <a:rPr lang="ja-JP" altLang="en-US" smtClean="0"/>
+              <a:t>↑の</a:t>
+            </a:r>
+            <a:r>
+              <a:rPr lang="en-US" altLang="ja-JP" smtClean="0"/>
+              <a:t>2</a:t>
+            </a:r>
+            <a:r>
+              <a:rPr lang="ja-JP" altLang="en-US" smtClean="0"/>
+              <a:t>つは</a:t>
+            </a:r>
+            <a:r>
+              <a:rPr lang="en-US" altLang="ja-JP" smtClean="0"/>
+              <a:t>python</a:t>
+            </a:r>
+            <a:r>
+              <a:rPr lang="ja-JP" altLang="en-US" smtClean="0"/>
+              <a:t>ライブラリの</a:t>
+            </a:r>
+            <a:r>
+              <a:rPr lang="en-US" altLang="ja-JP" smtClean="0"/>
+              <a:t>Flask</a:t>
+            </a:r>
+            <a:r>
+              <a:rPr lang="ja-JP" altLang="en-US" smtClean="0"/>
+              <a:t>を利用して実装</a:t>
+            </a:r>
+            <a:endParaRPr kumimoji="1" lang="en-US" altLang="ja-JP" smtClean="0"/>
+          </a:p>
+        </p:txBody>
+      </p:sp>
+      <p:sp>
+        <p:nvSpPr>
+          <p:cNvPr id="2" name="タイトル 1"/>
+          <p:cNvSpPr>
+            <a:spLocks noGrp="1"/>
+          </p:cNvSpPr>
+          <p:nvPr>
+            <p:ph type="title"/>
+          </p:nvPr>
+        </p:nvSpPr>
+        <p:spPr/>
+        <p:txBody>
+          <a:bodyPr/>
+          <a:lstStyle/>
+          <a:p>
+            <a:r>
+              <a:rPr lang="ja-JP" altLang="en-US"/>
+              <a:t>使ってみる～ハンズオン ケーススタディ～</a:t>
+            </a:r>
+            <a:endParaRPr kumimoji="1" lang="ja-JP" altLang="en-US"/>
+          </a:p>
+        </p:txBody>
+      </p:sp>
+      <p:sp>
+        <p:nvSpPr>
+          <p:cNvPr id="4" name="正方形/長方形 3"/>
+          <p:cNvSpPr/>
+          <p:nvPr/>
+        </p:nvSpPr>
+        <p:spPr>
+          <a:xfrm>
+            <a:off x="3556007" y="3310482"/>
+            <a:ext cx="2184400" cy="1532456"/>
+          </a:xfrm>
+          <a:prstGeom prst="rect">
+            <a:avLst/>
+          </a:prstGeom>
+          <a:solidFill>
+            <a:schemeClr val="tx1"/>
+          </a:solidFill>
+          <a:ln>
+            <a:noFill/>
+          </a:ln>
+        </p:spPr>
+        <p:style>
+          <a:lnRef idx="2">
+            <a:schemeClr val="accent1">
+              <a:shade val="50000"/>
+            </a:schemeClr>
+          </a:lnRef>
+          <a:fillRef idx="1">
+            <a:schemeClr val="accent1"/>
+          </a:fillRef>
+          <a:effectRef idx="0">
+            <a:schemeClr val="accent1"/>
+          </a:effectRef>
+          <a:fontRef idx="minor">
+            <a:schemeClr val="lt1"/>
+          </a:fontRef>
+        </p:style>
+        <p:txBody>
+          <a:bodyPr rtlCol="0" anchor="ctr"/>
+          <a:lstStyle/>
+          <a:p>
+            <a:pPr algn="ctr"/>
+            <a:r>
+              <a:rPr kumimoji="1" lang="en-US" altLang="ja-JP" smtClean="0">
+                <a:solidFill>
+                  <a:schemeClr val="bg1"/>
+                </a:solidFill>
+                <a:latin typeface="Meiryo UI" panose="020B0604030504040204" pitchFamily="50" charset="-128"/>
+                <a:ea typeface="Meiryo UI" panose="020B0604030504040204" pitchFamily="50" charset="-128"/>
+              </a:rPr>
+              <a:t>frontend.py</a:t>
+            </a:r>
+            <a:endParaRPr kumimoji="1" lang="ja-JP" altLang="en-US" smtClean="0">
+              <a:solidFill>
+                <a:schemeClr val="bg1"/>
+              </a:solidFill>
+              <a:latin typeface="Meiryo UI" panose="020B0604030504040204" pitchFamily="50" charset="-128"/>
+              <a:ea typeface="Meiryo UI" panose="020B0604030504040204" pitchFamily="50" charset="-128"/>
+            </a:endParaRPr>
+          </a:p>
+        </p:txBody>
+      </p:sp>
+      <p:grpSp>
+        <p:nvGrpSpPr>
+          <p:cNvPr id="16" name="グループ化 15"/>
+          <p:cNvGrpSpPr/>
+          <p:nvPr/>
+        </p:nvGrpSpPr>
+        <p:grpSpPr>
+          <a:xfrm>
+            <a:off x="1632264" y="3060861"/>
+            <a:ext cx="936000" cy="720000"/>
+            <a:chOff x="1200152" y="2015070"/>
+            <a:chExt cx="1440000" cy="1108780"/>
+          </a:xfrm>
+        </p:grpSpPr>
+        <p:sp>
+          <p:nvSpPr>
+            <p:cNvPr id="5" name="正方形/長方形 4"/>
+            <p:cNvSpPr/>
+            <p:nvPr/>
+          </p:nvSpPr>
+          <p:spPr>
+            <a:xfrm>
+              <a:off x="1200152" y="2193213"/>
+              <a:ext cx="1440000" cy="930637"/>
+            </a:xfrm>
+            <a:prstGeom prst="rect">
+              <a:avLst/>
+            </a:prstGeom>
+            <a:solidFill>
+              <a:schemeClr val="tx1"/>
+            </a:solidFill>
+            <a:ln>
+              <a:noFill/>
+            </a:ln>
+          </p:spPr>
+          <p:style>
+            <a:lnRef idx="2">
+              <a:schemeClr val="accent1">
+                <a:shade val="50000"/>
+              </a:schemeClr>
+            </a:lnRef>
+            <a:fillRef idx="1">
+              <a:schemeClr val="accent1"/>
+            </a:fillRef>
+            <a:effectRef idx="0">
+              <a:schemeClr val="accent1"/>
+            </a:effectRef>
+            <a:fontRef idx="minor">
+              <a:schemeClr val="lt1"/>
+            </a:fontRef>
+          </p:style>
+          <p:txBody>
+            <a:bodyPr rtlCol="0" anchor="ctr"/>
+            <a:lstStyle/>
+            <a:p>
+              <a:pPr algn="ctr"/>
+              <a:endParaRPr kumimoji="1" lang="ja-JP" altLang="en-US" smtClean="0">
+                <a:solidFill>
+                  <a:schemeClr val="bg1"/>
+                </a:solidFill>
+                <a:latin typeface="Meiryo UI" panose="020B0604030504040204" pitchFamily="50" charset="-128"/>
+                <a:ea typeface="Meiryo UI" panose="020B0604030504040204" pitchFamily="50" charset="-128"/>
+              </a:endParaRPr>
+            </a:p>
+          </p:txBody>
+        </p:sp>
+        <p:sp>
+          <p:nvSpPr>
+            <p:cNvPr id="9" name="正方形/長方形 8"/>
+            <p:cNvSpPr/>
+            <p:nvPr/>
+          </p:nvSpPr>
+          <p:spPr>
+            <a:xfrm>
+              <a:off x="1200152" y="2015070"/>
+              <a:ext cx="1440000" cy="182029"/>
+            </a:xfrm>
+            <a:prstGeom prst="rect">
+              <a:avLst/>
+            </a:prstGeom>
+            <a:solidFill>
+              <a:schemeClr val="accent1"/>
+            </a:solidFill>
+            <a:ln>
+              <a:noFill/>
+            </a:ln>
+          </p:spPr>
+          <p:style>
+            <a:lnRef idx="2">
+              <a:schemeClr val="accent1">
+                <a:shade val="50000"/>
+              </a:schemeClr>
+            </a:lnRef>
+            <a:fillRef idx="1">
+              <a:schemeClr val="accent1"/>
+            </a:fillRef>
+            <a:effectRef idx="0">
+              <a:schemeClr val="accent1"/>
+            </a:effectRef>
+            <a:fontRef idx="minor">
+              <a:schemeClr val="lt1"/>
+            </a:fontRef>
+          </p:style>
+          <p:txBody>
+            <a:bodyPr rtlCol="0" anchor="ctr"/>
+            <a:lstStyle/>
+            <a:p>
+              <a:pPr algn="ctr"/>
+              <a:endParaRPr kumimoji="1" lang="ja-JP" altLang="en-US" smtClean="0">
+                <a:solidFill>
+                  <a:schemeClr val="bg1"/>
+                </a:solidFill>
+                <a:latin typeface="Meiryo UI" panose="020B0604030504040204" pitchFamily="50" charset="-128"/>
+                <a:ea typeface="Meiryo UI" panose="020B0604030504040204" pitchFamily="50" charset="-128"/>
+              </a:endParaRPr>
+            </a:p>
+          </p:txBody>
+        </p:sp>
+      </p:grpSp>
+      <p:sp>
+        <p:nvSpPr>
+          <p:cNvPr id="10" name="テキスト ボックス 9"/>
+          <p:cNvSpPr txBox="1"/>
+          <p:nvPr/>
+        </p:nvSpPr>
+        <p:spPr>
+          <a:xfrm>
+            <a:off x="1644833" y="3746007"/>
+            <a:ext cx="937684" cy="369332"/>
+          </a:xfrm>
+          <a:prstGeom prst="rect">
+            <a:avLst/>
+          </a:prstGeom>
+          <a:noFill/>
+        </p:spPr>
+        <p:txBody>
+          <a:bodyPr wrap="square" rtlCol="0">
+            <a:spAutoFit/>
+          </a:bodyPr>
+          <a:lstStyle/>
+          <a:p>
+            <a:r>
+              <a:rPr kumimoji="1" lang="ja-JP" altLang="en-US" smtClean="0"/>
+              <a:t>ブラウザ</a:t>
+            </a:r>
+            <a:endParaRPr kumimoji="1" lang="en-US" altLang="ja-JP" smtClean="0"/>
+          </a:p>
+        </p:txBody>
+      </p:sp>
+      <p:grpSp>
+        <p:nvGrpSpPr>
+          <p:cNvPr id="17" name="グループ化 16"/>
+          <p:cNvGrpSpPr/>
+          <p:nvPr/>
+        </p:nvGrpSpPr>
+        <p:grpSpPr>
+          <a:xfrm>
+            <a:off x="6695638" y="3060861"/>
+            <a:ext cx="936000" cy="720000"/>
+            <a:chOff x="6305552" y="2015070"/>
+            <a:chExt cx="1440000" cy="1108780"/>
+          </a:xfrm>
+        </p:grpSpPr>
+        <p:sp>
+          <p:nvSpPr>
+            <p:cNvPr id="11" name="正方形/長方形 10"/>
+            <p:cNvSpPr/>
+            <p:nvPr/>
+          </p:nvSpPr>
+          <p:spPr>
+            <a:xfrm>
+              <a:off x="6305552" y="2193213"/>
+              <a:ext cx="1440000" cy="930637"/>
+            </a:xfrm>
+            <a:prstGeom prst="rect">
+              <a:avLst/>
+            </a:prstGeom>
+            <a:solidFill>
+              <a:schemeClr val="tx1"/>
+            </a:solidFill>
+            <a:ln>
+              <a:noFill/>
+            </a:ln>
+          </p:spPr>
+          <p:style>
+            <a:lnRef idx="2">
+              <a:schemeClr val="accent1">
+                <a:shade val="50000"/>
+              </a:schemeClr>
+            </a:lnRef>
+            <a:fillRef idx="1">
+              <a:schemeClr val="accent1"/>
+            </a:fillRef>
+            <a:effectRef idx="0">
+              <a:schemeClr val="accent1"/>
+            </a:effectRef>
+            <a:fontRef idx="minor">
+              <a:schemeClr val="lt1"/>
+            </a:fontRef>
+          </p:style>
+          <p:txBody>
+            <a:bodyPr rtlCol="0" anchor="ctr"/>
+            <a:lstStyle/>
+            <a:p>
+              <a:pPr algn="ctr"/>
+              <a:endParaRPr kumimoji="1" lang="ja-JP" altLang="en-US" sz="1000" smtClean="0">
+                <a:solidFill>
+                  <a:schemeClr val="bg1"/>
+                </a:solidFill>
+                <a:latin typeface="Meiryo UI" panose="020B0604030504040204" pitchFamily="50" charset="-128"/>
+                <a:ea typeface="Meiryo UI" panose="020B0604030504040204" pitchFamily="50" charset="-128"/>
+              </a:endParaRPr>
+            </a:p>
+          </p:txBody>
+        </p:sp>
+        <p:sp>
+          <p:nvSpPr>
+            <p:cNvPr id="12" name="正方形/長方形 11"/>
+            <p:cNvSpPr/>
+            <p:nvPr/>
+          </p:nvSpPr>
+          <p:spPr>
+            <a:xfrm>
+              <a:off x="6443134" y="2438404"/>
+              <a:ext cx="804333" cy="152404"/>
+            </a:xfrm>
+            <a:prstGeom prst="rect">
+              <a:avLst/>
+            </a:prstGeom>
+            <a:solidFill>
+              <a:schemeClr val="tx1">
+                <a:lumMod val="85000"/>
+              </a:schemeClr>
+            </a:solidFill>
+            <a:ln>
+              <a:noFill/>
+            </a:ln>
+          </p:spPr>
+          <p:style>
+            <a:lnRef idx="2">
+              <a:schemeClr val="accent1">
+                <a:shade val="50000"/>
+              </a:schemeClr>
+            </a:lnRef>
+            <a:fillRef idx="1">
+              <a:schemeClr val="accent1"/>
+            </a:fillRef>
+            <a:effectRef idx="0">
+              <a:schemeClr val="accent1"/>
+            </a:effectRef>
+            <a:fontRef idx="minor">
+              <a:schemeClr val="lt1"/>
+            </a:fontRef>
+          </p:style>
+          <p:txBody>
+            <a:bodyPr rtlCol="0" anchor="ctr"/>
+            <a:lstStyle/>
+            <a:p>
+              <a:pPr algn="ctr"/>
+              <a:endParaRPr kumimoji="1" lang="ja-JP" altLang="en-US" sz="1000" smtClean="0">
+                <a:solidFill>
+                  <a:schemeClr val="bg1"/>
+                </a:solidFill>
+                <a:latin typeface="Meiryo UI" panose="020B0604030504040204" pitchFamily="50" charset="-128"/>
+                <a:ea typeface="Meiryo UI" panose="020B0604030504040204" pitchFamily="50" charset="-128"/>
+              </a:endParaRPr>
+            </a:p>
+          </p:txBody>
+        </p:sp>
+        <p:sp>
+          <p:nvSpPr>
+            <p:cNvPr id="13" name="テキスト ボックス 12"/>
+            <p:cNvSpPr txBox="1"/>
+            <p:nvPr/>
+          </p:nvSpPr>
+          <p:spPr>
+            <a:xfrm>
+              <a:off x="7205168" y="2383801"/>
+              <a:ext cx="483285" cy="297407"/>
+            </a:xfrm>
+            <a:prstGeom prst="rect">
+              <a:avLst/>
+            </a:prstGeom>
+            <a:noFill/>
+          </p:spPr>
+          <p:txBody>
+            <a:bodyPr wrap="none" rtlCol="0">
+              <a:spAutoFit/>
+            </a:bodyPr>
+            <a:lstStyle/>
+            <a:p>
+              <a:r>
+                <a:rPr kumimoji="1" lang="ja-JP" altLang="en-US" sz="600" smtClean="0">
+                  <a:solidFill>
+                    <a:schemeClr val="bg1"/>
+                  </a:solidFill>
+                </a:rPr>
+                <a:t>さん</a:t>
+              </a:r>
+              <a:endParaRPr kumimoji="1" lang="ja-JP" altLang="en-US" sz="600">
+                <a:solidFill>
+                  <a:schemeClr val="bg1"/>
+                </a:solidFill>
+              </a:endParaRPr>
+            </a:p>
+          </p:txBody>
+        </p:sp>
+        <p:sp>
+          <p:nvSpPr>
+            <p:cNvPr id="14" name="正方形/長方形 13"/>
+            <p:cNvSpPr/>
+            <p:nvPr/>
+          </p:nvSpPr>
+          <p:spPr>
+            <a:xfrm>
+              <a:off x="6713278" y="2779614"/>
+              <a:ext cx="624549" cy="264869"/>
+            </a:xfrm>
+            <a:prstGeom prst="rect">
+              <a:avLst/>
+            </a:prstGeom>
+            <a:solidFill>
+              <a:schemeClr val="tx2"/>
+            </a:solidFill>
+            <a:ln>
+              <a:noFill/>
+            </a:ln>
+          </p:spPr>
+          <p:style>
+            <a:lnRef idx="2">
+              <a:schemeClr val="accent1">
+                <a:shade val="50000"/>
+              </a:schemeClr>
+            </a:lnRef>
+            <a:fillRef idx="1">
+              <a:schemeClr val="accent1"/>
+            </a:fillRef>
+            <a:effectRef idx="0">
+              <a:schemeClr val="accent1"/>
+            </a:effectRef>
+            <a:fontRef idx="minor">
+              <a:schemeClr val="lt1"/>
+            </a:fontRef>
+          </p:style>
+          <p:txBody>
+            <a:bodyPr rtlCol="0" anchor="ctr"/>
+            <a:lstStyle/>
+            <a:p>
+              <a:pPr algn="ctr"/>
+              <a:r>
+                <a:rPr kumimoji="1" lang="en-US" altLang="ja-JP" sz="500" smtClean="0">
+                  <a:solidFill>
+                    <a:schemeClr val="bg1"/>
+                  </a:solidFill>
+                  <a:latin typeface="Meiryo UI" panose="020B0604030504040204" pitchFamily="50" charset="-128"/>
+                  <a:ea typeface="Meiryo UI" panose="020B0604030504040204" pitchFamily="50" charset="-128"/>
+                </a:rPr>
+                <a:t>yoisho</a:t>
+              </a:r>
+              <a:endParaRPr kumimoji="1" lang="ja-JP" altLang="en-US" sz="500" smtClean="0">
+                <a:solidFill>
+                  <a:schemeClr val="bg1"/>
+                </a:solidFill>
+                <a:latin typeface="Meiryo UI" panose="020B0604030504040204" pitchFamily="50" charset="-128"/>
+                <a:ea typeface="Meiryo UI" panose="020B0604030504040204" pitchFamily="50" charset="-128"/>
+              </a:endParaRPr>
+            </a:p>
+          </p:txBody>
+        </p:sp>
+        <p:sp>
+          <p:nvSpPr>
+            <p:cNvPr id="15" name="正方形/長方形 14"/>
+            <p:cNvSpPr/>
+            <p:nvPr/>
+          </p:nvSpPr>
+          <p:spPr>
+            <a:xfrm>
+              <a:off x="6305552" y="2015070"/>
+              <a:ext cx="1440000" cy="182029"/>
+            </a:xfrm>
+            <a:prstGeom prst="rect">
+              <a:avLst/>
+            </a:prstGeom>
+            <a:solidFill>
+              <a:schemeClr val="accent1"/>
+            </a:solidFill>
+            <a:ln>
+              <a:noFill/>
+            </a:ln>
+          </p:spPr>
+          <p:style>
+            <a:lnRef idx="2">
+              <a:schemeClr val="accent1">
+                <a:shade val="50000"/>
+              </a:schemeClr>
+            </a:lnRef>
+            <a:fillRef idx="1">
+              <a:schemeClr val="accent1"/>
+            </a:fillRef>
+            <a:effectRef idx="0">
+              <a:schemeClr val="accent1"/>
+            </a:effectRef>
+            <a:fontRef idx="minor">
+              <a:schemeClr val="lt1"/>
+            </a:fontRef>
+          </p:style>
+          <p:txBody>
+            <a:bodyPr rtlCol="0" anchor="ctr"/>
+            <a:lstStyle/>
+            <a:p>
+              <a:pPr algn="ctr"/>
+              <a:endParaRPr kumimoji="1" lang="ja-JP" altLang="en-US" sz="1000" smtClean="0">
+                <a:solidFill>
+                  <a:schemeClr val="bg1"/>
+                </a:solidFill>
+                <a:latin typeface="Meiryo UI" panose="020B0604030504040204" pitchFamily="50" charset="-128"/>
+                <a:ea typeface="Meiryo UI" panose="020B0604030504040204" pitchFamily="50" charset="-128"/>
+              </a:endParaRPr>
+            </a:p>
+          </p:txBody>
+        </p:sp>
+      </p:grpSp>
+      <p:cxnSp>
+        <p:nvCxnSpPr>
+          <p:cNvPr id="18" name="直線矢印コネクタ 17"/>
+          <p:cNvCxnSpPr/>
+          <p:nvPr/>
+        </p:nvCxnSpPr>
+        <p:spPr>
+          <a:xfrm flipV="1">
+            <a:off x="2594896" y="3500982"/>
+            <a:ext cx="924069" cy="8467"/>
+          </a:xfrm>
+          <a:prstGeom prst="straightConnector1">
+            <a:avLst/>
+          </a:prstGeom>
+          <a:ln w="57150">
+            <a:solidFill>
+              <a:schemeClr val="accent4"/>
+            </a:solidFill>
+            <a:tailEnd type="triangle"/>
+          </a:ln>
+        </p:spPr>
+        <p:style>
+          <a:lnRef idx="1">
+            <a:schemeClr val="accent1"/>
+          </a:lnRef>
+          <a:fillRef idx="0">
+            <a:schemeClr val="accent1"/>
+          </a:fillRef>
+          <a:effectRef idx="0">
+            <a:schemeClr val="accent1"/>
+          </a:effectRef>
+          <a:fontRef idx="minor">
+            <a:schemeClr val="tx1"/>
+          </a:fontRef>
+        </p:style>
+      </p:cxnSp>
+      <p:sp>
+        <p:nvSpPr>
+          <p:cNvPr id="19" name="テキスト ボックス 18"/>
+          <p:cNvSpPr txBox="1"/>
+          <p:nvPr/>
+        </p:nvSpPr>
+        <p:spPr>
+          <a:xfrm>
+            <a:off x="2540461" y="3026161"/>
+            <a:ext cx="841119" cy="369332"/>
+          </a:xfrm>
+          <a:prstGeom prst="rect">
+            <a:avLst/>
+          </a:prstGeom>
+          <a:noFill/>
+        </p:spPr>
+        <p:txBody>
+          <a:bodyPr wrap="square" rtlCol="0">
+            <a:spAutoFit/>
+          </a:bodyPr>
+          <a:lstStyle/>
+          <a:p>
+            <a:r>
+              <a:rPr kumimoji="1" lang="en-US" altLang="ja-JP" smtClean="0"/>
+              <a:t>GET/</a:t>
+            </a:r>
+            <a:endParaRPr kumimoji="1" lang="ja-JP" altLang="en-US"/>
+          </a:p>
+        </p:txBody>
+      </p:sp>
+      <p:cxnSp>
+        <p:nvCxnSpPr>
+          <p:cNvPr id="20" name="直線矢印コネクタ 19"/>
+          <p:cNvCxnSpPr/>
+          <p:nvPr/>
+        </p:nvCxnSpPr>
+        <p:spPr>
+          <a:xfrm flipV="1">
+            <a:off x="5793538" y="3500982"/>
+            <a:ext cx="840063" cy="8467"/>
+          </a:xfrm>
+          <a:prstGeom prst="straightConnector1">
+            <a:avLst/>
+          </a:prstGeom>
+          <a:ln w="57150">
+            <a:solidFill>
+              <a:schemeClr val="accent4"/>
+            </a:solidFill>
+            <a:tailEnd type="triangle"/>
+          </a:ln>
+        </p:spPr>
+        <p:style>
+          <a:lnRef idx="1">
+            <a:schemeClr val="accent1"/>
+          </a:lnRef>
+          <a:fillRef idx="0">
+            <a:schemeClr val="accent1"/>
+          </a:fillRef>
+          <a:effectRef idx="0">
+            <a:schemeClr val="accent1"/>
+          </a:effectRef>
+          <a:fontRef idx="minor">
+            <a:schemeClr val="tx1"/>
+          </a:fontRef>
+        </p:style>
+      </p:cxnSp>
+      <p:sp>
+        <p:nvSpPr>
+          <p:cNvPr id="21" name="テキスト ボックス 20"/>
+          <p:cNvSpPr txBox="1"/>
+          <p:nvPr/>
+        </p:nvSpPr>
+        <p:spPr>
+          <a:xfrm>
+            <a:off x="6726096" y="3746007"/>
+            <a:ext cx="937684" cy="369332"/>
+          </a:xfrm>
+          <a:prstGeom prst="rect">
+            <a:avLst/>
+          </a:prstGeom>
+          <a:noFill/>
+        </p:spPr>
+        <p:txBody>
+          <a:bodyPr wrap="square" rtlCol="0">
+            <a:spAutoFit/>
+          </a:bodyPr>
+          <a:lstStyle/>
+          <a:p>
+            <a:r>
+              <a:rPr kumimoji="1" lang="ja-JP" altLang="en-US" smtClean="0"/>
+              <a:t>ブラウザ</a:t>
+            </a:r>
+            <a:endParaRPr kumimoji="1" lang="en-US" altLang="ja-JP" smtClean="0"/>
+          </a:p>
+        </p:txBody>
+      </p:sp>
+      <p:sp>
+        <p:nvSpPr>
+          <p:cNvPr id="22" name="テキスト ボックス 21"/>
+          <p:cNvSpPr txBox="1"/>
+          <p:nvPr/>
+        </p:nvSpPr>
+        <p:spPr>
+          <a:xfrm>
+            <a:off x="3401132" y="2925799"/>
+            <a:ext cx="2644114" cy="369332"/>
+          </a:xfrm>
+          <a:prstGeom prst="rect">
+            <a:avLst/>
+          </a:prstGeom>
+          <a:noFill/>
+        </p:spPr>
+        <p:txBody>
+          <a:bodyPr wrap="square" rtlCol="0">
+            <a:spAutoFit/>
+          </a:bodyPr>
+          <a:lstStyle/>
+          <a:p>
+            <a:pPr algn="ctr"/>
+            <a:r>
+              <a:rPr lang="en-US" altLang="ja-JP" smtClean="0"/>
+              <a:t>5000</a:t>
+            </a:r>
+            <a:r>
+              <a:rPr lang="ja-JP" altLang="en-US" smtClean="0"/>
+              <a:t>番ポートで待ち受け</a:t>
+            </a:r>
+            <a:endParaRPr kumimoji="1" lang="ja-JP" altLang="en-US"/>
+          </a:p>
+        </p:txBody>
+      </p:sp>
+      <p:grpSp>
+        <p:nvGrpSpPr>
+          <p:cNvPr id="23" name="グループ化 22"/>
+          <p:cNvGrpSpPr/>
+          <p:nvPr/>
+        </p:nvGrpSpPr>
+        <p:grpSpPr>
+          <a:xfrm>
+            <a:off x="1617049" y="4188817"/>
+            <a:ext cx="936000" cy="720000"/>
+            <a:chOff x="6305552" y="2015070"/>
+            <a:chExt cx="1440000" cy="1108780"/>
+          </a:xfrm>
+        </p:grpSpPr>
+        <p:sp>
+          <p:nvSpPr>
+            <p:cNvPr id="24" name="正方形/長方形 23"/>
+            <p:cNvSpPr/>
+            <p:nvPr/>
+          </p:nvSpPr>
+          <p:spPr>
+            <a:xfrm>
+              <a:off x="6305552" y="2193213"/>
+              <a:ext cx="1440000" cy="930637"/>
+            </a:xfrm>
+            <a:prstGeom prst="rect">
+              <a:avLst/>
+            </a:prstGeom>
+            <a:solidFill>
+              <a:schemeClr val="tx1"/>
+            </a:solidFill>
+            <a:ln>
+              <a:noFill/>
+            </a:ln>
+          </p:spPr>
+          <p:style>
+            <a:lnRef idx="2">
+              <a:schemeClr val="accent1">
+                <a:shade val="50000"/>
+              </a:schemeClr>
+            </a:lnRef>
+            <a:fillRef idx="1">
+              <a:schemeClr val="accent1"/>
+            </a:fillRef>
+            <a:effectRef idx="0">
+              <a:schemeClr val="accent1"/>
+            </a:effectRef>
+            <a:fontRef idx="minor">
+              <a:schemeClr val="lt1"/>
+            </a:fontRef>
+          </p:style>
+          <p:txBody>
+            <a:bodyPr rtlCol="0" anchor="ctr"/>
+            <a:lstStyle/>
+            <a:p>
+              <a:pPr algn="ctr"/>
+              <a:endParaRPr kumimoji="1" lang="ja-JP" altLang="en-US" sz="1000" smtClean="0">
+                <a:solidFill>
+                  <a:schemeClr val="bg1"/>
+                </a:solidFill>
+                <a:latin typeface="Meiryo UI" panose="020B0604030504040204" pitchFamily="50" charset="-128"/>
+                <a:ea typeface="Meiryo UI" panose="020B0604030504040204" pitchFamily="50" charset="-128"/>
+              </a:endParaRPr>
+            </a:p>
+          </p:txBody>
+        </p:sp>
+        <p:sp>
+          <p:nvSpPr>
+            <p:cNvPr id="25" name="正方形/長方形 24"/>
+            <p:cNvSpPr/>
+            <p:nvPr/>
+          </p:nvSpPr>
+          <p:spPr>
+            <a:xfrm>
+              <a:off x="6443134" y="2438404"/>
+              <a:ext cx="804333" cy="152404"/>
+            </a:xfrm>
+            <a:prstGeom prst="rect">
+              <a:avLst/>
+            </a:prstGeom>
+            <a:solidFill>
+              <a:schemeClr val="tx1">
+                <a:lumMod val="85000"/>
+              </a:schemeClr>
+            </a:solidFill>
+            <a:ln>
+              <a:noFill/>
+            </a:ln>
+          </p:spPr>
+          <p:style>
+            <a:lnRef idx="2">
+              <a:schemeClr val="accent1">
+                <a:shade val="50000"/>
+              </a:schemeClr>
+            </a:lnRef>
+            <a:fillRef idx="1">
+              <a:schemeClr val="accent1"/>
+            </a:fillRef>
+            <a:effectRef idx="0">
+              <a:schemeClr val="accent1"/>
+            </a:effectRef>
+            <a:fontRef idx="minor">
+              <a:schemeClr val="lt1"/>
+            </a:fontRef>
+          </p:style>
+          <p:txBody>
+            <a:bodyPr rtlCol="0" anchor="ctr"/>
+            <a:lstStyle/>
+            <a:p>
+              <a:pPr algn="ctr"/>
+              <a:endParaRPr kumimoji="1" lang="ja-JP" altLang="en-US" sz="1000" smtClean="0">
+                <a:solidFill>
+                  <a:schemeClr val="bg1"/>
+                </a:solidFill>
+                <a:latin typeface="Meiryo UI" panose="020B0604030504040204" pitchFamily="50" charset="-128"/>
+                <a:ea typeface="Meiryo UI" panose="020B0604030504040204" pitchFamily="50" charset="-128"/>
+              </a:endParaRPr>
+            </a:p>
+          </p:txBody>
+        </p:sp>
+        <p:sp>
+          <p:nvSpPr>
+            <p:cNvPr id="26" name="テキスト ボックス 25"/>
+            <p:cNvSpPr txBox="1"/>
+            <p:nvPr/>
+          </p:nvSpPr>
+          <p:spPr>
+            <a:xfrm>
+              <a:off x="7205168" y="2383801"/>
+              <a:ext cx="483285" cy="297407"/>
+            </a:xfrm>
+            <a:prstGeom prst="rect">
+              <a:avLst/>
+            </a:prstGeom>
+            <a:noFill/>
+          </p:spPr>
+          <p:txBody>
+            <a:bodyPr wrap="none" rtlCol="0">
+              <a:spAutoFit/>
+            </a:bodyPr>
+            <a:lstStyle/>
+            <a:p>
+              <a:r>
+                <a:rPr kumimoji="1" lang="ja-JP" altLang="en-US" sz="600" smtClean="0">
+                  <a:solidFill>
+                    <a:schemeClr val="bg1"/>
+                  </a:solidFill>
+                </a:rPr>
+                <a:t>さん</a:t>
+              </a:r>
+              <a:endParaRPr kumimoji="1" lang="ja-JP" altLang="en-US" sz="600">
+                <a:solidFill>
+                  <a:schemeClr val="bg1"/>
+                </a:solidFill>
+              </a:endParaRPr>
+            </a:p>
+          </p:txBody>
+        </p:sp>
+        <p:sp>
+          <p:nvSpPr>
+            <p:cNvPr id="27" name="正方形/長方形 26"/>
+            <p:cNvSpPr/>
+            <p:nvPr/>
+          </p:nvSpPr>
+          <p:spPr>
+            <a:xfrm>
+              <a:off x="6713278" y="2779614"/>
+              <a:ext cx="624549" cy="264869"/>
+            </a:xfrm>
+            <a:prstGeom prst="rect">
+              <a:avLst/>
+            </a:prstGeom>
+            <a:solidFill>
+              <a:schemeClr val="tx2"/>
+            </a:solidFill>
+            <a:ln>
+              <a:noFill/>
+            </a:ln>
+          </p:spPr>
+          <p:style>
+            <a:lnRef idx="2">
+              <a:schemeClr val="accent1">
+                <a:shade val="50000"/>
+              </a:schemeClr>
+            </a:lnRef>
+            <a:fillRef idx="1">
+              <a:schemeClr val="accent1"/>
+            </a:fillRef>
+            <a:effectRef idx="0">
+              <a:schemeClr val="accent1"/>
+            </a:effectRef>
+            <a:fontRef idx="minor">
+              <a:schemeClr val="lt1"/>
+            </a:fontRef>
+          </p:style>
+          <p:txBody>
+            <a:bodyPr rtlCol="0" anchor="ctr"/>
+            <a:lstStyle/>
+            <a:p>
+              <a:pPr algn="ctr"/>
+              <a:r>
+                <a:rPr kumimoji="1" lang="en-US" altLang="ja-JP" sz="500" smtClean="0">
+                  <a:solidFill>
+                    <a:schemeClr val="bg1"/>
+                  </a:solidFill>
+                  <a:latin typeface="Meiryo UI" panose="020B0604030504040204" pitchFamily="50" charset="-128"/>
+                  <a:ea typeface="Meiryo UI" panose="020B0604030504040204" pitchFamily="50" charset="-128"/>
+                </a:rPr>
+                <a:t>yoisho</a:t>
+              </a:r>
+              <a:endParaRPr kumimoji="1" lang="ja-JP" altLang="en-US" sz="500" smtClean="0">
+                <a:solidFill>
+                  <a:schemeClr val="bg1"/>
+                </a:solidFill>
+                <a:latin typeface="Meiryo UI" panose="020B0604030504040204" pitchFamily="50" charset="-128"/>
+                <a:ea typeface="Meiryo UI" panose="020B0604030504040204" pitchFamily="50" charset="-128"/>
+              </a:endParaRPr>
+            </a:p>
+          </p:txBody>
+        </p:sp>
+        <p:sp>
+          <p:nvSpPr>
+            <p:cNvPr id="28" name="正方形/長方形 27"/>
+            <p:cNvSpPr/>
+            <p:nvPr/>
+          </p:nvSpPr>
+          <p:spPr>
+            <a:xfrm>
+              <a:off x="6305552" y="2015070"/>
+              <a:ext cx="1440000" cy="182029"/>
+            </a:xfrm>
+            <a:prstGeom prst="rect">
+              <a:avLst/>
+            </a:prstGeom>
+            <a:solidFill>
+              <a:schemeClr val="accent1"/>
+            </a:solidFill>
+            <a:ln>
+              <a:noFill/>
+            </a:ln>
+          </p:spPr>
+          <p:style>
+            <a:lnRef idx="2">
+              <a:schemeClr val="accent1">
+                <a:shade val="50000"/>
+              </a:schemeClr>
+            </a:lnRef>
+            <a:fillRef idx="1">
+              <a:schemeClr val="accent1"/>
+            </a:fillRef>
+            <a:effectRef idx="0">
+              <a:schemeClr val="accent1"/>
+            </a:effectRef>
+            <a:fontRef idx="minor">
+              <a:schemeClr val="lt1"/>
+            </a:fontRef>
+          </p:style>
+          <p:txBody>
+            <a:bodyPr rtlCol="0" anchor="ctr"/>
+            <a:lstStyle/>
+            <a:p>
+              <a:pPr algn="ctr"/>
+              <a:endParaRPr kumimoji="1" lang="ja-JP" altLang="en-US" sz="1000" smtClean="0">
+                <a:solidFill>
+                  <a:schemeClr val="bg1"/>
+                </a:solidFill>
+                <a:latin typeface="Meiryo UI" panose="020B0604030504040204" pitchFamily="50" charset="-128"/>
+                <a:ea typeface="Meiryo UI" panose="020B0604030504040204" pitchFamily="50" charset="-128"/>
+              </a:endParaRPr>
+            </a:p>
+          </p:txBody>
+        </p:sp>
+      </p:grpSp>
+      <p:sp>
+        <p:nvSpPr>
+          <p:cNvPr id="29" name="テキスト ボックス 28"/>
+          <p:cNvSpPr txBox="1"/>
+          <p:nvPr/>
+        </p:nvSpPr>
+        <p:spPr>
+          <a:xfrm>
+            <a:off x="1647507" y="4873963"/>
+            <a:ext cx="937684" cy="369332"/>
+          </a:xfrm>
+          <a:prstGeom prst="rect">
+            <a:avLst/>
+          </a:prstGeom>
+          <a:noFill/>
+        </p:spPr>
+        <p:txBody>
+          <a:bodyPr wrap="square" rtlCol="0">
+            <a:spAutoFit/>
+          </a:bodyPr>
+          <a:lstStyle/>
+          <a:p>
+            <a:r>
+              <a:rPr kumimoji="1" lang="ja-JP" altLang="en-US" smtClean="0"/>
+              <a:t>ブラウザ</a:t>
+            </a:r>
+            <a:endParaRPr kumimoji="1" lang="en-US" altLang="ja-JP" smtClean="0"/>
+          </a:p>
+        </p:txBody>
+      </p:sp>
+      <p:cxnSp>
+        <p:nvCxnSpPr>
+          <p:cNvPr id="30" name="直線矢印コネクタ 29"/>
+          <p:cNvCxnSpPr/>
+          <p:nvPr/>
+        </p:nvCxnSpPr>
+        <p:spPr>
+          <a:xfrm flipV="1">
+            <a:off x="2594896" y="4558445"/>
+            <a:ext cx="924069" cy="8467"/>
+          </a:xfrm>
+          <a:prstGeom prst="straightConnector1">
+            <a:avLst/>
+          </a:prstGeom>
+          <a:ln w="57150">
+            <a:solidFill>
+              <a:schemeClr val="accent6"/>
+            </a:solidFill>
+            <a:tailEnd type="triangle"/>
+          </a:ln>
+        </p:spPr>
+        <p:style>
+          <a:lnRef idx="1">
+            <a:schemeClr val="accent1"/>
+          </a:lnRef>
+          <a:fillRef idx="0">
+            <a:schemeClr val="accent1"/>
+          </a:fillRef>
+          <a:effectRef idx="0">
+            <a:schemeClr val="accent1"/>
+          </a:effectRef>
+          <a:fontRef idx="minor">
+            <a:schemeClr val="tx1"/>
+          </a:fontRef>
+        </p:style>
+      </p:cxnSp>
+      <p:sp>
+        <p:nvSpPr>
+          <p:cNvPr id="31" name="テキスト ボックス 30"/>
+          <p:cNvSpPr txBox="1"/>
+          <p:nvPr/>
+        </p:nvSpPr>
+        <p:spPr>
+          <a:xfrm>
+            <a:off x="2540461" y="4143864"/>
+            <a:ext cx="963216" cy="369332"/>
+          </a:xfrm>
+          <a:prstGeom prst="rect">
+            <a:avLst/>
+          </a:prstGeom>
+          <a:noFill/>
+        </p:spPr>
+        <p:txBody>
+          <a:bodyPr wrap="square" rtlCol="0">
+            <a:spAutoFit/>
+          </a:bodyPr>
+          <a:lstStyle/>
+          <a:p>
+            <a:r>
+              <a:rPr lang="en-US" altLang="ja-JP" smtClean="0"/>
+              <a:t>POST</a:t>
+            </a:r>
+            <a:r>
+              <a:rPr kumimoji="1" lang="en-US" altLang="ja-JP" smtClean="0"/>
+              <a:t>/</a:t>
+            </a:r>
+            <a:endParaRPr kumimoji="1" lang="ja-JP" altLang="en-US"/>
+          </a:p>
+        </p:txBody>
+      </p:sp>
+      <p:grpSp>
+        <p:nvGrpSpPr>
+          <p:cNvPr id="35" name="グループ化 34"/>
+          <p:cNvGrpSpPr/>
+          <p:nvPr/>
+        </p:nvGrpSpPr>
+        <p:grpSpPr>
+          <a:xfrm rot="2700000">
+            <a:off x="1529306" y="4687970"/>
+            <a:ext cx="354344" cy="379765"/>
+            <a:chOff x="261257" y="2784429"/>
+            <a:chExt cx="627743" cy="985014"/>
+          </a:xfrm>
+        </p:grpSpPr>
+        <p:sp>
+          <p:nvSpPr>
+            <p:cNvPr id="33" name="二等辺三角形 32"/>
+            <p:cNvSpPr/>
+            <p:nvPr/>
+          </p:nvSpPr>
+          <p:spPr>
+            <a:xfrm>
+              <a:off x="261257" y="2784429"/>
+              <a:ext cx="627743" cy="534504"/>
+            </a:xfrm>
+            <a:prstGeom prst="triangle">
+              <a:avLst/>
+            </a:prstGeom>
+            <a:solidFill>
+              <a:schemeClr val="accent1"/>
+            </a:solidFill>
+            <a:ln>
+              <a:noFill/>
+            </a:ln>
+          </p:spPr>
+          <p:style>
+            <a:lnRef idx="2">
+              <a:schemeClr val="accent1">
+                <a:shade val="50000"/>
+              </a:schemeClr>
+            </a:lnRef>
+            <a:fillRef idx="1">
+              <a:schemeClr val="accent1"/>
+            </a:fillRef>
+            <a:effectRef idx="0">
+              <a:schemeClr val="accent1"/>
+            </a:effectRef>
+            <a:fontRef idx="minor">
+              <a:schemeClr val="lt1"/>
+            </a:fontRef>
+          </p:style>
+          <p:txBody>
+            <a:bodyPr rtlCol="0" anchor="ctr"/>
+            <a:lstStyle/>
+            <a:p>
+              <a:pPr algn="ctr"/>
+              <a:endParaRPr kumimoji="1" lang="ja-JP" altLang="en-US" smtClean="0">
+                <a:solidFill>
+                  <a:schemeClr val="bg1"/>
+                </a:solidFill>
+                <a:latin typeface="Meiryo UI" panose="020B0604030504040204" pitchFamily="50" charset="-128"/>
+                <a:ea typeface="Meiryo UI" panose="020B0604030504040204" pitchFamily="50" charset="-128"/>
+              </a:endParaRPr>
+            </a:p>
+          </p:txBody>
+        </p:sp>
+        <p:sp>
+          <p:nvSpPr>
+            <p:cNvPr id="34" name="正方形/長方形 33"/>
+            <p:cNvSpPr/>
+            <p:nvPr/>
+          </p:nvSpPr>
+          <p:spPr>
+            <a:xfrm>
+              <a:off x="500600" y="3175000"/>
+              <a:ext cx="149056" cy="594443"/>
+            </a:xfrm>
+            <a:prstGeom prst="rect">
+              <a:avLst/>
+            </a:prstGeom>
+            <a:solidFill>
+              <a:schemeClr val="accent1"/>
+            </a:solidFill>
+            <a:ln>
+              <a:noFill/>
+            </a:ln>
+          </p:spPr>
+          <p:style>
+            <a:lnRef idx="2">
+              <a:schemeClr val="accent1">
+                <a:shade val="50000"/>
+              </a:schemeClr>
+            </a:lnRef>
+            <a:fillRef idx="1">
+              <a:schemeClr val="accent1"/>
+            </a:fillRef>
+            <a:effectRef idx="0">
+              <a:schemeClr val="accent1"/>
+            </a:effectRef>
+            <a:fontRef idx="minor">
+              <a:schemeClr val="lt1"/>
+            </a:fontRef>
+          </p:style>
+          <p:txBody>
+            <a:bodyPr rtlCol="0" anchor="ctr"/>
+            <a:lstStyle/>
+            <a:p>
+              <a:pPr algn="ctr"/>
+              <a:endParaRPr kumimoji="1" lang="ja-JP" altLang="en-US" smtClean="0">
+                <a:solidFill>
+                  <a:schemeClr val="bg1"/>
+                </a:solidFill>
+                <a:latin typeface="Meiryo UI" panose="020B0604030504040204" pitchFamily="50" charset="-128"/>
+                <a:ea typeface="Meiryo UI" panose="020B0604030504040204" pitchFamily="50" charset="-128"/>
+              </a:endParaRPr>
+            </a:p>
+          </p:txBody>
+        </p:sp>
+      </p:grpSp>
+      <p:sp>
+        <p:nvSpPr>
+          <p:cNvPr id="36" name="円形吹き出し 35"/>
+          <p:cNvSpPr/>
+          <p:nvPr/>
+        </p:nvSpPr>
+        <p:spPr>
+          <a:xfrm>
+            <a:off x="485529" y="4094048"/>
+            <a:ext cx="1080347" cy="468411"/>
+          </a:xfrm>
+          <a:prstGeom prst="wedgeEllipseCallout">
+            <a:avLst>
+              <a:gd name="adj1" fmla="val 57537"/>
+              <a:gd name="adj2" fmla="val 93228"/>
+            </a:avLst>
+          </a:prstGeom>
+          <a:solidFill>
+            <a:schemeClr val="tx1"/>
+          </a:solidFill>
+          <a:ln>
+            <a:noFill/>
+          </a:ln>
+        </p:spPr>
+        <p:style>
+          <a:lnRef idx="2">
+            <a:schemeClr val="accent1">
+              <a:shade val="50000"/>
+            </a:schemeClr>
+          </a:lnRef>
+          <a:fillRef idx="1">
+            <a:schemeClr val="accent1"/>
+          </a:fillRef>
+          <a:effectRef idx="0">
+            <a:schemeClr val="accent1"/>
+          </a:effectRef>
+          <a:fontRef idx="minor">
+            <a:schemeClr val="lt1"/>
+          </a:fontRef>
+        </p:style>
+        <p:txBody>
+          <a:bodyPr rtlCol="0" anchor="ctr"/>
+          <a:lstStyle/>
+          <a:p>
+            <a:pPr algn="ctr"/>
+            <a:r>
+              <a:rPr kumimoji="1" lang="en-US" altLang="ja-JP" smtClean="0">
+                <a:solidFill>
+                  <a:schemeClr val="bg1"/>
+                </a:solidFill>
+                <a:latin typeface="Meiryo UI" panose="020B0604030504040204" pitchFamily="50" charset="-128"/>
+                <a:ea typeface="Meiryo UI" panose="020B0604030504040204" pitchFamily="50" charset="-128"/>
+              </a:rPr>
+              <a:t>Click</a:t>
+            </a:r>
+            <a:endParaRPr kumimoji="1" lang="ja-JP" altLang="en-US" smtClean="0">
+              <a:solidFill>
+                <a:schemeClr val="bg1"/>
+              </a:solidFill>
+              <a:latin typeface="Meiryo UI" panose="020B0604030504040204" pitchFamily="50" charset="-128"/>
+              <a:ea typeface="Meiryo UI" panose="020B0604030504040204" pitchFamily="50" charset="-128"/>
+            </a:endParaRPr>
+          </a:p>
+        </p:txBody>
+      </p:sp>
+      <p:grpSp>
+        <p:nvGrpSpPr>
+          <p:cNvPr id="37" name="グループ化 36"/>
+          <p:cNvGrpSpPr/>
+          <p:nvPr/>
+        </p:nvGrpSpPr>
+        <p:grpSpPr>
+          <a:xfrm>
+            <a:off x="6695638" y="4154163"/>
+            <a:ext cx="936000" cy="720000"/>
+            <a:chOff x="6305552" y="2015070"/>
+            <a:chExt cx="1440000" cy="1108780"/>
+          </a:xfrm>
+        </p:grpSpPr>
+        <p:sp>
+          <p:nvSpPr>
+            <p:cNvPr id="38" name="正方形/長方形 37"/>
+            <p:cNvSpPr/>
+            <p:nvPr/>
+          </p:nvSpPr>
+          <p:spPr>
+            <a:xfrm>
+              <a:off x="6305552" y="2193213"/>
+              <a:ext cx="1440000" cy="930637"/>
+            </a:xfrm>
+            <a:prstGeom prst="rect">
+              <a:avLst/>
+            </a:prstGeom>
+            <a:solidFill>
+              <a:schemeClr val="tx1"/>
+            </a:solidFill>
+            <a:ln>
+              <a:noFill/>
+            </a:ln>
+          </p:spPr>
+          <p:style>
+            <a:lnRef idx="2">
+              <a:schemeClr val="accent1">
+                <a:shade val="50000"/>
+              </a:schemeClr>
+            </a:lnRef>
+            <a:fillRef idx="1">
+              <a:schemeClr val="accent1"/>
+            </a:fillRef>
+            <a:effectRef idx="0">
+              <a:schemeClr val="accent1"/>
+            </a:effectRef>
+            <a:fontRef idx="minor">
+              <a:schemeClr val="lt1"/>
+            </a:fontRef>
+          </p:style>
+          <p:txBody>
+            <a:bodyPr rtlCol="0" anchor="ctr"/>
+            <a:lstStyle/>
+            <a:p>
+              <a:pPr algn="ctr"/>
+              <a:endParaRPr kumimoji="1" lang="ja-JP" altLang="en-US" sz="1000" smtClean="0">
+                <a:solidFill>
+                  <a:schemeClr val="bg1"/>
+                </a:solidFill>
+                <a:latin typeface="Meiryo UI" panose="020B0604030504040204" pitchFamily="50" charset="-128"/>
+                <a:ea typeface="Meiryo UI" panose="020B0604030504040204" pitchFamily="50" charset="-128"/>
+              </a:endParaRPr>
+            </a:p>
+          </p:txBody>
+        </p:sp>
+        <p:sp>
+          <p:nvSpPr>
+            <p:cNvPr id="39" name="正方形/長方形 38"/>
+            <p:cNvSpPr/>
+            <p:nvPr/>
+          </p:nvSpPr>
+          <p:spPr>
+            <a:xfrm>
+              <a:off x="6443134" y="2438404"/>
+              <a:ext cx="804333" cy="152404"/>
+            </a:xfrm>
+            <a:prstGeom prst="rect">
+              <a:avLst/>
+            </a:prstGeom>
+            <a:solidFill>
+              <a:schemeClr val="tx1">
+                <a:lumMod val="85000"/>
+              </a:schemeClr>
+            </a:solidFill>
+            <a:ln>
+              <a:noFill/>
+            </a:ln>
+          </p:spPr>
+          <p:style>
+            <a:lnRef idx="2">
+              <a:schemeClr val="accent1">
+                <a:shade val="50000"/>
+              </a:schemeClr>
+            </a:lnRef>
+            <a:fillRef idx="1">
+              <a:schemeClr val="accent1"/>
+            </a:fillRef>
+            <a:effectRef idx="0">
+              <a:schemeClr val="accent1"/>
+            </a:effectRef>
+            <a:fontRef idx="minor">
+              <a:schemeClr val="lt1"/>
+            </a:fontRef>
+          </p:style>
+          <p:txBody>
+            <a:bodyPr rtlCol="0" anchor="ctr"/>
+            <a:lstStyle/>
+            <a:p>
+              <a:pPr algn="ctr"/>
+              <a:endParaRPr kumimoji="1" lang="ja-JP" altLang="en-US" sz="1000" smtClean="0">
+                <a:solidFill>
+                  <a:schemeClr val="bg1"/>
+                </a:solidFill>
+                <a:latin typeface="Meiryo UI" panose="020B0604030504040204" pitchFamily="50" charset="-128"/>
+                <a:ea typeface="Meiryo UI" panose="020B0604030504040204" pitchFamily="50" charset="-128"/>
+              </a:endParaRPr>
+            </a:p>
+          </p:txBody>
+        </p:sp>
+        <p:sp>
+          <p:nvSpPr>
+            <p:cNvPr id="40" name="テキスト ボックス 39"/>
+            <p:cNvSpPr txBox="1"/>
+            <p:nvPr/>
+          </p:nvSpPr>
+          <p:spPr>
+            <a:xfrm>
+              <a:off x="7205168" y="2383801"/>
+              <a:ext cx="483285" cy="297407"/>
+            </a:xfrm>
+            <a:prstGeom prst="rect">
+              <a:avLst/>
+            </a:prstGeom>
+            <a:noFill/>
+          </p:spPr>
+          <p:txBody>
+            <a:bodyPr wrap="none" rtlCol="0">
+              <a:spAutoFit/>
+            </a:bodyPr>
+            <a:lstStyle/>
+            <a:p>
+              <a:r>
+                <a:rPr kumimoji="1" lang="ja-JP" altLang="en-US" sz="600" smtClean="0">
+                  <a:solidFill>
+                    <a:schemeClr val="bg1"/>
+                  </a:solidFill>
+                </a:rPr>
+                <a:t>さん</a:t>
+              </a:r>
+              <a:endParaRPr kumimoji="1" lang="ja-JP" altLang="en-US" sz="600">
+                <a:solidFill>
+                  <a:schemeClr val="bg1"/>
+                </a:solidFill>
+              </a:endParaRPr>
+            </a:p>
+          </p:txBody>
+        </p:sp>
+        <p:sp>
+          <p:nvSpPr>
+            <p:cNvPr id="42" name="正方形/長方形 41"/>
+            <p:cNvSpPr/>
+            <p:nvPr/>
+          </p:nvSpPr>
+          <p:spPr>
+            <a:xfrm>
+              <a:off x="6305552" y="2015070"/>
+              <a:ext cx="1440000" cy="182029"/>
+            </a:xfrm>
+            <a:prstGeom prst="rect">
+              <a:avLst/>
+            </a:prstGeom>
+            <a:solidFill>
+              <a:schemeClr val="accent1"/>
+            </a:solidFill>
+            <a:ln>
+              <a:noFill/>
+            </a:ln>
+          </p:spPr>
+          <p:style>
+            <a:lnRef idx="2">
+              <a:schemeClr val="accent1">
+                <a:shade val="50000"/>
+              </a:schemeClr>
+            </a:lnRef>
+            <a:fillRef idx="1">
+              <a:schemeClr val="accent1"/>
+            </a:fillRef>
+            <a:effectRef idx="0">
+              <a:schemeClr val="accent1"/>
+            </a:effectRef>
+            <a:fontRef idx="minor">
+              <a:schemeClr val="lt1"/>
+            </a:fontRef>
+          </p:style>
+          <p:txBody>
+            <a:bodyPr rtlCol="0" anchor="ctr"/>
+            <a:lstStyle/>
+            <a:p>
+              <a:pPr algn="ctr"/>
+              <a:endParaRPr kumimoji="1" lang="ja-JP" altLang="en-US" sz="1000" smtClean="0">
+                <a:solidFill>
+                  <a:schemeClr val="bg1"/>
+                </a:solidFill>
+                <a:latin typeface="Meiryo UI" panose="020B0604030504040204" pitchFamily="50" charset="-128"/>
+                <a:ea typeface="Meiryo UI" panose="020B0604030504040204" pitchFamily="50" charset="-128"/>
+              </a:endParaRPr>
+            </a:p>
+          </p:txBody>
+        </p:sp>
+        <p:sp>
+          <p:nvSpPr>
+            <p:cNvPr id="45" name="テキスト ボックス 44"/>
+            <p:cNvSpPr txBox="1"/>
+            <p:nvPr/>
+          </p:nvSpPr>
+          <p:spPr>
+            <a:xfrm>
+              <a:off x="6443134" y="2668930"/>
+              <a:ext cx="1063078" cy="284381"/>
+            </a:xfrm>
+            <a:prstGeom prst="rect">
+              <a:avLst/>
+            </a:prstGeom>
+            <a:noFill/>
+          </p:spPr>
+          <p:txBody>
+            <a:bodyPr wrap="square" rtlCol="0">
+              <a:spAutoFit/>
+            </a:bodyPr>
+            <a:lstStyle/>
+            <a:p>
+              <a:r>
+                <a:rPr kumimoji="1" lang="ja-JP" altLang="en-US" sz="600" smtClean="0">
+                  <a:solidFill>
+                    <a:schemeClr val="bg1"/>
+                  </a:solidFill>
+                </a:rPr>
+                <a:t>スゴイネ！！</a:t>
+              </a:r>
+              <a:endParaRPr kumimoji="1" lang="ja-JP" altLang="en-US" sz="600">
+                <a:solidFill>
+                  <a:schemeClr val="bg1"/>
+                </a:solidFill>
+              </a:endParaRPr>
+            </a:p>
+          </p:txBody>
+        </p:sp>
+      </p:grpSp>
+      <p:cxnSp>
+        <p:nvCxnSpPr>
+          <p:cNvPr id="43" name="直線矢印コネクタ 42"/>
+          <p:cNvCxnSpPr/>
+          <p:nvPr/>
+        </p:nvCxnSpPr>
+        <p:spPr>
+          <a:xfrm flipV="1">
+            <a:off x="5793538" y="4558445"/>
+            <a:ext cx="840063" cy="8467"/>
+          </a:xfrm>
+          <a:prstGeom prst="straightConnector1">
+            <a:avLst/>
+          </a:prstGeom>
+          <a:ln w="57150">
+            <a:solidFill>
+              <a:schemeClr val="accent6"/>
+            </a:solidFill>
+            <a:tailEnd type="triangle"/>
+          </a:ln>
+        </p:spPr>
+        <p:style>
+          <a:lnRef idx="1">
+            <a:schemeClr val="accent1"/>
+          </a:lnRef>
+          <a:fillRef idx="0">
+            <a:schemeClr val="accent1"/>
+          </a:fillRef>
+          <a:effectRef idx="0">
+            <a:schemeClr val="accent1"/>
+          </a:effectRef>
+          <a:fontRef idx="minor">
+            <a:schemeClr val="tx1"/>
+          </a:fontRef>
+        </p:style>
+      </p:cxnSp>
+      <p:sp>
+        <p:nvSpPr>
+          <p:cNvPr id="44" name="テキスト ボックス 43"/>
+          <p:cNvSpPr txBox="1"/>
+          <p:nvPr/>
+        </p:nvSpPr>
+        <p:spPr>
+          <a:xfrm>
+            <a:off x="6726096" y="4839309"/>
+            <a:ext cx="937684" cy="369332"/>
+          </a:xfrm>
+          <a:prstGeom prst="rect">
+            <a:avLst/>
+          </a:prstGeom>
+          <a:noFill/>
+        </p:spPr>
+        <p:txBody>
+          <a:bodyPr wrap="square" rtlCol="0">
+            <a:spAutoFit/>
+          </a:bodyPr>
+          <a:lstStyle/>
+          <a:p>
+            <a:r>
+              <a:rPr kumimoji="1" lang="ja-JP" altLang="en-US" smtClean="0"/>
+              <a:t>ブラウザ</a:t>
+            </a:r>
+            <a:endParaRPr kumimoji="1" lang="en-US" altLang="ja-JP" smtClean="0"/>
+          </a:p>
+        </p:txBody>
+      </p:sp>
+      <p:sp>
+        <p:nvSpPr>
+          <p:cNvPr id="46" name="左カーブ矢印 45"/>
+          <p:cNvSpPr/>
+          <p:nvPr/>
+        </p:nvSpPr>
+        <p:spPr>
+          <a:xfrm rot="5400000" flipV="1">
+            <a:off x="4474805" y="4869250"/>
+            <a:ext cx="561779" cy="537838"/>
+          </a:xfrm>
+          <a:prstGeom prst="curvedLeftArrow">
+            <a:avLst>
+              <a:gd name="adj1" fmla="val 10887"/>
+              <a:gd name="adj2" fmla="val 36020"/>
+              <a:gd name="adj3" fmla="val 22685"/>
+            </a:avLst>
+          </a:prstGeom>
+          <a:solidFill>
+            <a:schemeClr val="accent6"/>
+          </a:solidFill>
+          <a:ln>
+            <a:solidFill>
+              <a:schemeClr val="accent6"/>
+            </a:solidFill>
+          </a:ln>
+        </p:spPr>
+        <p:style>
+          <a:lnRef idx="2">
+            <a:schemeClr val="accent1">
+              <a:shade val="50000"/>
+            </a:schemeClr>
+          </a:lnRef>
+          <a:fillRef idx="1">
+            <a:schemeClr val="accent1"/>
+          </a:fillRef>
+          <a:effectRef idx="0">
+            <a:schemeClr val="accent1"/>
+          </a:effectRef>
+          <a:fontRef idx="minor">
+            <a:schemeClr val="lt1"/>
+          </a:fontRef>
+        </p:style>
+        <p:txBody>
+          <a:bodyPr rtlCol="0" anchor="ctr"/>
+          <a:lstStyle/>
+          <a:p>
+            <a:pPr algn="ctr"/>
+            <a:endParaRPr kumimoji="1" lang="ja-JP" altLang="en-US" smtClean="0">
+              <a:solidFill>
+                <a:schemeClr val="bg1"/>
+              </a:solidFill>
+              <a:latin typeface="Meiryo UI" panose="020B0604030504040204" pitchFamily="50" charset="-128"/>
+              <a:ea typeface="Meiryo UI" panose="020B0604030504040204" pitchFamily="50" charset="-128"/>
+            </a:endParaRPr>
+          </a:p>
+        </p:txBody>
+      </p:sp>
+      <p:sp>
+        <p:nvSpPr>
+          <p:cNvPr id="47" name="テキスト ボックス 46"/>
+          <p:cNvSpPr txBox="1"/>
+          <p:nvPr/>
+        </p:nvSpPr>
+        <p:spPr>
+          <a:xfrm>
+            <a:off x="2526794" y="5120138"/>
+            <a:ext cx="1982506" cy="369332"/>
+          </a:xfrm>
+          <a:prstGeom prst="rect">
+            <a:avLst/>
+          </a:prstGeom>
+          <a:noFill/>
+        </p:spPr>
+        <p:txBody>
+          <a:bodyPr wrap="square" rtlCol="0">
+            <a:spAutoFit/>
+          </a:bodyPr>
+          <a:lstStyle/>
+          <a:p>
+            <a:r>
+              <a:rPr lang="en-US" altLang="ja-JP" smtClean="0"/>
+              <a:t>http://$dst </a:t>
+            </a:r>
+            <a:r>
+              <a:rPr lang="en-US" altLang="ja-JP"/>
+              <a:t>GET</a:t>
+            </a:r>
+            <a:endParaRPr kumimoji="1" lang="ja-JP" altLang="en-US"/>
+          </a:p>
+        </p:txBody>
+      </p:sp>
+      <p:sp>
+        <p:nvSpPr>
+          <p:cNvPr id="48" name="正方形/長方形 47"/>
+          <p:cNvSpPr/>
+          <p:nvPr/>
+        </p:nvSpPr>
+        <p:spPr>
+          <a:xfrm>
+            <a:off x="3630989" y="5509454"/>
+            <a:ext cx="2184400" cy="406384"/>
+          </a:xfrm>
+          <a:prstGeom prst="rect">
+            <a:avLst/>
+          </a:prstGeom>
+          <a:solidFill>
+            <a:schemeClr val="tx1"/>
+          </a:solidFill>
+          <a:ln>
+            <a:noFill/>
+          </a:ln>
+        </p:spPr>
+        <p:style>
+          <a:lnRef idx="2">
+            <a:schemeClr val="accent1">
+              <a:shade val="50000"/>
+            </a:schemeClr>
+          </a:lnRef>
+          <a:fillRef idx="1">
+            <a:schemeClr val="accent1"/>
+          </a:fillRef>
+          <a:effectRef idx="0">
+            <a:schemeClr val="accent1"/>
+          </a:effectRef>
+          <a:fontRef idx="minor">
+            <a:schemeClr val="lt1"/>
+          </a:fontRef>
+        </p:style>
+        <p:txBody>
+          <a:bodyPr rtlCol="0" anchor="ctr"/>
+          <a:lstStyle/>
+          <a:p>
+            <a:pPr algn="ctr"/>
+            <a:r>
+              <a:rPr kumimoji="1" lang="en-US" altLang="ja-JP" smtClean="0">
+                <a:solidFill>
+                  <a:schemeClr val="bg1"/>
+                </a:solidFill>
+                <a:latin typeface="Meiryo UI" panose="020B0604030504040204" pitchFamily="50" charset="-128"/>
+                <a:ea typeface="Meiryo UI" panose="020B0604030504040204" pitchFamily="50" charset="-128"/>
+              </a:rPr>
+              <a:t>backend.py</a:t>
+            </a:r>
+            <a:endParaRPr kumimoji="1" lang="ja-JP" altLang="en-US" smtClean="0">
+              <a:solidFill>
+                <a:schemeClr val="bg1"/>
+              </a:solidFill>
+              <a:latin typeface="Meiryo UI" panose="020B0604030504040204" pitchFamily="50" charset="-128"/>
+              <a:ea typeface="Meiryo UI" panose="020B0604030504040204" pitchFamily="50" charset="-128"/>
+            </a:endParaRPr>
+          </a:p>
+        </p:txBody>
+      </p:sp>
+      <p:sp>
+        <p:nvSpPr>
+          <p:cNvPr id="49" name="テキスト ボックス 48"/>
+          <p:cNvSpPr txBox="1"/>
+          <p:nvPr/>
+        </p:nvSpPr>
+        <p:spPr>
+          <a:xfrm>
+            <a:off x="3433637" y="5906909"/>
+            <a:ext cx="2644114" cy="369332"/>
+          </a:xfrm>
+          <a:prstGeom prst="rect">
+            <a:avLst/>
+          </a:prstGeom>
+          <a:noFill/>
+        </p:spPr>
+        <p:txBody>
+          <a:bodyPr wrap="square" rtlCol="0">
+            <a:spAutoFit/>
+          </a:bodyPr>
+          <a:lstStyle/>
+          <a:p>
+            <a:pPr algn="ctr"/>
+            <a:r>
+              <a:rPr lang="en-US" altLang="ja-JP" smtClean="0"/>
+              <a:t>5000</a:t>
+            </a:r>
+            <a:r>
+              <a:rPr lang="ja-JP" altLang="en-US" smtClean="0"/>
+              <a:t>番ポートで待ち受け</a:t>
+            </a:r>
+            <a:endParaRPr kumimoji="1" lang="ja-JP" altLang="en-US"/>
+          </a:p>
+        </p:txBody>
+      </p:sp>
+      <p:sp>
+        <p:nvSpPr>
+          <p:cNvPr id="50" name="テキスト ボックス 49"/>
+          <p:cNvSpPr txBox="1"/>
+          <p:nvPr/>
+        </p:nvSpPr>
+        <p:spPr>
+          <a:xfrm>
+            <a:off x="4975835" y="5120858"/>
+            <a:ext cx="1982506" cy="369332"/>
+          </a:xfrm>
+          <a:prstGeom prst="rect">
+            <a:avLst/>
+          </a:prstGeom>
+          <a:noFill/>
+        </p:spPr>
+        <p:txBody>
+          <a:bodyPr wrap="square" rtlCol="0">
+            <a:spAutoFit/>
+          </a:bodyPr>
+          <a:lstStyle/>
+          <a:p>
+            <a:r>
+              <a:rPr lang="en-US" altLang="ja-JP" smtClean="0"/>
+              <a:t>Yoisho</a:t>
+            </a:r>
+            <a:r>
+              <a:rPr lang="ja-JP" altLang="en-US" smtClean="0"/>
+              <a:t>メッセージ</a:t>
+            </a:r>
+            <a:endParaRPr kumimoji="1" lang="ja-JP" altLang="en-US"/>
+          </a:p>
+        </p:txBody>
+      </p:sp>
+      <p:sp>
+        <p:nvSpPr>
+          <p:cNvPr id="51" name="フローチャート: 磁気ディスク 50"/>
+          <p:cNvSpPr/>
+          <p:nvPr/>
+        </p:nvSpPr>
+        <p:spPr>
+          <a:xfrm>
+            <a:off x="6671417" y="5419058"/>
+            <a:ext cx="1448431" cy="580633"/>
+          </a:xfrm>
+          <a:prstGeom prst="flowChartMagneticDisk">
+            <a:avLst/>
+          </a:prstGeom>
+          <a:solidFill>
+            <a:schemeClr val="tx1"/>
+          </a:solidFill>
+          <a:ln>
+            <a:solidFill>
+              <a:schemeClr val="bg1"/>
+            </a:solidFill>
+          </a:ln>
+        </p:spPr>
+        <p:style>
+          <a:lnRef idx="2">
+            <a:schemeClr val="accent1">
+              <a:shade val="50000"/>
+            </a:schemeClr>
+          </a:lnRef>
+          <a:fillRef idx="1">
+            <a:schemeClr val="accent1"/>
+          </a:fillRef>
+          <a:effectRef idx="0">
+            <a:schemeClr val="accent1"/>
+          </a:effectRef>
+          <a:fontRef idx="minor">
+            <a:schemeClr val="lt1"/>
+          </a:fontRef>
+        </p:style>
+        <p:txBody>
+          <a:bodyPr rtlCol="0" anchor="ctr"/>
+          <a:lstStyle/>
+          <a:p>
+            <a:pPr algn="ctr"/>
+            <a:r>
+              <a:rPr kumimoji="1" lang="ja-JP" altLang="en-US" smtClean="0">
+                <a:solidFill>
+                  <a:schemeClr val="bg1"/>
+                </a:solidFill>
+                <a:latin typeface="Meiryo UI" panose="020B0604030504040204" pitchFamily="50" charset="-128"/>
+                <a:ea typeface="Meiryo UI" panose="020B0604030504040204" pitchFamily="50" charset="-128"/>
+              </a:rPr>
+              <a:t>アクセスログ</a:t>
+            </a:r>
+            <a:endParaRPr kumimoji="1" lang="ja-JP" altLang="en-US" smtClean="0">
+              <a:solidFill>
+                <a:schemeClr val="bg1"/>
+              </a:solidFill>
+              <a:latin typeface="Meiryo UI" panose="020B0604030504040204" pitchFamily="50" charset="-128"/>
+              <a:ea typeface="Meiryo UI" panose="020B0604030504040204" pitchFamily="50" charset="-128"/>
+            </a:endParaRPr>
+          </a:p>
+        </p:txBody>
+      </p:sp>
+      <p:sp>
+        <p:nvSpPr>
+          <p:cNvPr id="52" name="テキスト ボックス 51"/>
+          <p:cNvSpPr txBox="1"/>
+          <p:nvPr/>
+        </p:nvSpPr>
+        <p:spPr>
+          <a:xfrm>
+            <a:off x="6893972" y="5989227"/>
+            <a:ext cx="945290" cy="369332"/>
+          </a:xfrm>
+          <a:prstGeom prst="rect">
+            <a:avLst/>
+          </a:prstGeom>
+          <a:noFill/>
+        </p:spPr>
+        <p:txBody>
+          <a:bodyPr wrap="square" rtlCol="0">
+            <a:spAutoFit/>
+          </a:bodyPr>
+          <a:lstStyle/>
+          <a:p>
+            <a:pPr algn="ctr"/>
+            <a:r>
+              <a:rPr lang="en-US" altLang="ja-JP" smtClean="0"/>
+              <a:t>/log</a:t>
+            </a:r>
+            <a:endParaRPr kumimoji="1" lang="ja-JP" altLang="en-US"/>
+          </a:p>
+        </p:txBody>
+      </p:sp>
+      <p:cxnSp>
+        <p:nvCxnSpPr>
+          <p:cNvPr id="53" name="直線矢印コネクタ 52"/>
+          <p:cNvCxnSpPr>
+            <a:stCxn id="48" idx="3"/>
+            <a:endCxn id="51" idx="2"/>
+          </p:cNvCxnSpPr>
+          <p:nvPr/>
+        </p:nvCxnSpPr>
+        <p:spPr>
+          <a:xfrm flipV="1">
+            <a:off x="5815389" y="5709375"/>
+            <a:ext cx="856028" cy="3271"/>
+          </a:xfrm>
+          <a:prstGeom prst="straightConnector1">
+            <a:avLst/>
+          </a:prstGeom>
+          <a:ln w="57150">
+            <a:solidFill>
+              <a:schemeClr val="accent6"/>
+            </a:solidFill>
+            <a:tailEnd type="triangle"/>
+          </a:ln>
+        </p:spPr>
+        <p:style>
+          <a:lnRef idx="1">
+            <a:schemeClr val="accent1"/>
+          </a:lnRef>
+          <a:fillRef idx="0">
+            <a:schemeClr val="accent1"/>
+          </a:fillRef>
+          <a:effectRef idx="0">
+            <a:schemeClr val="accent1"/>
+          </a:effectRef>
+          <a:fontRef idx="minor">
+            <a:schemeClr val="tx1"/>
+          </a:fontRef>
+        </p:style>
+      </p:cxnSp>
+      <p:sp>
+        <p:nvSpPr>
+          <p:cNvPr id="56" name="テキスト ボックス 55"/>
+          <p:cNvSpPr txBox="1"/>
+          <p:nvPr/>
+        </p:nvSpPr>
+        <p:spPr>
+          <a:xfrm>
+            <a:off x="7652788" y="4415971"/>
+            <a:ext cx="1311908" cy="369332"/>
+          </a:xfrm>
+          <a:prstGeom prst="rect">
+            <a:avLst/>
+          </a:prstGeom>
+          <a:noFill/>
+        </p:spPr>
+        <p:txBody>
+          <a:bodyPr wrap="square" rtlCol="0">
+            <a:spAutoFit/>
+          </a:bodyPr>
+          <a:lstStyle/>
+          <a:p>
+            <a:r>
+              <a:rPr kumimoji="1" lang="en-US" altLang="ja-JP" smtClean="0"/>
+              <a:t>( </a:t>
+            </a:r>
+            <a:r>
+              <a:rPr kumimoji="1" lang="ja-JP" altLang="en-US" smtClean="0"/>
+              <a:t>･</a:t>
+            </a:r>
+            <a:r>
+              <a:rPr kumimoji="1" lang="en-US" altLang="ja-JP" smtClean="0"/>
+              <a:t>´</a:t>
+            </a:r>
+            <a:r>
+              <a:rPr kumimoji="1" lang="ja-JP" altLang="en-US" smtClean="0"/>
+              <a:t>ｰ･｀</a:t>
+            </a:r>
+            <a:r>
+              <a:rPr kumimoji="1" lang="en-US" altLang="ja-JP" smtClean="0"/>
+              <a:t>)</a:t>
+            </a:r>
+          </a:p>
+        </p:txBody>
+      </p:sp>
+      <p:sp>
+        <p:nvSpPr>
+          <p:cNvPr id="57" name="テキスト ボックス 56"/>
+          <p:cNvSpPr txBox="1"/>
+          <p:nvPr/>
+        </p:nvSpPr>
+        <p:spPr>
+          <a:xfrm>
+            <a:off x="694499" y="3263602"/>
+            <a:ext cx="937684" cy="369332"/>
+          </a:xfrm>
+          <a:prstGeom prst="rect">
+            <a:avLst/>
+          </a:prstGeom>
+          <a:noFill/>
+        </p:spPr>
+        <p:txBody>
+          <a:bodyPr wrap="square" rtlCol="0">
+            <a:spAutoFit/>
+          </a:bodyPr>
+          <a:lstStyle/>
+          <a:p>
+            <a:r>
+              <a:rPr kumimoji="1" lang="en-US" altLang="ja-JP" smtClean="0"/>
+              <a:t>(◞‸◟)</a:t>
+            </a:r>
+          </a:p>
+        </p:txBody>
+      </p:sp>
+    </p:spTree>
+    <p:extLst>
+      <p:ext uri="{BB962C8B-B14F-4D97-AF65-F5344CB8AC3E}">
+        <p14:creationId xmlns:p14="http://schemas.microsoft.com/office/powerpoint/2010/main" val="1423293529"/>
+      </p:ext>
+    </p:extLst>
+  </p:cSld>
+  <p:clrMapOvr>
+    <a:masterClrMapping/>
+  </p:clrMapOvr>
+  <p:timing>
+    <p:tnLst>
+      <p:par>
+        <p:cTn id="1" dur="indefinite" restart="never" nodeType="tmRoot"/>
+      </p:par>
+    </p:tnLst>
+  </p:timing>
+</p:sld>
+</file>
+
+<file path=ppt/slides/slide6.xml><?xml version="1.0" encoding="utf-8"?>
+<p:sld xmlns:a="http://schemas.openxmlformats.org/drawingml/2006/main" xmlns:r="http://schemas.openxmlformats.org/officeDocument/2006/relationships" xmlns:p="http://schemas.openxmlformats.org/presentationml/2006/main">
+  <p:cSld>
+    <p:spTree>
+      <p:nvGrpSpPr>
+        <p:cNvPr id="1" name=""/>
+        <p:cNvGrpSpPr/>
+        <p:nvPr/>
+      </p:nvGrpSpPr>
+      <p:grpSpPr>
+        <a:xfrm>
+          <a:off x="0" y="0"/>
+          <a:ext cx="0" cy="0"/>
+          <a:chOff x="0" y="0"/>
+          <a:chExt cx="0" cy="0"/>
+        </a:xfrm>
+      </p:grpSpPr>
+      <p:sp>
+        <p:nvSpPr>
+          <p:cNvPr id="3" name="コンテンツ プレースホルダー 2"/>
+          <p:cNvSpPr>
+            <a:spLocks noGrp="1"/>
+          </p:cNvSpPr>
+          <p:nvPr>
+            <p:ph idx="1"/>
+          </p:nvPr>
+        </p:nvSpPr>
+        <p:spPr>
+          <a:xfrm>
+            <a:off x="261257" y="971550"/>
+            <a:ext cx="8686799" cy="1449917"/>
+          </a:xfrm>
+        </p:spPr>
+        <p:txBody>
+          <a:bodyPr>
+            <a:normAutofit/>
+          </a:bodyPr>
+          <a:lstStyle/>
+          <a:p>
+            <a:r>
+              <a:rPr kumimoji="1" lang="ja-JP" altLang="en-US" smtClean="0"/>
+              <a:t>システム構成すり合わせ</a:t>
+            </a:r>
+            <a:endParaRPr lang="en-US" altLang="ja-JP" smtClean="0"/>
+          </a:p>
+          <a:p>
+            <a:pPr lvl="1"/>
+            <a:r>
+              <a:rPr kumimoji="1" lang="en-US" altLang="ja-JP" smtClean="0"/>
+              <a:t>1</a:t>
+            </a:r>
+            <a:r>
+              <a:rPr kumimoji="1" lang="ja-JP" altLang="en-US" smtClean="0"/>
+              <a:t>チーム：</a:t>
+            </a:r>
+            <a:r>
+              <a:rPr kumimoji="1" lang="en-US" altLang="ja-JP" smtClean="0"/>
+              <a:t>frontend.py</a:t>
+            </a:r>
+          </a:p>
+          <a:p>
+            <a:pPr lvl="1"/>
+            <a:r>
+              <a:rPr lang="en-US" altLang="ja-JP" smtClean="0"/>
+              <a:t>2</a:t>
+            </a:r>
+            <a:r>
+              <a:rPr lang="ja-JP" altLang="en-US" smtClean="0"/>
+              <a:t>チーム：</a:t>
+            </a:r>
+            <a:r>
+              <a:rPr lang="en-US" altLang="ja-JP" smtClean="0"/>
+              <a:t>backend.py</a:t>
+            </a:r>
+          </a:p>
+        </p:txBody>
+      </p:sp>
+      <p:grpSp>
+        <p:nvGrpSpPr>
+          <p:cNvPr id="4" name="グループ化 3"/>
+          <p:cNvGrpSpPr/>
+          <p:nvPr/>
+        </p:nvGrpSpPr>
+        <p:grpSpPr>
+          <a:xfrm>
+            <a:off x="744982" y="3646949"/>
+            <a:ext cx="936000" cy="720000"/>
+            <a:chOff x="6305552" y="2015070"/>
+            <a:chExt cx="1440000" cy="1108780"/>
+          </a:xfrm>
+        </p:grpSpPr>
+        <p:sp>
+          <p:nvSpPr>
+            <p:cNvPr id="5" name="正方形/長方形 4"/>
+            <p:cNvSpPr/>
+            <p:nvPr/>
+          </p:nvSpPr>
+          <p:spPr>
+            <a:xfrm>
+              <a:off x="6305552" y="2193213"/>
+              <a:ext cx="1440000" cy="930637"/>
+            </a:xfrm>
+            <a:prstGeom prst="rect">
+              <a:avLst/>
+            </a:prstGeom>
+            <a:solidFill>
+              <a:schemeClr val="tx1"/>
+            </a:solidFill>
+            <a:ln>
+              <a:noFill/>
+            </a:ln>
+          </p:spPr>
+          <p:style>
+            <a:lnRef idx="2">
+              <a:schemeClr val="accent1">
+                <a:shade val="50000"/>
+              </a:schemeClr>
+            </a:lnRef>
+            <a:fillRef idx="1">
+              <a:schemeClr val="accent1"/>
+            </a:fillRef>
+            <a:effectRef idx="0">
+              <a:schemeClr val="accent1"/>
+            </a:effectRef>
+            <a:fontRef idx="minor">
+              <a:schemeClr val="lt1"/>
+            </a:fontRef>
+          </p:style>
+          <p:txBody>
+            <a:bodyPr rtlCol="0" anchor="ctr"/>
+            <a:lstStyle/>
+            <a:p>
+              <a:pPr algn="ctr"/>
+              <a:endParaRPr kumimoji="1" lang="ja-JP" altLang="en-US" sz="1000" smtClean="0">
+                <a:solidFill>
+                  <a:schemeClr val="bg1"/>
+                </a:solidFill>
+                <a:latin typeface="Meiryo UI" panose="020B0604030504040204" pitchFamily="50" charset="-128"/>
+                <a:ea typeface="Meiryo UI" panose="020B0604030504040204" pitchFamily="50" charset="-128"/>
+              </a:endParaRPr>
+            </a:p>
+          </p:txBody>
+        </p:sp>
+        <p:sp>
+          <p:nvSpPr>
+            <p:cNvPr id="6" name="正方形/長方形 5"/>
+            <p:cNvSpPr/>
+            <p:nvPr/>
+          </p:nvSpPr>
+          <p:spPr>
+            <a:xfrm>
+              <a:off x="6443134" y="2438404"/>
+              <a:ext cx="804333" cy="152404"/>
+            </a:xfrm>
+            <a:prstGeom prst="rect">
+              <a:avLst/>
+            </a:prstGeom>
+            <a:solidFill>
+              <a:schemeClr val="tx1">
+                <a:lumMod val="85000"/>
+              </a:schemeClr>
+            </a:solidFill>
+            <a:ln>
+              <a:noFill/>
+            </a:ln>
+          </p:spPr>
+          <p:style>
+            <a:lnRef idx="2">
+              <a:schemeClr val="accent1">
+                <a:shade val="50000"/>
+              </a:schemeClr>
+            </a:lnRef>
+            <a:fillRef idx="1">
+              <a:schemeClr val="accent1"/>
+            </a:fillRef>
+            <a:effectRef idx="0">
+              <a:schemeClr val="accent1"/>
+            </a:effectRef>
+            <a:fontRef idx="minor">
+              <a:schemeClr val="lt1"/>
+            </a:fontRef>
+          </p:style>
+          <p:txBody>
+            <a:bodyPr rtlCol="0" anchor="ctr"/>
+            <a:lstStyle/>
+            <a:p>
+              <a:pPr algn="ctr"/>
+              <a:endParaRPr kumimoji="1" lang="ja-JP" altLang="en-US" sz="1000" smtClean="0">
+                <a:solidFill>
+                  <a:schemeClr val="bg1"/>
+                </a:solidFill>
+                <a:latin typeface="Meiryo UI" panose="020B0604030504040204" pitchFamily="50" charset="-128"/>
+                <a:ea typeface="Meiryo UI" panose="020B0604030504040204" pitchFamily="50" charset="-128"/>
+              </a:endParaRPr>
+            </a:p>
+          </p:txBody>
+        </p:sp>
+        <p:sp>
+          <p:nvSpPr>
+            <p:cNvPr id="7" name="テキスト ボックス 6"/>
+            <p:cNvSpPr txBox="1"/>
+            <p:nvPr/>
+          </p:nvSpPr>
+          <p:spPr>
+            <a:xfrm>
+              <a:off x="7205168" y="2383801"/>
+              <a:ext cx="483285" cy="297407"/>
+            </a:xfrm>
+            <a:prstGeom prst="rect">
+              <a:avLst/>
+            </a:prstGeom>
+            <a:noFill/>
+          </p:spPr>
+          <p:txBody>
+            <a:bodyPr wrap="none" rtlCol="0">
+              <a:spAutoFit/>
+            </a:bodyPr>
+            <a:lstStyle/>
+            <a:p>
+              <a:r>
+                <a:rPr kumimoji="1" lang="ja-JP" altLang="en-US" sz="600" smtClean="0">
+                  <a:solidFill>
+                    <a:schemeClr val="bg1"/>
+                  </a:solidFill>
+                </a:rPr>
+                <a:t>さん</a:t>
+              </a:r>
+              <a:endParaRPr kumimoji="1" lang="ja-JP" altLang="en-US" sz="600">
+                <a:solidFill>
+                  <a:schemeClr val="bg1"/>
+                </a:solidFill>
+              </a:endParaRPr>
+            </a:p>
+          </p:txBody>
+        </p:sp>
+        <p:sp>
+          <p:nvSpPr>
+            <p:cNvPr id="8" name="正方形/長方形 7"/>
+            <p:cNvSpPr/>
+            <p:nvPr/>
+          </p:nvSpPr>
+          <p:spPr>
+            <a:xfrm>
+              <a:off x="6713278" y="2779614"/>
+              <a:ext cx="624549" cy="264869"/>
+            </a:xfrm>
+            <a:prstGeom prst="rect">
+              <a:avLst/>
+            </a:prstGeom>
+            <a:solidFill>
+              <a:schemeClr val="tx2"/>
+            </a:solidFill>
+            <a:ln>
+              <a:noFill/>
+            </a:ln>
+          </p:spPr>
+          <p:style>
+            <a:lnRef idx="2">
+              <a:schemeClr val="accent1">
+                <a:shade val="50000"/>
+              </a:schemeClr>
+            </a:lnRef>
+            <a:fillRef idx="1">
+              <a:schemeClr val="accent1"/>
+            </a:fillRef>
+            <a:effectRef idx="0">
+              <a:schemeClr val="accent1"/>
+            </a:effectRef>
+            <a:fontRef idx="minor">
+              <a:schemeClr val="lt1"/>
+            </a:fontRef>
+          </p:style>
+          <p:txBody>
+            <a:bodyPr rtlCol="0" anchor="ctr"/>
+            <a:lstStyle/>
+            <a:p>
+              <a:pPr algn="ctr"/>
+              <a:r>
+                <a:rPr kumimoji="1" lang="en-US" altLang="ja-JP" sz="500" smtClean="0">
+                  <a:solidFill>
+                    <a:schemeClr val="bg1"/>
+                  </a:solidFill>
+                  <a:latin typeface="Meiryo UI" panose="020B0604030504040204" pitchFamily="50" charset="-128"/>
+                  <a:ea typeface="Meiryo UI" panose="020B0604030504040204" pitchFamily="50" charset="-128"/>
+                </a:rPr>
+                <a:t>yoisho</a:t>
+              </a:r>
+              <a:endParaRPr kumimoji="1" lang="ja-JP" altLang="en-US" sz="500" smtClean="0">
+                <a:solidFill>
+                  <a:schemeClr val="bg1"/>
+                </a:solidFill>
+                <a:latin typeface="Meiryo UI" panose="020B0604030504040204" pitchFamily="50" charset="-128"/>
+                <a:ea typeface="Meiryo UI" panose="020B0604030504040204" pitchFamily="50" charset="-128"/>
+              </a:endParaRPr>
+            </a:p>
+          </p:txBody>
+        </p:sp>
+        <p:sp>
+          <p:nvSpPr>
+            <p:cNvPr id="9" name="正方形/長方形 8"/>
+            <p:cNvSpPr/>
+            <p:nvPr/>
+          </p:nvSpPr>
+          <p:spPr>
+            <a:xfrm>
+              <a:off x="6305552" y="2015070"/>
+              <a:ext cx="1440000" cy="182029"/>
+            </a:xfrm>
+            <a:prstGeom prst="rect">
+              <a:avLst/>
+            </a:prstGeom>
+            <a:solidFill>
+              <a:schemeClr val="accent1"/>
+            </a:solidFill>
+            <a:ln>
+              <a:noFill/>
+            </a:ln>
+          </p:spPr>
+          <p:style>
+            <a:lnRef idx="2">
+              <a:schemeClr val="accent1">
+                <a:shade val="50000"/>
+              </a:schemeClr>
+            </a:lnRef>
+            <a:fillRef idx="1">
+              <a:schemeClr val="accent1"/>
+            </a:fillRef>
+            <a:effectRef idx="0">
+              <a:schemeClr val="accent1"/>
+            </a:effectRef>
+            <a:fontRef idx="minor">
+              <a:schemeClr val="lt1"/>
+            </a:fontRef>
+          </p:style>
+          <p:txBody>
+            <a:bodyPr rtlCol="0" anchor="ctr"/>
+            <a:lstStyle/>
+            <a:p>
+              <a:pPr algn="ctr"/>
+              <a:endParaRPr kumimoji="1" lang="ja-JP" altLang="en-US" sz="1000" smtClean="0">
+                <a:solidFill>
+                  <a:schemeClr val="bg1"/>
+                </a:solidFill>
+                <a:latin typeface="Meiryo UI" panose="020B0604030504040204" pitchFamily="50" charset="-128"/>
+                <a:ea typeface="Meiryo UI" panose="020B0604030504040204" pitchFamily="50" charset="-128"/>
+              </a:endParaRPr>
+            </a:p>
+          </p:txBody>
+        </p:sp>
+      </p:grpSp>
+      <p:sp>
+        <p:nvSpPr>
+          <p:cNvPr id="10" name="正方形/長方形 9"/>
+          <p:cNvSpPr/>
+          <p:nvPr/>
+        </p:nvSpPr>
+        <p:spPr>
+          <a:xfrm>
+            <a:off x="3109604" y="3670770"/>
+            <a:ext cx="2063214" cy="952031"/>
+          </a:xfrm>
+          <a:prstGeom prst="rect">
+            <a:avLst/>
+          </a:prstGeom>
+          <a:solidFill>
+            <a:schemeClr val="accent2">
+              <a:lumMod val="40000"/>
+              <a:lumOff val="60000"/>
+            </a:schemeClr>
+          </a:solidFill>
+          <a:ln>
+            <a:noFill/>
+          </a:ln>
+        </p:spPr>
+        <p:style>
+          <a:lnRef idx="2">
+            <a:schemeClr val="accent1">
+              <a:shade val="50000"/>
+            </a:schemeClr>
+          </a:lnRef>
+          <a:fillRef idx="1">
+            <a:schemeClr val="accent1"/>
+          </a:fillRef>
+          <a:effectRef idx="0">
+            <a:schemeClr val="accent1"/>
+          </a:effectRef>
+          <a:fontRef idx="minor">
+            <a:schemeClr val="lt1"/>
+          </a:fontRef>
+        </p:style>
+        <p:txBody>
+          <a:bodyPr rtlCol="0" anchor="t"/>
+          <a:lstStyle/>
+          <a:p>
+            <a:pPr algn="ctr"/>
+            <a:r>
+              <a:rPr kumimoji="1" lang="ja-JP" altLang="en-US" smtClean="0">
+                <a:solidFill>
+                  <a:schemeClr val="bg1"/>
+                </a:solidFill>
+                <a:latin typeface="Meiryo UI" panose="020B0604030504040204" pitchFamily="50" charset="-128"/>
+                <a:ea typeface="Meiryo UI" panose="020B0604030504040204" pitchFamily="50" charset="-128"/>
+              </a:rPr>
+              <a:t>コンテナ</a:t>
+            </a:r>
+            <a:endParaRPr kumimoji="1" lang="ja-JP" altLang="en-US" smtClean="0">
+              <a:solidFill>
+                <a:schemeClr val="bg1"/>
+              </a:solidFill>
+              <a:latin typeface="Meiryo UI" panose="020B0604030504040204" pitchFamily="50" charset="-128"/>
+              <a:ea typeface="Meiryo UI" panose="020B0604030504040204" pitchFamily="50" charset="-128"/>
+            </a:endParaRPr>
+          </a:p>
+        </p:txBody>
+      </p:sp>
+      <p:sp>
+        <p:nvSpPr>
+          <p:cNvPr id="11" name="正方形/長方形 10"/>
+          <p:cNvSpPr/>
+          <p:nvPr/>
+        </p:nvSpPr>
+        <p:spPr>
+          <a:xfrm>
+            <a:off x="6101907" y="3670769"/>
+            <a:ext cx="2063214" cy="952032"/>
+          </a:xfrm>
+          <a:prstGeom prst="rect">
+            <a:avLst/>
+          </a:prstGeom>
+          <a:solidFill>
+            <a:schemeClr val="accent2">
+              <a:lumMod val="40000"/>
+              <a:lumOff val="60000"/>
+            </a:schemeClr>
+          </a:solidFill>
+          <a:ln>
+            <a:noFill/>
+          </a:ln>
+        </p:spPr>
+        <p:style>
+          <a:lnRef idx="2">
+            <a:schemeClr val="accent1">
+              <a:shade val="50000"/>
+            </a:schemeClr>
+          </a:lnRef>
+          <a:fillRef idx="1">
+            <a:schemeClr val="accent1"/>
+          </a:fillRef>
+          <a:effectRef idx="0">
+            <a:schemeClr val="accent1"/>
+          </a:effectRef>
+          <a:fontRef idx="minor">
+            <a:schemeClr val="lt1"/>
+          </a:fontRef>
+        </p:style>
+        <p:txBody>
+          <a:bodyPr rtlCol="0" anchor="t"/>
+          <a:lstStyle/>
+          <a:p>
+            <a:pPr algn="ctr"/>
+            <a:r>
+              <a:rPr kumimoji="1" lang="ja-JP" altLang="en-US" smtClean="0">
+                <a:solidFill>
+                  <a:schemeClr val="bg1"/>
+                </a:solidFill>
+                <a:latin typeface="Meiryo UI" panose="020B0604030504040204" pitchFamily="50" charset="-128"/>
+                <a:ea typeface="Meiryo UI" panose="020B0604030504040204" pitchFamily="50" charset="-128"/>
+              </a:rPr>
+              <a:t>コンテナ</a:t>
+            </a:r>
+            <a:endParaRPr kumimoji="1" lang="ja-JP" altLang="en-US" smtClean="0">
+              <a:solidFill>
+                <a:schemeClr val="bg1"/>
+              </a:solidFill>
+              <a:latin typeface="Meiryo UI" panose="020B0604030504040204" pitchFamily="50" charset="-128"/>
+              <a:ea typeface="Meiryo UI" panose="020B0604030504040204" pitchFamily="50" charset="-128"/>
+            </a:endParaRPr>
+          </a:p>
+        </p:txBody>
+      </p:sp>
+      <p:sp>
+        <p:nvSpPr>
+          <p:cNvPr id="12" name="正方形/長方形 11"/>
+          <p:cNvSpPr/>
+          <p:nvPr/>
+        </p:nvSpPr>
+        <p:spPr>
+          <a:xfrm>
+            <a:off x="3395223" y="4019484"/>
+            <a:ext cx="1491975" cy="488288"/>
+          </a:xfrm>
+          <a:prstGeom prst="rect">
+            <a:avLst/>
+          </a:prstGeom>
+          <a:solidFill>
+            <a:schemeClr val="tx1"/>
+          </a:solidFill>
+          <a:ln>
+            <a:noFill/>
+          </a:ln>
+        </p:spPr>
+        <p:style>
+          <a:lnRef idx="2">
+            <a:schemeClr val="accent1">
+              <a:shade val="50000"/>
+            </a:schemeClr>
+          </a:lnRef>
+          <a:fillRef idx="1">
+            <a:schemeClr val="accent1"/>
+          </a:fillRef>
+          <a:effectRef idx="0">
+            <a:schemeClr val="accent1"/>
+          </a:effectRef>
+          <a:fontRef idx="minor">
+            <a:schemeClr val="lt1"/>
+          </a:fontRef>
+        </p:style>
+        <p:txBody>
+          <a:bodyPr rtlCol="0" anchor="ctr"/>
+          <a:lstStyle/>
+          <a:p>
+            <a:pPr algn="ctr"/>
+            <a:r>
+              <a:rPr kumimoji="1" lang="en-US" altLang="ja-JP" smtClean="0">
+                <a:solidFill>
+                  <a:schemeClr val="bg1"/>
+                </a:solidFill>
+                <a:latin typeface="Meiryo UI" panose="020B0604030504040204" pitchFamily="50" charset="-128"/>
+                <a:ea typeface="Meiryo UI" panose="020B0604030504040204" pitchFamily="50" charset="-128"/>
+              </a:rPr>
+              <a:t>frontend.py</a:t>
+            </a:r>
+            <a:endParaRPr kumimoji="1" lang="ja-JP" altLang="en-US" smtClean="0">
+              <a:solidFill>
+                <a:schemeClr val="bg1"/>
+              </a:solidFill>
+              <a:latin typeface="Meiryo UI" panose="020B0604030504040204" pitchFamily="50" charset="-128"/>
+              <a:ea typeface="Meiryo UI" panose="020B0604030504040204" pitchFamily="50" charset="-128"/>
+            </a:endParaRPr>
+          </a:p>
+        </p:txBody>
+      </p:sp>
+      <p:sp>
+        <p:nvSpPr>
+          <p:cNvPr id="13" name="正方形/長方形 12"/>
+          <p:cNvSpPr/>
+          <p:nvPr/>
+        </p:nvSpPr>
+        <p:spPr>
+          <a:xfrm>
+            <a:off x="6387526" y="4014780"/>
+            <a:ext cx="1491975" cy="488288"/>
+          </a:xfrm>
+          <a:prstGeom prst="rect">
+            <a:avLst/>
+          </a:prstGeom>
+          <a:solidFill>
+            <a:schemeClr val="tx1"/>
+          </a:solidFill>
+          <a:ln>
+            <a:noFill/>
+          </a:ln>
+        </p:spPr>
+        <p:style>
+          <a:lnRef idx="2">
+            <a:schemeClr val="accent1">
+              <a:shade val="50000"/>
+            </a:schemeClr>
+          </a:lnRef>
+          <a:fillRef idx="1">
+            <a:schemeClr val="accent1"/>
+          </a:fillRef>
+          <a:effectRef idx="0">
+            <a:schemeClr val="accent1"/>
+          </a:effectRef>
+          <a:fontRef idx="minor">
+            <a:schemeClr val="lt1"/>
+          </a:fontRef>
+        </p:style>
+        <p:txBody>
+          <a:bodyPr rtlCol="0" anchor="ctr"/>
+          <a:lstStyle/>
+          <a:p>
+            <a:pPr algn="ctr"/>
+            <a:r>
+              <a:rPr lang="en-US" altLang="ja-JP" smtClean="0">
+                <a:solidFill>
+                  <a:schemeClr val="bg1"/>
+                </a:solidFill>
+                <a:latin typeface="Meiryo UI" panose="020B0604030504040204" pitchFamily="50" charset="-128"/>
+                <a:ea typeface="Meiryo UI" panose="020B0604030504040204" pitchFamily="50" charset="-128"/>
+              </a:rPr>
+              <a:t>back</a:t>
+            </a:r>
+            <a:r>
+              <a:rPr kumimoji="1" lang="en-US" altLang="ja-JP" smtClean="0">
+                <a:solidFill>
+                  <a:schemeClr val="bg1"/>
+                </a:solidFill>
+                <a:latin typeface="Meiryo UI" panose="020B0604030504040204" pitchFamily="50" charset="-128"/>
+                <a:ea typeface="Meiryo UI" panose="020B0604030504040204" pitchFamily="50" charset="-128"/>
+              </a:rPr>
+              <a:t>end.py</a:t>
+            </a:r>
+            <a:endParaRPr kumimoji="1" lang="ja-JP" altLang="en-US" smtClean="0">
+              <a:solidFill>
+                <a:schemeClr val="bg1"/>
+              </a:solidFill>
+              <a:latin typeface="Meiryo UI" panose="020B0604030504040204" pitchFamily="50" charset="-128"/>
+              <a:ea typeface="Meiryo UI" panose="020B0604030504040204" pitchFamily="50" charset="-128"/>
+            </a:endParaRPr>
+          </a:p>
+        </p:txBody>
+      </p:sp>
+      <p:sp>
+        <p:nvSpPr>
+          <p:cNvPr id="16" name="タイトル 1"/>
+          <p:cNvSpPr>
+            <a:spLocks noGrp="1"/>
+          </p:cNvSpPr>
+          <p:nvPr>
+            <p:ph type="title"/>
+          </p:nvPr>
+        </p:nvSpPr>
+        <p:spPr>
+          <a:xfrm>
+            <a:off x="628649" y="365126"/>
+            <a:ext cx="8254093" cy="532945"/>
+          </a:xfrm>
+        </p:spPr>
+        <p:txBody>
+          <a:bodyPr/>
+          <a:lstStyle/>
+          <a:p>
+            <a:r>
+              <a:rPr lang="ja-JP" altLang="en-US"/>
+              <a:t>使ってみる～ハンズオン ケーススタディ～</a:t>
+            </a:r>
+            <a:endParaRPr kumimoji="1" lang="ja-JP" altLang="en-US"/>
+          </a:p>
+        </p:txBody>
+      </p:sp>
+      <p:cxnSp>
+        <p:nvCxnSpPr>
+          <p:cNvPr id="18" name="直線コネクタ 17"/>
+          <p:cNvCxnSpPr/>
+          <p:nvPr/>
+        </p:nvCxnSpPr>
+        <p:spPr>
+          <a:xfrm flipV="1">
+            <a:off x="4529666" y="5782733"/>
+            <a:ext cx="1080000" cy="0"/>
+          </a:xfrm>
+          <a:prstGeom prst="line">
+            <a:avLst/>
+          </a:prstGeom>
+          <a:ln w="57150">
+            <a:solidFill>
+              <a:schemeClr val="accent4"/>
+            </a:solidFill>
+          </a:ln>
+        </p:spPr>
+        <p:style>
+          <a:lnRef idx="1">
+            <a:schemeClr val="accent1"/>
+          </a:lnRef>
+          <a:fillRef idx="0">
+            <a:schemeClr val="accent1"/>
+          </a:fillRef>
+          <a:effectRef idx="0">
+            <a:schemeClr val="accent1"/>
+          </a:effectRef>
+          <a:fontRef idx="minor">
+            <a:schemeClr val="tx1"/>
+          </a:fontRef>
+        </p:style>
+      </p:cxnSp>
+      <p:sp>
+        <p:nvSpPr>
+          <p:cNvPr id="20" name="テキスト ボックス 19"/>
+          <p:cNvSpPr txBox="1"/>
+          <p:nvPr/>
+        </p:nvSpPr>
+        <p:spPr>
+          <a:xfrm>
+            <a:off x="4529667" y="6007705"/>
+            <a:ext cx="1311908" cy="369332"/>
+          </a:xfrm>
+          <a:prstGeom prst="rect">
+            <a:avLst/>
+          </a:prstGeom>
+          <a:noFill/>
+        </p:spPr>
+        <p:txBody>
+          <a:bodyPr wrap="square" rtlCol="0">
+            <a:spAutoFit/>
+          </a:bodyPr>
+          <a:lstStyle/>
+          <a:p>
+            <a:r>
+              <a:rPr kumimoji="1" lang="ja-JP" altLang="en-US" smtClean="0"/>
+              <a:t>テキスト</a:t>
+            </a:r>
+            <a:endParaRPr kumimoji="1" lang="en-US" altLang="ja-JP" smtClean="0"/>
+          </a:p>
+        </p:txBody>
+      </p:sp>
+    </p:spTree>
+    <p:extLst>
+      <p:ext uri="{BB962C8B-B14F-4D97-AF65-F5344CB8AC3E}">
+        <p14:creationId xmlns:p14="http://schemas.microsoft.com/office/powerpoint/2010/main" val="2835801137"/>
+      </p:ext>
+    </p:extLst>
+  </p:cSld>
+  <p:clrMapOvr>
+    <a:masterClrMapping/>
+  </p:clrMapOvr>
+  <p:timing>
+    <p:tnLst>
+      <p:par>
+        <p:cTn id="1" dur="indefinite" restart="never" nodeType="tmRoot"/>
+      </p:par>
+    </p:tnLst>
+  </p:timing>
+</p:sld>
+</file>
+
+<file path=ppt/slides/slide7.xml><?xml version="1.0" encoding="utf-8"?>
+<p:sld xmlns:a="http://schemas.openxmlformats.org/drawingml/2006/main" xmlns:r="http://schemas.openxmlformats.org/officeDocument/2006/relationships" xmlns:p="http://schemas.openxmlformats.org/presentationml/2006/main">
+  <p:cSld>
+    <p:spTree>
+      <p:nvGrpSpPr>
+        <p:cNvPr id="1" name=""/>
+        <p:cNvGrpSpPr/>
+        <p:nvPr/>
+      </p:nvGrpSpPr>
+      <p:grpSpPr>
+        <a:xfrm>
+          <a:off x="0" y="0"/>
+          <a:ext cx="0" cy="0"/>
+          <a:chOff x="0" y="0"/>
+          <a:chExt cx="0" cy="0"/>
+        </a:xfrm>
+      </p:grpSpPr>
+      <p:sp>
+        <p:nvSpPr>
+          <p:cNvPr id="3" name="コンテンツ プレースホルダー 2"/>
+          <p:cNvSpPr>
+            <a:spLocks noGrp="1"/>
+          </p:cNvSpPr>
+          <p:nvPr>
+            <p:ph idx="1"/>
+          </p:nvPr>
+        </p:nvSpPr>
+        <p:spPr/>
+        <p:txBody>
+          <a:bodyPr>
+            <a:normAutofit/>
+          </a:bodyPr>
+          <a:lstStyle/>
+          <a:p>
+            <a:r>
+              <a:rPr kumimoji="1" lang="ja-JP" altLang="en-US" smtClean="0"/>
+              <a:t>コンテナ構築</a:t>
+            </a:r>
+            <a:r>
+              <a:rPr kumimoji="1" lang="en-US" altLang="ja-JP" smtClean="0"/>
+              <a:t>&amp;</a:t>
+            </a:r>
+            <a:r>
+              <a:rPr kumimoji="1" lang="ja-JP" altLang="en-US" smtClean="0"/>
+              <a:t>動作確認を始めて下さい</a:t>
+            </a:r>
+            <a:endParaRPr kumimoji="1" lang="en-US" altLang="ja-JP" smtClean="0"/>
+          </a:p>
+          <a:p>
+            <a:pPr lvl="1"/>
+            <a:r>
+              <a:rPr lang="ja-JP" altLang="en-US" smtClean="0"/>
+              <a:t>開発環境へのアクセス</a:t>
+            </a:r>
+            <a:endParaRPr lang="en-US" altLang="ja-JP" smtClean="0"/>
+          </a:p>
+          <a:p>
+            <a:pPr lvl="2"/>
+            <a:r>
+              <a:rPr kumimoji="1" lang="en-US" altLang="ja-JP" smtClean="0"/>
+              <a:t>http://XXX</a:t>
+            </a:r>
+            <a:r>
+              <a:rPr kumimoji="1" lang="ja-JP" altLang="en-US" smtClean="0"/>
+              <a:t>へアクセス</a:t>
+            </a:r>
+            <a:endParaRPr kumimoji="1" lang="en-US" altLang="ja-JP" smtClean="0"/>
+          </a:p>
+          <a:p>
+            <a:pPr lvl="3"/>
+            <a:r>
+              <a:rPr kumimoji="1" lang="ja-JP" altLang="en-US" smtClean="0"/>
+              <a:t>ユーザ名</a:t>
+            </a:r>
+            <a:r>
+              <a:rPr lang="ja-JP" altLang="en-US" smtClean="0"/>
+              <a:t>、パスワード共に</a:t>
+            </a:r>
+            <a:r>
+              <a:rPr lang="en-US" altLang="ja-JP" smtClean="0"/>
+              <a:t>masuno</a:t>
+            </a:r>
+          </a:p>
+          <a:p>
+            <a:pPr lvl="2"/>
+            <a:r>
+              <a:rPr lang="ja-JP" altLang="en-US" smtClean="0"/>
+              <a:t>ログイン後、新しいターミナルを開き、以下のコマンドを実行</a:t>
+            </a:r>
+            <a:r>
+              <a:rPr lang="en-US" altLang="ja-JP" smtClean="0"/>
+              <a:t/>
+            </a:r>
+            <a:br>
+              <a:rPr lang="en-US" altLang="ja-JP" smtClean="0"/>
+            </a:br>
+            <a:r>
+              <a:rPr lang="en-US" altLang="ja-JP" smtClean="0"/>
+              <a:t>ssh –l &lt;</a:t>
+            </a:r>
+            <a:r>
+              <a:rPr lang="ja-JP" altLang="en-US" smtClean="0"/>
+              <a:t>チーム名</a:t>
+            </a:r>
+            <a:r>
+              <a:rPr lang="en-US" altLang="ja-JP" smtClean="0"/>
+              <a:t>&gt; host</a:t>
+            </a:r>
+          </a:p>
+          <a:p>
+            <a:pPr lvl="3"/>
+            <a:r>
+              <a:rPr kumimoji="1" lang="ja-JP" altLang="en-US" smtClean="0"/>
+              <a:t>チーム名：</a:t>
+            </a:r>
+            <a:endParaRPr kumimoji="1" lang="en-US" altLang="ja-JP" smtClean="0"/>
+          </a:p>
+          <a:p>
+            <a:pPr lvl="4"/>
+            <a:r>
+              <a:rPr kumimoji="1" lang="en-US" altLang="ja-JP" smtClean="0"/>
+              <a:t>1</a:t>
+            </a:r>
+            <a:r>
+              <a:rPr kumimoji="1" lang="ja-JP" altLang="en-US" smtClean="0"/>
+              <a:t>チーム：</a:t>
+            </a:r>
+            <a:r>
+              <a:rPr kumimoji="1" lang="en-US" altLang="ja-JP" smtClean="0"/>
+              <a:t>team1</a:t>
+            </a:r>
+            <a:endParaRPr lang="en-US" altLang="ja-JP"/>
+          </a:p>
+          <a:p>
+            <a:pPr lvl="4"/>
+            <a:r>
+              <a:rPr kumimoji="1" lang="en-US" altLang="ja-JP" smtClean="0"/>
+              <a:t>2</a:t>
+            </a:r>
+            <a:r>
+              <a:rPr kumimoji="1" lang="ja-JP" altLang="en-US" smtClean="0"/>
+              <a:t>チーム</a:t>
+            </a:r>
+            <a:r>
+              <a:rPr kumimoji="1" lang="en-US" altLang="ja-JP" smtClean="0"/>
+              <a:t>:</a:t>
+            </a:r>
+            <a:r>
+              <a:rPr lang="ja-JP" altLang="en-US"/>
+              <a:t> </a:t>
+            </a:r>
+            <a:r>
+              <a:rPr lang="en-US" altLang="ja-JP" smtClean="0"/>
+              <a:t>team2</a:t>
+            </a:r>
+            <a:endParaRPr kumimoji="1" lang="en-US" altLang="ja-JP" smtClean="0"/>
+          </a:p>
+          <a:p>
+            <a:pPr lvl="1"/>
+            <a:r>
+              <a:rPr kumimoji="1" lang="ja-JP" altLang="en-US" smtClean="0"/>
+              <a:t>制約事項</a:t>
+            </a:r>
+            <a:endParaRPr kumimoji="1" lang="en-US" altLang="ja-JP" smtClean="0"/>
+          </a:p>
+          <a:p>
+            <a:pPr lvl="2"/>
+            <a:r>
+              <a:rPr lang="ja-JP" altLang="en-US" smtClean="0"/>
+              <a:t>社長のコード変更禁止！</a:t>
+            </a:r>
+            <a:r>
+              <a:rPr lang="en-US" altLang="ja-JP" smtClean="0"/>
+              <a:t>(</a:t>
+            </a:r>
+            <a:r>
+              <a:rPr lang="ja-JP" altLang="en-US" smtClean="0"/>
+              <a:t>当たり前だよね</a:t>
+            </a:r>
+            <a:r>
+              <a:rPr lang="en-US" altLang="ja-JP" smtClean="0"/>
+              <a:t>!)</a:t>
+            </a:r>
+          </a:p>
+          <a:p>
+            <a:pPr lvl="2"/>
+            <a:r>
+              <a:rPr lang="ja-JP" altLang="en-US" smtClean="0"/>
+              <a:t>コンテナのベースイメージは</a:t>
+            </a:r>
+            <a:r>
+              <a:rPr lang="en-US" altLang="ja-JP" smtClean="0">
+                <a:solidFill>
+                  <a:schemeClr val="accent4"/>
+                </a:solidFill>
+              </a:rPr>
+              <a:t>python:3</a:t>
+            </a:r>
+            <a:r>
+              <a:rPr lang="ja-JP" altLang="en-US" smtClean="0"/>
+              <a:t>を使ってください</a:t>
+            </a:r>
+            <a:endParaRPr lang="en-US" altLang="ja-JP" smtClean="0"/>
+          </a:p>
+          <a:p>
+            <a:pPr lvl="2"/>
+            <a:r>
+              <a:rPr lang="ja-JP" altLang="en-US" smtClean="0"/>
+              <a:t>ブラウザからは</a:t>
+            </a:r>
+            <a:r>
+              <a:rPr lang="en-US" altLang="ja-JP" smtClean="0">
+                <a:hlinkClick r:id="rId2"/>
+              </a:rPr>
+              <a:t>http://XXXx:XXX</a:t>
+            </a:r>
+            <a:r>
+              <a:rPr lang="ja-JP" altLang="en-US" smtClean="0"/>
+              <a:t>でアクセスできるようにしてください</a:t>
+            </a:r>
+            <a:endParaRPr lang="en-US" altLang="ja-JP" smtClean="0"/>
+          </a:p>
+        </p:txBody>
+      </p:sp>
+      <p:sp>
+        <p:nvSpPr>
+          <p:cNvPr id="4" name="タイトル 1"/>
+          <p:cNvSpPr>
+            <a:spLocks noGrp="1"/>
+          </p:cNvSpPr>
+          <p:nvPr>
+            <p:ph type="title"/>
+          </p:nvPr>
+        </p:nvSpPr>
+        <p:spPr/>
+        <p:txBody>
+          <a:bodyPr/>
+          <a:lstStyle/>
+          <a:p>
+            <a:r>
+              <a:rPr lang="ja-JP" altLang="en-US"/>
+              <a:t>使ってみる～ハンズオン ケーススタディ～</a:t>
+            </a:r>
+            <a:endParaRPr kumimoji="1" lang="ja-JP" altLang="en-US"/>
+          </a:p>
+        </p:txBody>
+      </p:sp>
+    </p:spTree>
+    <p:extLst>
+      <p:ext uri="{BB962C8B-B14F-4D97-AF65-F5344CB8AC3E}">
+        <p14:creationId xmlns:p14="http://schemas.microsoft.com/office/powerpoint/2010/main" val="731531415"/>
+      </p:ext>
+    </p:extLst>
+  </p:cSld>
+  <p:clrMapOvr>
+    <a:masterClrMapping/>
+  </p:clrMapOvr>
+  <p:timing>
+    <p:tnLst>
+      <p:par>
+        <p:cTn id="1" dur="indefinite" restart="never" nodeType="tmRoot"/>
+      </p:par>
+    </p:tnLst>
+  </p:timing>
+</p:sld>
+</file>
+
+<file path=ppt/slides/slide8.xml><?xml version="1.0" encoding="utf-8"?>
 <p:sld xmlns:a="http://schemas.openxmlformats.org/drawingml/2006/main" xmlns:r="http://schemas.openxmlformats.org/officeDocument/2006/relationships" xmlns:p="http://schemas.openxmlformats.org/presentationml/2006/main">
   <p:cSld>
     <p:spTree>
@@ -3545,6 +11164,228 @@
 </p:sld>
 </file>
 
+<file path=ppt/slides/slide9.xml><?xml version="1.0" encoding="utf-8"?>
+<p:sld xmlns:a="http://schemas.openxmlformats.org/drawingml/2006/main" xmlns:r="http://schemas.openxmlformats.org/officeDocument/2006/relationships" xmlns:p="http://schemas.openxmlformats.org/presentationml/2006/main">
+  <p:cSld>
+    <p:spTree>
+      <p:nvGrpSpPr>
+        <p:cNvPr id="1" name=""/>
+        <p:cNvGrpSpPr/>
+        <p:nvPr/>
+      </p:nvGrpSpPr>
+      <p:grpSpPr>
+        <a:xfrm>
+          <a:off x="0" y="0"/>
+          <a:ext cx="0" cy="0"/>
+          <a:chOff x="0" y="0"/>
+          <a:chExt cx="0" cy="0"/>
+        </a:xfrm>
+      </p:grpSpPr>
+      <p:sp>
+        <p:nvSpPr>
+          <p:cNvPr id="3" name="コンテンツ プレースホルダー 2"/>
+          <p:cNvSpPr>
+            <a:spLocks noGrp="1"/>
+          </p:cNvSpPr>
+          <p:nvPr>
+            <p:ph idx="1"/>
+          </p:nvPr>
+        </p:nvSpPr>
+        <p:spPr>
+          <a:xfrm>
+            <a:off x="261257" y="971550"/>
+            <a:ext cx="8958943" cy="5749926"/>
+          </a:xfrm>
+        </p:spPr>
+        <p:txBody>
+          <a:bodyPr/>
+          <a:lstStyle/>
+          <a:p>
+            <a:r>
+              <a:rPr kumimoji="1" lang="ja-JP" altLang="en-US" smtClean="0"/>
+              <a:t>不具合修正と機能追加</a:t>
+            </a:r>
+            <a:endParaRPr kumimoji="1" lang="en-US" altLang="ja-JP" smtClean="0"/>
+          </a:p>
+          <a:p>
+            <a:pPr lvl="1"/>
+            <a:r>
+              <a:rPr kumimoji="1" lang="ja-JP" altLang="en-US" smtClean="0"/>
+              <a:t>クレーム発生！</a:t>
+            </a:r>
+            <a:endParaRPr kumimoji="1" lang="en-US" altLang="ja-JP" smtClean="0"/>
+          </a:p>
+          <a:p>
+            <a:pPr lvl="2"/>
+            <a:r>
+              <a:rPr kumimoji="1" lang="ja-JP" altLang="en-US" smtClean="0"/>
+              <a:t>ユーザ名が空白の時、「</a:t>
+            </a:r>
+            <a:r>
+              <a:rPr lang="en-US" altLang="ja-JP"/>
+              <a:t>¯\_(</a:t>
+            </a:r>
+            <a:r>
+              <a:rPr lang="ja-JP" altLang="en-US" i="1"/>
+              <a:t>ツ</a:t>
+            </a:r>
+            <a:r>
+              <a:rPr lang="en-US" altLang="ja-JP"/>
+              <a:t>)_/¯</a:t>
+            </a:r>
+            <a:r>
+              <a:rPr kumimoji="1" lang="ja-JP" altLang="en-US" smtClean="0"/>
+              <a:t>」というナメた応答が来る！</a:t>
+            </a:r>
+            <a:endParaRPr kumimoji="1" lang="en-US" altLang="ja-JP" smtClean="0"/>
+          </a:p>
+          <a:p>
+            <a:pPr lvl="1"/>
+            <a:r>
+              <a:rPr lang="ja-JP" altLang="en-US" smtClean="0"/>
+              <a:t>機能追加要望！</a:t>
+            </a:r>
+            <a:endParaRPr lang="en-US" altLang="ja-JP" smtClean="0"/>
+          </a:p>
+          <a:p>
+            <a:pPr lvl="2"/>
+            <a:r>
+              <a:rPr lang="ja-JP" altLang="en-US" smtClean="0"/>
+              <a:t>社長「管理用にアクセスログを</a:t>
+            </a:r>
+            <a:r>
+              <a:rPr kumimoji="1" lang="en-US" altLang="ja-JP" smtClean="0"/>
+              <a:t>Web</a:t>
+            </a:r>
+            <a:r>
+              <a:rPr kumimoji="1" lang="ja-JP" altLang="en-US" smtClean="0"/>
+              <a:t>でみたいなー」</a:t>
+            </a:r>
+            <a:endParaRPr kumimoji="1" lang="en-US" altLang="ja-JP" smtClean="0"/>
+          </a:p>
+          <a:p>
+            <a:pPr lvl="1"/>
+            <a:r>
+              <a:rPr lang="ja-JP" altLang="en-US" smtClean="0"/>
+              <a:t>社長「あ、でも僕が書いたコードは修正しないでね」</a:t>
+            </a:r>
+            <a:endParaRPr lang="en-US" altLang="ja-JP" smtClean="0"/>
+          </a:p>
+          <a:p>
+            <a:pPr marL="0" indent="0">
+              <a:buNone/>
+            </a:pPr>
+            <a:endParaRPr lang="en-US" altLang="ja-JP" smtClean="0"/>
+          </a:p>
+          <a:p>
+            <a:pPr marL="0" indent="0">
+              <a:buNone/>
+            </a:pPr>
+            <a:endParaRPr lang="en-US" altLang="ja-JP"/>
+          </a:p>
+          <a:p>
+            <a:pPr marL="0" indent="0">
+              <a:buNone/>
+            </a:pPr>
+            <a:endParaRPr lang="en-US" altLang="ja-JP" smtClean="0"/>
+          </a:p>
+          <a:p>
+            <a:pPr marL="0" indent="0">
+              <a:buNone/>
+            </a:pPr>
+            <a:endParaRPr lang="en-US" altLang="ja-JP"/>
+          </a:p>
+          <a:p>
+            <a:pPr marL="0" indent="0">
+              <a:buNone/>
+            </a:pPr>
+            <a:r>
+              <a:rPr lang="en-US" altLang="ja-JP" smtClean="0"/>
+              <a:t/>
+            </a:r>
+            <a:br>
+              <a:rPr lang="en-US" altLang="ja-JP" smtClean="0"/>
+            </a:br>
+            <a:r>
+              <a:rPr lang="ja-JP" altLang="en-US" smtClean="0"/>
+              <a:t>↑をコード修正なく実現できる方法を議論しましょう</a:t>
+            </a:r>
+            <a:endParaRPr lang="en-US" altLang="ja-JP"/>
+          </a:p>
+        </p:txBody>
+      </p:sp>
+      <p:sp>
+        <p:nvSpPr>
+          <p:cNvPr id="4" name="タイトル 1"/>
+          <p:cNvSpPr>
+            <a:spLocks noGrp="1"/>
+          </p:cNvSpPr>
+          <p:nvPr>
+            <p:ph type="title"/>
+          </p:nvPr>
+        </p:nvSpPr>
+        <p:spPr>
+          <a:xfrm>
+            <a:off x="628649" y="365126"/>
+            <a:ext cx="8254093" cy="532945"/>
+          </a:xfrm>
+        </p:spPr>
+        <p:txBody>
+          <a:bodyPr/>
+          <a:lstStyle/>
+          <a:p>
+            <a:r>
+              <a:rPr lang="ja-JP" altLang="en-US"/>
+              <a:t>使ってみる～ハンズオン ケーススタディ～</a:t>
+            </a:r>
+            <a:endParaRPr kumimoji="1" lang="ja-JP" altLang="en-US"/>
+          </a:p>
+        </p:txBody>
+      </p:sp>
+      <p:pic>
+        <p:nvPicPr>
+          <p:cNvPr id="5" name="図 4"/>
+          <p:cNvPicPr>
+            <a:picLocks noChangeAspect="1"/>
+          </p:cNvPicPr>
+          <p:nvPr/>
+        </p:nvPicPr>
+        <p:blipFill>
+          <a:blip r:embed="rId2"/>
+          <a:stretch>
+            <a:fillRect/>
+          </a:stretch>
+        </p:blipFill>
+        <p:spPr>
+          <a:xfrm>
+            <a:off x="2106044" y="3593174"/>
+            <a:ext cx="5269367" cy="2210712"/>
+          </a:xfrm>
+          <a:prstGeom prst="rect">
+            <a:avLst/>
+          </a:prstGeom>
+        </p:spPr>
+      </p:pic>
+    </p:spTree>
+    <p:extLst>
+      <p:ext uri="{BB962C8B-B14F-4D97-AF65-F5344CB8AC3E}">
+        <p14:creationId xmlns:p14="http://schemas.microsoft.com/office/powerpoint/2010/main" val="1103316400"/>
+      </p:ext>
+    </p:extLst>
+  </p:cSld>
+  <p:clrMapOvr>
+    <a:masterClrMapping/>
+  </p:clrMapOvr>
+  <p:timing>
+    <p:tnLst>
+      <p:par>
+        <p:cTn id="1" dur="indefinite" restart="never" nodeType="tmRoot"/>
+      </p:par>
+    </p:tnLst>
+  </p:timing>
+</p:sld>
+</file>
+
 <file path=ppt/theme/theme1.xml><?xml version="1.0" encoding="utf-8"?>
 <a:theme xmlns:a="http://schemas.openxmlformats.org/drawingml/2006/main" name="Office テーマ">
   <a:themeElements>
